--- a/ppt/04-02.pptx
+++ b/ppt/04-02.pptx
@@ -3429,7 +3429,6 @@
               <a:rPr lang="en-US" altLang="ko-KR" dirty="0"/>
               <a:t>UI-SJN-23-002L</a:t>
             </a:r>
-            <a:endParaRPr lang="en-US" altLang="ko-KR" dirty="0"/>
           </a:p>
         </p:txBody>
       </p:sp>
@@ -3849,7 +3848,6 @@
               <a:rPr lang="en-US" altLang="ko-KR" dirty="0"/>
               <a:t>UI-SJN-20-001U</a:t>
             </a:r>
-            <a:endParaRPr lang="en-US" altLang="ko-KR" dirty="0"/>
           </a:p>
         </p:txBody>
       </p:sp>
@@ -4090,7 +4088,6 @@
               <a:rPr lang="en-US" altLang="ko-KR" dirty="0"/>
               <a:t>UI-SJN-42-003L</a:t>
             </a:r>
-            <a:endParaRPr lang="en-US" altLang="ko-KR" dirty="0"/>
           </a:p>
         </p:txBody>
       </p:sp>
@@ -5199,7 +5196,6 @@
               <a:rPr lang="en-US" altLang="ko-KR" dirty="0"/>
               <a:t>UI-SJN-32-010L</a:t>
             </a:r>
-            <a:endParaRPr lang="en-US" altLang="ko-KR" dirty="0"/>
           </a:p>
         </p:txBody>
       </p:sp>
@@ -5369,6 +5365,93 @@
           </a:p>
         </p:txBody>
       </p:sp>
+      <p:pic>
+        <p:nvPicPr>
+          <p:cNvPr id="2" name="그림 1"/>
+          <p:cNvPicPr>
+            <a:picLocks noChangeAspect="1"/>
+          </p:cNvPicPr>
+          <p:nvPr/>
+        </p:nvPicPr>
+        <p:blipFill>
+          <a:blip r:embed="rId4"/>
+          <a:stretch>
+            <a:fillRect/>
+          </a:stretch>
+        </p:blipFill>
+        <p:spPr>
+          <a:xfrm>
+            <a:off x="955636" y="5141626"/>
+            <a:ext cx="3096057" cy="638264"/>
+          </a:xfrm>
+          <a:prstGeom prst="rect">
+            <a:avLst/>
+          </a:prstGeom>
+        </p:spPr>
+      </p:pic>
+      <p:sp>
+        <p:nvSpPr>
+          <p:cNvPr id="10" name="TextBox 9"/>
+          <p:cNvSpPr txBox="1"/>
+          <p:nvPr/>
+        </p:nvSpPr>
+        <p:spPr>
+          <a:xfrm>
+            <a:off x="5182205" y="5265055"/>
+            <a:ext cx="1324402" cy="307777"/>
+          </a:xfrm>
+          <a:prstGeom prst="rect">
+            <a:avLst/>
+          </a:prstGeom>
+          <a:noFill/>
+        </p:spPr>
+        <p:txBody>
+          <a:bodyPr wrap="none" rtlCol="0">
+            <a:spAutoFit/>
+          </a:bodyPr>
+          <a:lstStyle/>
+          <a:p>
+            <a:r>
+              <a:rPr lang="ko-KR" altLang="en-US" sz="1400" dirty="0" smtClean="0"/>
+              <a:t>비활성화 추가</a:t>
+            </a:r>
+            <a:endParaRPr lang="ko-KR" altLang="en-US" sz="1400" dirty="0"/>
+          </a:p>
+        </p:txBody>
+      </p:sp>
+      <p:cxnSp>
+        <p:nvCxnSpPr>
+          <p:cNvPr id="6" name="직선 화살표 연결선 5"/>
+          <p:cNvCxnSpPr/>
+          <p:nvPr/>
+        </p:nvCxnSpPr>
+        <p:spPr>
+          <a:xfrm flipH="1">
+            <a:off x="4219731" y="5442611"/>
+            <a:ext cx="779488" cy="0"/>
+          </a:xfrm>
+          <a:prstGeom prst="straightConnector1">
+            <a:avLst/>
+          </a:prstGeom>
+          <a:ln>
+            <a:tailEnd type="triangle"/>
+          </a:ln>
+        </p:spPr>
+        <p:style>
+          <a:lnRef idx="1">
+            <a:schemeClr val="accent1"/>
+          </a:lnRef>
+          <a:fillRef idx="0">
+            <a:schemeClr val="accent1"/>
+          </a:fillRef>
+          <a:effectRef idx="0">
+            <a:schemeClr val="accent1"/>
+          </a:effectRef>
+          <a:fontRef idx="minor">
+            <a:schemeClr val="tx1"/>
+          </a:fontRef>
+        </p:style>
+      </p:cxnSp>
     </p:spTree>
     <p:extLst>
       <p:ext uri="{BB962C8B-B14F-4D97-AF65-F5344CB8AC3E}">

--- a/ppt/04-02.pptx
+++ b/ppt/04-02.pptx
@@ -5365,30 +5365,6 @@
           </a:p>
         </p:txBody>
       </p:sp>
-      <p:pic>
-        <p:nvPicPr>
-          <p:cNvPr id="2" name="그림 1"/>
-          <p:cNvPicPr>
-            <a:picLocks noChangeAspect="1"/>
-          </p:cNvPicPr>
-          <p:nvPr/>
-        </p:nvPicPr>
-        <p:blipFill>
-          <a:blip r:embed="rId4"/>
-          <a:stretch>
-            <a:fillRect/>
-          </a:stretch>
-        </p:blipFill>
-        <p:spPr>
-          <a:xfrm>
-            <a:off x="955636" y="5141626"/>
-            <a:ext cx="3096057" cy="638264"/>
-          </a:xfrm>
-          <a:prstGeom prst="rect">
-            <a:avLst/>
-          </a:prstGeom>
-        </p:spPr>
-      </p:pic>
       <p:sp>
         <p:nvSpPr>
           <p:cNvPr id="10" name="TextBox 9"/>
@@ -5452,6 +5428,30 @@
           </a:fontRef>
         </p:style>
       </p:cxnSp>
+      <p:pic>
+        <p:nvPicPr>
+          <p:cNvPr id="3" name="그림 2"/>
+          <p:cNvPicPr>
+            <a:picLocks noChangeAspect="1"/>
+          </p:cNvPicPr>
+          <p:nvPr/>
+        </p:nvPicPr>
+        <p:blipFill>
+          <a:blip r:embed="rId4"/>
+          <a:stretch>
+            <a:fillRect/>
+          </a:stretch>
+        </p:blipFill>
+        <p:spPr>
+          <a:xfrm>
+            <a:off x="1397846" y="5141626"/>
+            <a:ext cx="2362530" cy="504895"/>
+          </a:xfrm>
+          <a:prstGeom prst="rect">
+            <a:avLst/>
+          </a:prstGeom>
+        </p:spPr>
+      </p:pic>
     </p:spTree>
     <p:extLst>
       <p:ext uri="{BB962C8B-B14F-4D97-AF65-F5344CB8AC3E}">

--- a/ppt/04-02.pptx
+++ b/ppt/04-02.pptx
@@ -7,14 +7,22 @@
   <p:sldIdLst>
     <p:sldId id="257" r:id="rId2"/>
     <p:sldId id="258" r:id="rId3"/>
-    <p:sldId id="259" r:id="rId4"/>
-    <p:sldId id="260" r:id="rId5"/>
-    <p:sldId id="261" r:id="rId6"/>
-    <p:sldId id="262" r:id="rId7"/>
-    <p:sldId id="263" r:id="rId8"/>
-    <p:sldId id="267" r:id="rId9"/>
-    <p:sldId id="264" r:id="rId10"/>
-    <p:sldId id="266" r:id="rId11"/>
+    <p:sldId id="269" r:id="rId4"/>
+    <p:sldId id="270" r:id="rId5"/>
+    <p:sldId id="274" r:id="rId6"/>
+    <p:sldId id="275" r:id="rId7"/>
+    <p:sldId id="273" r:id="rId8"/>
+    <p:sldId id="271" r:id="rId9"/>
+    <p:sldId id="272" r:id="rId10"/>
+    <p:sldId id="268" r:id="rId11"/>
+    <p:sldId id="259" r:id="rId12"/>
+    <p:sldId id="260" r:id="rId13"/>
+    <p:sldId id="261" r:id="rId14"/>
+    <p:sldId id="262" r:id="rId15"/>
+    <p:sldId id="263" r:id="rId16"/>
+    <p:sldId id="267" r:id="rId17"/>
+    <p:sldId id="264" r:id="rId18"/>
+    <p:sldId id="266" r:id="rId19"/>
   </p:sldIdLst>
   <p:sldSz cx="12192000" cy="6858000"/>
   <p:notesSz cx="6858000" cy="9144000"/>
@@ -3379,6 +3387,1836 @@
           <a:chExt cx="0" cy="0"/>
         </a:xfrm>
       </p:grpSpPr>
+      <p:sp>
+        <p:nvSpPr>
+          <p:cNvPr id="3" name="직사각형 2"/>
+          <p:cNvSpPr/>
+          <p:nvPr/>
+        </p:nvSpPr>
+        <p:spPr>
+          <a:xfrm>
+            <a:off x="0" y="0"/>
+            <a:ext cx="12192000" cy="6858000"/>
+          </a:xfrm>
+          <a:prstGeom prst="rect">
+            <a:avLst/>
+          </a:prstGeom>
+        </p:spPr>
+        <p:style>
+          <a:lnRef idx="2">
+            <a:schemeClr val="accent1">
+              <a:shade val="50000"/>
+            </a:schemeClr>
+          </a:lnRef>
+          <a:fillRef idx="1">
+            <a:schemeClr val="accent1"/>
+          </a:fillRef>
+          <a:effectRef idx="0">
+            <a:schemeClr val="accent1"/>
+          </a:effectRef>
+          <a:fontRef idx="minor">
+            <a:schemeClr val="lt1"/>
+          </a:fontRef>
+        </p:style>
+        <p:txBody>
+          <a:bodyPr rtlCol="0" anchor="ctr"/>
+          <a:lstStyle/>
+          <a:p>
+            <a:pPr algn="ctr"/>
+            <a:r>
+              <a:rPr lang="ko-KR" altLang="en-US" sz="10000" dirty="0" err="1" smtClean="0"/>
+              <a:t>정차장님</a:t>
+            </a:r>
+            <a:r>
+              <a:rPr lang="ko-KR" altLang="en-US" sz="10000" dirty="0" smtClean="0"/>
+              <a:t> 요청사항</a:t>
+            </a:r>
+            <a:endParaRPr lang="ko-KR" altLang="en-US" sz="10000" dirty="0"/>
+          </a:p>
+        </p:txBody>
+      </p:sp>
+    </p:spTree>
+    <p:extLst>
+      <p:ext uri="{BB962C8B-B14F-4D97-AF65-F5344CB8AC3E}">
+        <p14:creationId xmlns:p14="http://schemas.microsoft.com/office/powerpoint/2010/main" val="506022180"/>
+      </p:ext>
+    </p:extLst>
+  </p:cSld>
+  <p:clrMapOvr>
+    <a:masterClrMapping/>
+  </p:clrMapOvr>
+</p:sld>
+</file>
+
+<file path=ppt/slides/slide11.xml><?xml version="1.0" encoding="utf-8"?>
+<p:sld xmlns:a="http://schemas.openxmlformats.org/drawingml/2006/main" xmlns:r="http://schemas.openxmlformats.org/officeDocument/2006/relationships" xmlns:p="http://schemas.openxmlformats.org/presentationml/2006/main">
+  <p:cSld>
+    <p:spTree>
+      <p:nvGrpSpPr>
+        <p:cNvPr id="1" name=""/>
+        <p:cNvGrpSpPr/>
+        <p:nvPr/>
+      </p:nvGrpSpPr>
+      <p:grpSpPr>
+        <a:xfrm>
+          <a:off x="0" y="0"/>
+          <a:ext cx="0" cy="0"/>
+          <a:chOff x="0" y="0"/>
+          <a:chExt cx="0" cy="0"/>
+        </a:xfrm>
+      </p:grpSpPr>
+      <p:pic>
+        <p:nvPicPr>
+          <p:cNvPr id="14" name="그림 13"/>
+          <p:cNvPicPr>
+            <a:picLocks noChangeAspect="1"/>
+          </p:cNvPicPr>
+          <p:nvPr/>
+        </p:nvPicPr>
+        <p:blipFill>
+          <a:blip r:embed="rId2"/>
+          <a:stretch>
+            <a:fillRect/>
+          </a:stretch>
+        </p:blipFill>
+        <p:spPr>
+          <a:xfrm>
+            <a:off x="727383" y="621451"/>
+            <a:ext cx="3754676" cy="2748568"/>
+          </a:xfrm>
+          <a:prstGeom prst="rect">
+            <a:avLst/>
+          </a:prstGeom>
+        </p:spPr>
+      </p:pic>
+      <p:sp>
+        <p:nvSpPr>
+          <p:cNvPr id="17" name="TextBox 16"/>
+          <p:cNvSpPr txBox="1"/>
+          <p:nvPr/>
+        </p:nvSpPr>
+        <p:spPr>
+          <a:xfrm>
+            <a:off x="612052" y="3932806"/>
+            <a:ext cx="1606530" cy="307777"/>
+          </a:xfrm>
+          <a:prstGeom prst="rect">
+            <a:avLst/>
+          </a:prstGeom>
+          <a:noFill/>
+        </p:spPr>
+        <p:txBody>
+          <a:bodyPr wrap="none" rtlCol="0">
+            <a:spAutoFit/>
+          </a:bodyPr>
+          <a:lstStyle/>
+          <a:p>
+            <a:r>
+              <a:rPr lang="en-US" altLang="ko-KR" sz="1400" dirty="0" smtClean="0"/>
+              <a:t>css </a:t>
+            </a:r>
+            <a:r>
+              <a:rPr lang="ko-KR" altLang="en-US" sz="1400" dirty="0" smtClean="0"/>
+              <a:t>제거했습니다</a:t>
+            </a:r>
+            <a:r>
+              <a:rPr lang="en-US" altLang="ko-KR" sz="1400" dirty="0" smtClean="0"/>
+              <a:t>.</a:t>
+            </a:r>
+            <a:endParaRPr lang="ko-KR" altLang="en-US" sz="1400" dirty="0"/>
+          </a:p>
+        </p:txBody>
+      </p:sp>
+    </p:spTree>
+    <p:extLst>
+      <p:ext uri="{BB962C8B-B14F-4D97-AF65-F5344CB8AC3E}">
+        <p14:creationId xmlns:p14="http://schemas.microsoft.com/office/powerpoint/2010/main" val="2558635409"/>
+      </p:ext>
+    </p:extLst>
+  </p:cSld>
+  <p:clrMapOvr>
+    <a:masterClrMapping/>
+  </p:clrMapOvr>
+</p:sld>
+</file>
+
+<file path=ppt/slides/slide12.xml><?xml version="1.0" encoding="utf-8"?>
+<p:sld xmlns:a="http://schemas.openxmlformats.org/drawingml/2006/main" xmlns:r="http://schemas.openxmlformats.org/officeDocument/2006/relationships" xmlns:p="http://schemas.openxmlformats.org/presentationml/2006/main">
+  <p:cSld>
+    <p:spTree>
+      <p:nvGrpSpPr>
+        <p:cNvPr id="1" name=""/>
+        <p:cNvGrpSpPr/>
+        <p:nvPr/>
+      </p:nvGrpSpPr>
+      <p:grpSpPr>
+        <a:xfrm>
+          <a:off x="0" y="0"/>
+          <a:ext cx="0" cy="0"/>
+          <a:chOff x="0" y="0"/>
+          <a:chExt cx="0" cy="0"/>
+        </a:xfrm>
+      </p:grpSpPr>
+      <p:sp>
+        <p:nvSpPr>
+          <p:cNvPr id="16" name="TextBox 15"/>
+          <p:cNvSpPr txBox="1"/>
+          <p:nvPr/>
+        </p:nvSpPr>
+        <p:spPr>
+          <a:xfrm>
+            <a:off x="487180" y="252119"/>
+            <a:ext cx="1872629" cy="369332"/>
+          </a:xfrm>
+          <a:prstGeom prst="rect">
+            <a:avLst/>
+          </a:prstGeom>
+          <a:noFill/>
+        </p:spPr>
+        <p:txBody>
+          <a:bodyPr wrap="none" rtlCol="0">
+            <a:spAutoFit/>
+          </a:bodyPr>
+          <a:lstStyle/>
+          <a:p>
+            <a:r>
+              <a:rPr lang="en-US" altLang="ko-KR" dirty="0"/>
+              <a:t>UI-SJN-20-001U</a:t>
+            </a:r>
+          </a:p>
+        </p:txBody>
+      </p:sp>
+      <p:pic>
+        <p:nvPicPr>
+          <p:cNvPr id="2" name="그림 1"/>
+          <p:cNvPicPr>
+            <a:picLocks noChangeAspect="1"/>
+          </p:cNvPicPr>
+          <p:nvPr/>
+        </p:nvPicPr>
+        <p:blipFill>
+          <a:blip r:embed="rId2"/>
+          <a:stretch>
+            <a:fillRect/>
+          </a:stretch>
+        </p:blipFill>
+        <p:spPr>
+          <a:xfrm>
+            <a:off x="487180" y="1036971"/>
+            <a:ext cx="4172532" cy="3419952"/>
+          </a:xfrm>
+          <a:prstGeom prst="rect">
+            <a:avLst/>
+          </a:prstGeom>
+        </p:spPr>
+      </p:pic>
+      <p:pic>
+        <p:nvPicPr>
+          <p:cNvPr id="3" name="그림 2"/>
+          <p:cNvPicPr>
+            <a:picLocks noChangeAspect="1"/>
+          </p:cNvPicPr>
+          <p:nvPr/>
+        </p:nvPicPr>
+        <p:blipFill>
+          <a:blip r:embed="rId3"/>
+          <a:stretch>
+            <a:fillRect/>
+          </a:stretch>
+        </p:blipFill>
+        <p:spPr>
+          <a:xfrm>
+            <a:off x="5566863" y="1036971"/>
+            <a:ext cx="428685" cy="419158"/>
+          </a:xfrm>
+          <a:prstGeom prst="rect">
+            <a:avLst/>
+          </a:prstGeom>
+        </p:spPr>
+      </p:pic>
+      <p:cxnSp>
+        <p:nvCxnSpPr>
+          <p:cNvPr id="5" name="직선 화살표 연결선 4"/>
+          <p:cNvCxnSpPr/>
+          <p:nvPr/>
+        </p:nvCxnSpPr>
+        <p:spPr>
+          <a:xfrm>
+            <a:off x="4811843" y="1334125"/>
+            <a:ext cx="472190" cy="0"/>
+          </a:xfrm>
+          <a:prstGeom prst="straightConnector1">
+            <a:avLst/>
+          </a:prstGeom>
+          <a:ln>
+            <a:tailEnd type="triangle"/>
+          </a:ln>
+        </p:spPr>
+        <p:style>
+          <a:lnRef idx="1">
+            <a:schemeClr val="accent1"/>
+          </a:lnRef>
+          <a:fillRef idx="0">
+            <a:schemeClr val="accent1"/>
+          </a:fillRef>
+          <a:effectRef idx="0">
+            <a:schemeClr val="accent1"/>
+          </a:effectRef>
+          <a:fontRef idx="minor">
+            <a:schemeClr val="tx1"/>
+          </a:fontRef>
+        </p:style>
+      </p:cxnSp>
+      <p:sp>
+        <p:nvSpPr>
+          <p:cNvPr id="10" name="TextBox 9"/>
+          <p:cNvSpPr txBox="1"/>
+          <p:nvPr/>
+        </p:nvSpPr>
+        <p:spPr>
+          <a:xfrm>
+            <a:off x="5423895" y="1721757"/>
+            <a:ext cx="1855444" cy="307777"/>
+          </a:xfrm>
+          <a:prstGeom prst="rect">
+            <a:avLst/>
+          </a:prstGeom>
+          <a:noFill/>
+        </p:spPr>
+        <p:txBody>
+          <a:bodyPr wrap="none" rtlCol="0">
+            <a:spAutoFit/>
+          </a:bodyPr>
+          <a:lstStyle/>
+          <a:p>
+            <a:r>
+              <a:rPr lang="en-US" altLang="ko-KR" sz="1400" dirty="0" smtClean="0"/>
+              <a:t>active </a:t>
+            </a:r>
+            <a:r>
+              <a:rPr lang="ko-KR" altLang="en-US" sz="1400" dirty="0" err="1" smtClean="0"/>
+              <a:t>클래스명</a:t>
+            </a:r>
+            <a:r>
+              <a:rPr lang="ko-KR" altLang="en-US" sz="1400" dirty="0" smtClean="0"/>
+              <a:t> 추가</a:t>
+            </a:r>
+            <a:endParaRPr lang="ko-KR" altLang="en-US" sz="1400" dirty="0"/>
+          </a:p>
+        </p:txBody>
+      </p:sp>
+      <p:pic>
+        <p:nvPicPr>
+          <p:cNvPr id="6" name="그림 5"/>
+          <p:cNvPicPr>
+            <a:picLocks noChangeAspect="1"/>
+          </p:cNvPicPr>
+          <p:nvPr/>
+        </p:nvPicPr>
+        <p:blipFill>
+          <a:blip r:embed="rId4"/>
+          <a:stretch>
+            <a:fillRect/>
+          </a:stretch>
+        </p:blipFill>
+        <p:spPr>
+          <a:xfrm>
+            <a:off x="7656612" y="877274"/>
+            <a:ext cx="3429479" cy="5058481"/>
+          </a:xfrm>
+          <a:prstGeom prst="rect">
+            <a:avLst/>
+          </a:prstGeom>
+        </p:spPr>
+      </p:pic>
+      <p:sp>
+        <p:nvSpPr>
+          <p:cNvPr id="7" name="TextBox 6"/>
+          <p:cNvSpPr txBox="1"/>
+          <p:nvPr/>
+        </p:nvSpPr>
+        <p:spPr>
+          <a:xfrm>
+            <a:off x="8117173" y="6130977"/>
+            <a:ext cx="2239716" cy="307777"/>
+          </a:xfrm>
+          <a:prstGeom prst="rect">
+            <a:avLst/>
+          </a:prstGeom>
+          <a:noFill/>
+        </p:spPr>
+        <p:txBody>
+          <a:bodyPr wrap="none" rtlCol="0">
+            <a:spAutoFit/>
+          </a:bodyPr>
+          <a:lstStyle/>
+          <a:p>
+            <a:r>
+              <a:rPr lang="ko-KR" altLang="en-US" sz="1400" dirty="0" err="1" smtClean="0"/>
+              <a:t>배경이미지</a:t>
+            </a:r>
+            <a:r>
+              <a:rPr lang="ko-KR" altLang="en-US" sz="1400" dirty="0" smtClean="0"/>
+              <a:t> 크기 </a:t>
+            </a:r>
+            <a:r>
+              <a:rPr lang="en-US" altLang="ko-KR" sz="1400" dirty="0" smtClean="0"/>
+              <a:t>318*226</a:t>
+            </a:r>
+            <a:endParaRPr lang="ko-KR" altLang="en-US" sz="1400" dirty="0"/>
+          </a:p>
+        </p:txBody>
+      </p:sp>
+    </p:spTree>
+    <p:extLst>
+      <p:ext uri="{BB962C8B-B14F-4D97-AF65-F5344CB8AC3E}">
+        <p14:creationId xmlns:p14="http://schemas.microsoft.com/office/powerpoint/2010/main" val="726478288"/>
+      </p:ext>
+    </p:extLst>
+  </p:cSld>
+  <p:clrMapOvr>
+    <a:masterClrMapping/>
+  </p:clrMapOvr>
+</p:sld>
+</file>
+
+<file path=ppt/slides/slide13.xml><?xml version="1.0" encoding="utf-8"?>
+<p:sld xmlns:a="http://schemas.openxmlformats.org/drawingml/2006/main" xmlns:r="http://schemas.openxmlformats.org/officeDocument/2006/relationships" xmlns:p="http://schemas.openxmlformats.org/presentationml/2006/main">
+  <p:cSld>
+    <p:spTree>
+      <p:nvGrpSpPr>
+        <p:cNvPr id="1" name=""/>
+        <p:cNvGrpSpPr/>
+        <p:nvPr/>
+      </p:nvGrpSpPr>
+      <p:grpSpPr>
+        <a:xfrm>
+          <a:off x="0" y="0"/>
+          <a:ext cx="0" cy="0"/>
+          <a:chOff x="0" y="0"/>
+          <a:chExt cx="0" cy="0"/>
+        </a:xfrm>
+      </p:grpSpPr>
+      <p:sp>
+        <p:nvSpPr>
+          <p:cNvPr id="16" name="TextBox 15"/>
+          <p:cNvSpPr txBox="1"/>
+          <p:nvPr/>
+        </p:nvSpPr>
+        <p:spPr>
+          <a:xfrm>
+            <a:off x="487180" y="252119"/>
+            <a:ext cx="1872629" cy="369332"/>
+          </a:xfrm>
+          <a:prstGeom prst="rect">
+            <a:avLst/>
+          </a:prstGeom>
+          <a:noFill/>
+        </p:spPr>
+        <p:txBody>
+          <a:bodyPr wrap="none" rtlCol="0">
+            <a:spAutoFit/>
+          </a:bodyPr>
+          <a:lstStyle/>
+          <a:p>
+            <a:r>
+              <a:rPr lang="en-US" altLang="ko-KR" dirty="0"/>
+              <a:t>UI-SJN-42-003L</a:t>
+            </a:r>
+          </a:p>
+        </p:txBody>
+      </p:sp>
+      <p:pic>
+        <p:nvPicPr>
+          <p:cNvPr id="4" name="그림 3"/>
+          <p:cNvPicPr>
+            <a:picLocks noChangeAspect="1"/>
+          </p:cNvPicPr>
+          <p:nvPr/>
+        </p:nvPicPr>
+        <p:blipFill>
+          <a:blip r:embed="rId2"/>
+          <a:stretch>
+            <a:fillRect/>
+          </a:stretch>
+        </p:blipFill>
+        <p:spPr>
+          <a:xfrm>
+            <a:off x="487180" y="949196"/>
+            <a:ext cx="4324954" cy="2591162"/>
+          </a:xfrm>
+          <a:prstGeom prst="rect">
+            <a:avLst/>
+          </a:prstGeom>
+        </p:spPr>
+      </p:pic>
+      <p:pic>
+        <p:nvPicPr>
+          <p:cNvPr id="8" name="그림 7"/>
+          <p:cNvPicPr>
+            <a:picLocks noChangeAspect="1"/>
+          </p:cNvPicPr>
+          <p:nvPr/>
+        </p:nvPicPr>
+        <p:blipFill>
+          <a:blip r:embed="rId3"/>
+          <a:stretch>
+            <a:fillRect/>
+          </a:stretch>
+        </p:blipFill>
+        <p:spPr>
+          <a:xfrm>
+            <a:off x="6014424" y="1034933"/>
+            <a:ext cx="4315427" cy="2419688"/>
+          </a:xfrm>
+          <a:prstGeom prst="rect">
+            <a:avLst/>
+          </a:prstGeom>
+        </p:spPr>
+      </p:pic>
+      <p:cxnSp>
+        <p:nvCxnSpPr>
+          <p:cNvPr id="11" name="직선 화살표 연결선 10"/>
+          <p:cNvCxnSpPr/>
+          <p:nvPr/>
+        </p:nvCxnSpPr>
+        <p:spPr>
+          <a:xfrm>
+            <a:off x="5096656" y="2244777"/>
+            <a:ext cx="674557" cy="0"/>
+          </a:xfrm>
+          <a:prstGeom prst="straightConnector1">
+            <a:avLst/>
+          </a:prstGeom>
+          <a:ln>
+            <a:tailEnd type="triangle"/>
+          </a:ln>
+        </p:spPr>
+        <p:style>
+          <a:lnRef idx="1">
+            <a:schemeClr val="accent1"/>
+          </a:lnRef>
+          <a:fillRef idx="0">
+            <a:schemeClr val="accent1"/>
+          </a:fillRef>
+          <a:effectRef idx="0">
+            <a:schemeClr val="accent1"/>
+          </a:effectRef>
+          <a:fontRef idx="minor">
+            <a:schemeClr val="tx1"/>
+          </a:fontRef>
+        </p:style>
+      </p:cxnSp>
+      <p:sp>
+        <p:nvSpPr>
+          <p:cNvPr id="12" name="TextBox 11"/>
+          <p:cNvSpPr txBox="1"/>
+          <p:nvPr/>
+        </p:nvSpPr>
+        <p:spPr>
+          <a:xfrm>
+            <a:off x="9100144" y="5360502"/>
+            <a:ext cx="1324402" cy="307777"/>
+          </a:xfrm>
+          <a:prstGeom prst="rect">
+            <a:avLst/>
+          </a:prstGeom>
+          <a:noFill/>
+        </p:spPr>
+        <p:txBody>
+          <a:bodyPr wrap="none" rtlCol="0">
+            <a:spAutoFit/>
+          </a:bodyPr>
+          <a:lstStyle/>
+          <a:p>
+            <a:r>
+              <a:rPr lang="ko-KR" altLang="en-US" sz="1400" dirty="0" err="1" smtClean="0"/>
+              <a:t>클래스명</a:t>
+            </a:r>
+            <a:r>
+              <a:rPr lang="ko-KR" altLang="en-US" sz="1400" dirty="0" smtClean="0"/>
+              <a:t> 변경</a:t>
+            </a:r>
+            <a:endParaRPr lang="ko-KR" altLang="en-US" sz="1400" dirty="0"/>
+          </a:p>
+        </p:txBody>
+      </p:sp>
+      <p:pic>
+        <p:nvPicPr>
+          <p:cNvPr id="14" name="그림 13"/>
+          <p:cNvPicPr>
+            <a:picLocks noChangeAspect="1"/>
+          </p:cNvPicPr>
+          <p:nvPr/>
+        </p:nvPicPr>
+        <p:blipFill>
+          <a:blip r:embed="rId4"/>
+          <a:stretch>
+            <a:fillRect/>
+          </a:stretch>
+        </p:blipFill>
+        <p:spPr>
+          <a:xfrm>
+            <a:off x="1015410" y="3903443"/>
+            <a:ext cx="3610479" cy="733527"/>
+          </a:xfrm>
+          <a:prstGeom prst="rect">
+            <a:avLst/>
+          </a:prstGeom>
+        </p:spPr>
+      </p:pic>
+      <p:pic>
+        <p:nvPicPr>
+          <p:cNvPr id="15" name="그림 14"/>
+          <p:cNvPicPr>
+            <a:picLocks noChangeAspect="1"/>
+          </p:cNvPicPr>
+          <p:nvPr/>
+        </p:nvPicPr>
+        <p:blipFill>
+          <a:blip r:embed="rId5"/>
+          <a:stretch>
+            <a:fillRect/>
+          </a:stretch>
+        </p:blipFill>
+        <p:spPr>
+          <a:xfrm>
+            <a:off x="6549511" y="3863953"/>
+            <a:ext cx="3620005" cy="743054"/>
+          </a:xfrm>
+          <a:prstGeom prst="rect">
+            <a:avLst/>
+          </a:prstGeom>
+        </p:spPr>
+      </p:pic>
+      <p:cxnSp>
+        <p:nvCxnSpPr>
+          <p:cNvPr id="18" name="직선 연결선 17"/>
+          <p:cNvCxnSpPr/>
+          <p:nvPr/>
+        </p:nvCxnSpPr>
+        <p:spPr>
+          <a:xfrm>
+            <a:off x="9556230" y="4085297"/>
+            <a:ext cx="412230" cy="0"/>
+          </a:xfrm>
+          <a:prstGeom prst="line">
+            <a:avLst/>
+          </a:prstGeom>
+        </p:spPr>
+        <p:style>
+          <a:lnRef idx="3">
+            <a:schemeClr val="accent2"/>
+          </a:lnRef>
+          <a:fillRef idx="0">
+            <a:schemeClr val="accent2"/>
+          </a:fillRef>
+          <a:effectRef idx="2">
+            <a:schemeClr val="accent2"/>
+          </a:effectRef>
+          <a:fontRef idx="minor">
+            <a:schemeClr val="tx1"/>
+          </a:fontRef>
+        </p:style>
+      </p:cxnSp>
+      <p:sp>
+        <p:nvSpPr>
+          <p:cNvPr id="19" name="TextBox 18"/>
+          <p:cNvSpPr txBox="1"/>
+          <p:nvPr/>
+        </p:nvSpPr>
+        <p:spPr>
+          <a:xfrm>
+            <a:off x="5136630" y="3862465"/>
+            <a:ext cx="902811" cy="307777"/>
+          </a:xfrm>
+          <a:prstGeom prst="rect">
+            <a:avLst/>
+          </a:prstGeom>
+          <a:noFill/>
+        </p:spPr>
+        <p:txBody>
+          <a:bodyPr wrap="none" rtlCol="0">
+            <a:spAutoFit/>
+          </a:bodyPr>
+          <a:lstStyle/>
+          <a:p>
+            <a:r>
+              <a:rPr lang="ko-KR" altLang="en-US" sz="1400" dirty="0" err="1" smtClean="0"/>
+              <a:t>색상변경</a:t>
+            </a:r>
+            <a:endParaRPr lang="ko-KR" altLang="en-US" sz="1400" dirty="0"/>
+          </a:p>
+        </p:txBody>
+      </p:sp>
+      <p:cxnSp>
+        <p:nvCxnSpPr>
+          <p:cNvPr id="21" name="직선 화살표 연결선 20"/>
+          <p:cNvCxnSpPr/>
+          <p:nvPr/>
+        </p:nvCxnSpPr>
+        <p:spPr>
+          <a:xfrm flipV="1">
+            <a:off x="9848538" y="4235480"/>
+            <a:ext cx="0" cy="981097"/>
+          </a:xfrm>
+          <a:prstGeom prst="straightConnector1">
+            <a:avLst/>
+          </a:prstGeom>
+          <a:ln>
+            <a:tailEnd type="triangle"/>
+          </a:ln>
+        </p:spPr>
+        <p:style>
+          <a:lnRef idx="1">
+            <a:schemeClr val="accent1"/>
+          </a:lnRef>
+          <a:fillRef idx="0">
+            <a:schemeClr val="accent1"/>
+          </a:fillRef>
+          <a:effectRef idx="0">
+            <a:schemeClr val="accent1"/>
+          </a:effectRef>
+          <a:fontRef idx="minor">
+            <a:schemeClr val="tx1"/>
+          </a:fontRef>
+        </p:style>
+      </p:cxnSp>
+      <p:sp>
+        <p:nvSpPr>
+          <p:cNvPr id="22" name="직사각형 21"/>
+          <p:cNvSpPr/>
+          <p:nvPr/>
+        </p:nvSpPr>
+        <p:spPr>
+          <a:xfrm>
+            <a:off x="0" y="6453266"/>
+            <a:ext cx="12192000" cy="404734"/>
+          </a:xfrm>
+          <a:prstGeom prst="rect">
+            <a:avLst/>
+          </a:prstGeom>
+        </p:spPr>
+        <p:style>
+          <a:lnRef idx="2">
+            <a:schemeClr val="accent1">
+              <a:shade val="50000"/>
+            </a:schemeClr>
+          </a:lnRef>
+          <a:fillRef idx="1">
+            <a:schemeClr val="accent1"/>
+          </a:fillRef>
+          <a:effectRef idx="0">
+            <a:schemeClr val="accent1"/>
+          </a:effectRef>
+          <a:fontRef idx="minor">
+            <a:schemeClr val="lt1"/>
+          </a:fontRef>
+        </p:style>
+        <p:txBody>
+          <a:bodyPr rtlCol="0" anchor="ctr"/>
+          <a:lstStyle/>
+          <a:p>
+            <a:pPr algn="ctr"/>
+            <a:r>
+              <a:rPr lang="ko-KR" altLang="en-US" dirty="0" smtClean="0"/>
+              <a:t>아래에서 계속</a:t>
+            </a:r>
+            <a:endParaRPr lang="ko-KR" altLang="en-US" dirty="0"/>
+          </a:p>
+        </p:txBody>
+      </p:sp>
+    </p:spTree>
+    <p:extLst>
+      <p:ext uri="{BB962C8B-B14F-4D97-AF65-F5344CB8AC3E}">
+        <p14:creationId xmlns:p14="http://schemas.microsoft.com/office/powerpoint/2010/main" val="4155659830"/>
+      </p:ext>
+    </p:extLst>
+  </p:cSld>
+  <p:clrMapOvr>
+    <a:masterClrMapping/>
+  </p:clrMapOvr>
+</p:sld>
+</file>
+
+<file path=ppt/slides/slide14.xml><?xml version="1.0" encoding="utf-8"?>
+<p:sld xmlns:a="http://schemas.openxmlformats.org/drawingml/2006/main" xmlns:r="http://schemas.openxmlformats.org/officeDocument/2006/relationships" xmlns:p="http://schemas.openxmlformats.org/presentationml/2006/main">
+  <p:cSld>
+    <p:spTree>
+      <p:nvGrpSpPr>
+        <p:cNvPr id="1" name=""/>
+        <p:cNvGrpSpPr/>
+        <p:nvPr/>
+      </p:nvGrpSpPr>
+      <p:grpSpPr>
+        <a:xfrm>
+          <a:off x="0" y="0"/>
+          <a:ext cx="0" cy="0"/>
+          <a:chOff x="0" y="0"/>
+          <a:chExt cx="0" cy="0"/>
+        </a:xfrm>
+      </p:grpSpPr>
+      <p:pic>
+        <p:nvPicPr>
+          <p:cNvPr id="2" name="그림 1"/>
+          <p:cNvPicPr>
+            <a:picLocks noChangeAspect="1"/>
+          </p:cNvPicPr>
+          <p:nvPr/>
+        </p:nvPicPr>
+        <p:blipFill>
+          <a:blip r:embed="rId2"/>
+          <a:stretch>
+            <a:fillRect/>
+          </a:stretch>
+        </p:blipFill>
+        <p:spPr>
+          <a:xfrm>
+            <a:off x="373707" y="968469"/>
+            <a:ext cx="3829584" cy="3886742"/>
+          </a:xfrm>
+          <a:prstGeom prst="rect">
+            <a:avLst/>
+          </a:prstGeom>
+        </p:spPr>
+      </p:pic>
+      <p:pic>
+        <p:nvPicPr>
+          <p:cNvPr id="3" name="그림 2"/>
+          <p:cNvPicPr>
+            <a:picLocks noChangeAspect="1"/>
+          </p:cNvPicPr>
+          <p:nvPr/>
+        </p:nvPicPr>
+        <p:blipFill>
+          <a:blip r:embed="rId3"/>
+          <a:stretch>
+            <a:fillRect/>
+          </a:stretch>
+        </p:blipFill>
+        <p:spPr>
+          <a:xfrm>
+            <a:off x="5982759" y="2004672"/>
+            <a:ext cx="3839111" cy="2638793"/>
+          </a:xfrm>
+          <a:prstGeom prst="rect">
+            <a:avLst/>
+          </a:prstGeom>
+        </p:spPr>
+      </p:pic>
+      <p:cxnSp>
+        <p:nvCxnSpPr>
+          <p:cNvPr id="6" name="직선 화살표 연결선 5"/>
+          <p:cNvCxnSpPr/>
+          <p:nvPr/>
+        </p:nvCxnSpPr>
+        <p:spPr>
+          <a:xfrm>
+            <a:off x="4482059" y="3117954"/>
+            <a:ext cx="1071797" cy="0"/>
+          </a:xfrm>
+          <a:prstGeom prst="straightConnector1">
+            <a:avLst/>
+          </a:prstGeom>
+          <a:ln>
+            <a:tailEnd type="triangle"/>
+          </a:ln>
+        </p:spPr>
+        <p:style>
+          <a:lnRef idx="1">
+            <a:schemeClr val="accent1"/>
+          </a:lnRef>
+          <a:fillRef idx="0">
+            <a:schemeClr val="accent1"/>
+          </a:fillRef>
+          <a:effectRef idx="0">
+            <a:schemeClr val="accent1"/>
+          </a:effectRef>
+          <a:fontRef idx="minor">
+            <a:schemeClr val="tx1"/>
+          </a:fontRef>
+        </p:style>
+      </p:cxnSp>
+      <p:sp>
+        <p:nvSpPr>
+          <p:cNvPr id="17" name="TextBox 16"/>
+          <p:cNvSpPr txBox="1"/>
+          <p:nvPr/>
+        </p:nvSpPr>
+        <p:spPr>
+          <a:xfrm>
+            <a:off x="4745501" y="3531702"/>
+            <a:ext cx="543739" cy="307777"/>
+          </a:xfrm>
+          <a:prstGeom prst="rect">
+            <a:avLst/>
+          </a:prstGeom>
+          <a:noFill/>
+        </p:spPr>
+        <p:txBody>
+          <a:bodyPr wrap="none" rtlCol="0">
+            <a:spAutoFit/>
+          </a:bodyPr>
+          <a:lstStyle/>
+          <a:p>
+            <a:r>
+              <a:rPr lang="ko-KR" altLang="en-US" sz="1400" dirty="0" smtClean="0"/>
+              <a:t>변경</a:t>
+            </a:r>
+            <a:endParaRPr lang="ko-KR" altLang="en-US" sz="1400" dirty="0"/>
+          </a:p>
+        </p:txBody>
+      </p:sp>
+    </p:spTree>
+    <p:extLst>
+      <p:ext uri="{BB962C8B-B14F-4D97-AF65-F5344CB8AC3E}">
+        <p14:creationId xmlns:p14="http://schemas.microsoft.com/office/powerpoint/2010/main" val="1576909514"/>
+      </p:ext>
+    </p:extLst>
+  </p:cSld>
+  <p:clrMapOvr>
+    <a:masterClrMapping/>
+  </p:clrMapOvr>
+</p:sld>
+</file>
+
+<file path=ppt/slides/slide15.xml><?xml version="1.0" encoding="utf-8"?>
+<p:sld xmlns:a="http://schemas.openxmlformats.org/drawingml/2006/main" xmlns:r="http://schemas.openxmlformats.org/officeDocument/2006/relationships" xmlns:p="http://schemas.openxmlformats.org/presentationml/2006/main">
+  <p:cSld>
+    <p:spTree>
+      <p:nvGrpSpPr>
+        <p:cNvPr id="1" name=""/>
+        <p:cNvGrpSpPr/>
+        <p:nvPr/>
+      </p:nvGrpSpPr>
+      <p:grpSpPr>
+        <a:xfrm>
+          <a:off x="0" y="0"/>
+          <a:ext cx="0" cy="0"/>
+          <a:chOff x="0" y="0"/>
+          <a:chExt cx="0" cy="0"/>
+        </a:xfrm>
+      </p:grpSpPr>
+      <p:sp>
+        <p:nvSpPr>
+          <p:cNvPr id="16" name="TextBox 15"/>
+          <p:cNvSpPr txBox="1"/>
+          <p:nvPr/>
+        </p:nvSpPr>
+        <p:spPr>
+          <a:xfrm>
+            <a:off x="487180" y="252119"/>
+            <a:ext cx="1821332" cy="369332"/>
+          </a:xfrm>
+          <a:prstGeom prst="rect">
+            <a:avLst/>
+          </a:prstGeom>
+          <a:noFill/>
+        </p:spPr>
+        <p:txBody>
+          <a:bodyPr wrap="none" rtlCol="0">
+            <a:spAutoFit/>
+          </a:bodyPr>
+          <a:lstStyle/>
+          <a:p>
+            <a:r>
+              <a:rPr lang="en-US" altLang="ko-KR" dirty="0" smtClean="0"/>
+              <a:t>UI-SJN-42-004L</a:t>
+            </a:r>
+            <a:endParaRPr lang="en-US" altLang="ko-KR" dirty="0"/>
+          </a:p>
+        </p:txBody>
+      </p:sp>
+      <p:pic>
+        <p:nvPicPr>
+          <p:cNvPr id="2" name="그림 1"/>
+          <p:cNvPicPr>
+            <a:picLocks noChangeAspect="1"/>
+          </p:cNvPicPr>
+          <p:nvPr/>
+        </p:nvPicPr>
+        <p:blipFill>
+          <a:blip r:embed="rId2"/>
+          <a:stretch>
+            <a:fillRect/>
+          </a:stretch>
+        </p:blipFill>
+        <p:spPr>
+          <a:xfrm>
+            <a:off x="303675" y="4292061"/>
+            <a:ext cx="5437558" cy="588998"/>
+          </a:xfrm>
+          <a:prstGeom prst="rect">
+            <a:avLst/>
+          </a:prstGeom>
+        </p:spPr>
+      </p:pic>
+      <p:pic>
+        <p:nvPicPr>
+          <p:cNvPr id="3" name="그림 2"/>
+          <p:cNvPicPr>
+            <a:picLocks noChangeAspect="1"/>
+          </p:cNvPicPr>
+          <p:nvPr/>
+        </p:nvPicPr>
+        <p:blipFill>
+          <a:blip r:embed="rId3"/>
+          <a:stretch>
+            <a:fillRect/>
+          </a:stretch>
+        </p:blipFill>
+        <p:spPr>
+          <a:xfrm>
+            <a:off x="487180" y="1202069"/>
+            <a:ext cx="4201111" cy="2715004"/>
+          </a:xfrm>
+          <a:prstGeom prst="rect">
+            <a:avLst/>
+          </a:prstGeom>
+        </p:spPr>
+      </p:pic>
+      <p:pic>
+        <p:nvPicPr>
+          <p:cNvPr id="5" name="그림 4"/>
+          <p:cNvPicPr>
+            <a:picLocks noChangeAspect="1"/>
+          </p:cNvPicPr>
+          <p:nvPr/>
+        </p:nvPicPr>
+        <p:blipFill>
+          <a:blip r:embed="rId4"/>
+          <a:stretch>
+            <a:fillRect/>
+          </a:stretch>
+        </p:blipFill>
+        <p:spPr>
+          <a:xfrm>
+            <a:off x="6553724" y="1052096"/>
+            <a:ext cx="4810796" cy="2610214"/>
+          </a:xfrm>
+          <a:prstGeom prst="rect">
+            <a:avLst/>
+          </a:prstGeom>
+        </p:spPr>
+      </p:pic>
+      <p:cxnSp>
+        <p:nvCxnSpPr>
+          <p:cNvPr id="7" name="직선 연결선 6"/>
+          <p:cNvCxnSpPr/>
+          <p:nvPr/>
+        </p:nvCxnSpPr>
+        <p:spPr>
+          <a:xfrm>
+            <a:off x="487180" y="4661941"/>
+            <a:ext cx="1686394" cy="0"/>
+          </a:xfrm>
+          <a:prstGeom prst="line">
+            <a:avLst/>
+          </a:prstGeom>
+        </p:spPr>
+        <p:style>
+          <a:lnRef idx="3">
+            <a:schemeClr val="accent2"/>
+          </a:lnRef>
+          <a:fillRef idx="0">
+            <a:schemeClr val="accent2"/>
+          </a:fillRef>
+          <a:effectRef idx="2">
+            <a:schemeClr val="accent2"/>
+          </a:effectRef>
+          <a:fontRef idx="minor">
+            <a:schemeClr val="tx1"/>
+          </a:fontRef>
+        </p:style>
+      </p:cxnSp>
+      <p:cxnSp>
+        <p:nvCxnSpPr>
+          <p:cNvPr id="10" name="직선 화살표 연결선 9"/>
+          <p:cNvCxnSpPr/>
+          <p:nvPr/>
+        </p:nvCxnSpPr>
+        <p:spPr>
+          <a:xfrm flipV="1">
+            <a:off x="487180" y="4774368"/>
+            <a:ext cx="0" cy="951875"/>
+          </a:xfrm>
+          <a:prstGeom prst="straightConnector1">
+            <a:avLst/>
+          </a:prstGeom>
+          <a:ln>
+            <a:tailEnd type="triangle"/>
+          </a:ln>
+        </p:spPr>
+        <p:style>
+          <a:lnRef idx="1">
+            <a:schemeClr val="accent1"/>
+          </a:lnRef>
+          <a:fillRef idx="0">
+            <a:schemeClr val="accent1"/>
+          </a:fillRef>
+          <a:effectRef idx="0">
+            <a:schemeClr val="accent1"/>
+          </a:effectRef>
+          <a:fontRef idx="minor">
+            <a:schemeClr val="tx1"/>
+          </a:fontRef>
+        </p:style>
+      </p:cxnSp>
+      <p:sp>
+        <p:nvSpPr>
+          <p:cNvPr id="20" name="TextBox 19"/>
+          <p:cNvSpPr txBox="1"/>
+          <p:nvPr/>
+        </p:nvSpPr>
+        <p:spPr>
+          <a:xfrm>
+            <a:off x="215310" y="5838669"/>
+            <a:ext cx="965329" cy="307777"/>
+          </a:xfrm>
+          <a:prstGeom prst="rect">
+            <a:avLst/>
+          </a:prstGeom>
+          <a:noFill/>
+        </p:spPr>
+        <p:txBody>
+          <a:bodyPr wrap="none" rtlCol="0">
+            <a:spAutoFit/>
+          </a:bodyPr>
+          <a:lstStyle/>
+          <a:p>
+            <a:r>
+              <a:rPr lang="ko-KR" altLang="en-US" sz="1400" smtClean="0"/>
+              <a:t>태그 삭제</a:t>
+            </a:r>
+            <a:endParaRPr lang="ko-KR" altLang="en-US" sz="1400" dirty="0"/>
+          </a:p>
+        </p:txBody>
+      </p:sp>
+      <p:sp>
+        <p:nvSpPr>
+          <p:cNvPr id="23" name="TextBox 22"/>
+          <p:cNvSpPr txBox="1"/>
+          <p:nvPr/>
+        </p:nvSpPr>
+        <p:spPr>
+          <a:xfrm>
+            <a:off x="6620462" y="4661941"/>
+            <a:ext cx="1386918" cy="307777"/>
+          </a:xfrm>
+          <a:prstGeom prst="rect">
+            <a:avLst/>
+          </a:prstGeom>
+          <a:noFill/>
+        </p:spPr>
+        <p:txBody>
+          <a:bodyPr wrap="none" rtlCol="0">
+            <a:spAutoFit/>
+          </a:bodyPr>
+          <a:lstStyle/>
+          <a:p>
+            <a:r>
+              <a:rPr lang="ko-KR" altLang="en-US" sz="1400" smtClean="0"/>
+              <a:t>태그 위치 변경</a:t>
+            </a:r>
+            <a:endParaRPr lang="ko-KR" altLang="en-US" sz="1400" dirty="0"/>
+          </a:p>
+        </p:txBody>
+      </p:sp>
+      <p:cxnSp>
+        <p:nvCxnSpPr>
+          <p:cNvPr id="17" name="직선 화살표 연결선 16"/>
+          <p:cNvCxnSpPr/>
+          <p:nvPr/>
+        </p:nvCxnSpPr>
+        <p:spPr>
+          <a:xfrm flipV="1">
+            <a:off x="6980225" y="2905237"/>
+            <a:ext cx="0" cy="1626432"/>
+          </a:xfrm>
+          <a:prstGeom prst="straightConnector1">
+            <a:avLst/>
+          </a:prstGeom>
+          <a:ln>
+            <a:tailEnd type="triangle"/>
+          </a:ln>
+        </p:spPr>
+        <p:style>
+          <a:lnRef idx="1">
+            <a:schemeClr val="accent1"/>
+          </a:lnRef>
+          <a:fillRef idx="0">
+            <a:schemeClr val="accent1"/>
+          </a:fillRef>
+          <a:effectRef idx="0">
+            <a:schemeClr val="accent1"/>
+          </a:effectRef>
+          <a:fontRef idx="minor">
+            <a:schemeClr val="tx1"/>
+          </a:fontRef>
+        </p:style>
+      </p:cxnSp>
+      <p:sp>
+        <p:nvSpPr>
+          <p:cNvPr id="24" name="직사각형 23"/>
+          <p:cNvSpPr/>
+          <p:nvPr/>
+        </p:nvSpPr>
+        <p:spPr>
+          <a:xfrm>
+            <a:off x="0" y="6453266"/>
+            <a:ext cx="12192000" cy="404734"/>
+          </a:xfrm>
+          <a:prstGeom prst="rect">
+            <a:avLst/>
+          </a:prstGeom>
+        </p:spPr>
+        <p:style>
+          <a:lnRef idx="2">
+            <a:schemeClr val="accent1">
+              <a:shade val="50000"/>
+            </a:schemeClr>
+          </a:lnRef>
+          <a:fillRef idx="1">
+            <a:schemeClr val="accent1"/>
+          </a:fillRef>
+          <a:effectRef idx="0">
+            <a:schemeClr val="accent1"/>
+          </a:effectRef>
+          <a:fontRef idx="minor">
+            <a:schemeClr val="lt1"/>
+          </a:fontRef>
+        </p:style>
+        <p:txBody>
+          <a:bodyPr rtlCol="0" anchor="ctr"/>
+          <a:lstStyle/>
+          <a:p>
+            <a:pPr algn="ctr"/>
+            <a:r>
+              <a:rPr lang="ko-KR" altLang="en-US" dirty="0" smtClean="0"/>
+              <a:t>아래에서 계속</a:t>
+            </a:r>
+            <a:endParaRPr lang="ko-KR" altLang="en-US" dirty="0"/>
+          </a:p>
+        </p:txBody>
+      </p:sp>
+    </p:spTree>
+    <p:extLst>
+      <p:ext uri="{BB962C8B-B14F-4D97-AF65-F5344CB8AC3E}">
+        <p14:creationId xmlns:p14="http://schemas.microsoft.com/office/powerpoint/2010/main" val="1957811728"/>
+      </p:ext>
+    </p:extLst>
+  </p:cSld>
+  <p:clrMapOvr>
+    <a:masterClrMapping/>
+  </p:clrMapOvr>
+</p:sld>
+</file>
+
+<file path=ppt/slides/slide16.xml><?xml version="1.0" encoding="utf-8"?>
+<p:sld xmlns:a="http://schemas.openxmlformats.org/drawingml/2006/main" xmlns:r="http://schemas.openxmlformats.org/officeDocument/2006/relationships" xmlns:p="http://schemas.openxmlformats.org/presentationml/2006/main">
+  <p:cSld>
+    <p:spTree>
+      <p:nvGrpSpPr>
+        <p:cNvPr id="1" name=""/>
+        <p:cNvGrpSpPr/>
+        <p:nvPr/>
+      </p:nvGrpSpPr>
+      <p:grpSpPr>
+        <a:xfrm>
+          <a:off x="0" y="0"/>
+          <a:ext cx="0" cy="0"/>
+          <a:chOff x="0" y="0"/>
+          <a:chExt cx="0" cy="0"/>
+        </a:xfrm>
+      </p:grpSpPr>
+      <p:pic>
+        <p:nvPicPr>
+          <p:cNvPr id="4" name="그림 3"/>
+          <p:cNvPicPr>
+            <a:picLocks noChangeAspect="1"/>
+          </p:cNvPicPr>
+          <p:nvPr/>
+        </p:nvPicPr>
+        <p:blipFill>
+          <a:blip r:embed="rId2"/>
+          <a:stretch>
+            <a:fillRect/>
+          </a:stretch>
+        </p:blipFill>
+        <p:spPr>
+          <a:xfrm>
+            <a:off x="663282" y="939817"/>
+            <a:ext cx="3820058" cy="3839111"/>
+          </a:xfrm>
+          <a:prstGeom prst="rect">
+            <a:avLst/>
+          </a:prstGeom>
+        </p:spPr>
+      </p:pic>
+      <p:pic>
+        <p:nvPicPr>
+          <p:cNvPr id="6" name="그림 5"/>
+          <p:cNvPicPr>
+            <a:picLocks noChangeAspect="1"/>
+          </p:cNvPicPr>
+          <p:nvPr/>
+        </p:nvPicPr>
+        <p:blipFill>
+          <a:blip r:embed="rId3"/>
+          <a:stretch>
+            <a:fillRect/>
+          </a:stretch>
+        </p:blipFill>
+        <p:spPr>
+          <a:xfrm>
+            <a:off x="6226246" y="892185"/>
+            <a:ext cx="4191585" cy="3934374"/>
+          </a:xfrm>
+          <a:prstGeom prst="rect">
+            <a:avLst/>
+          </a:prstGeom>
+        </p:spPr>
+      </p:pic>
+      <p:cxnSp>
+        <p:nvCxnSpPr>
+          <p:cNvPr id="9" name="직선 화살표 연결선 8"/>
+          <p:cNvCxnSpPr/>
+          <p:nvPr/>
+        </p:nvCxnSpPr>
+        <p:spPr>
+          <a:xfrm flipV="1">
+            <a:off x="8904157" y="2653259"/>
+            <a:ext cx="0" cy="2900597"/>
+          </a:xfrm>
+          <a:prstGeom prst="straightConnector1">
+            <a:avLst/>
+          </a:prstGeom>
+          <a:ln>
+            <a:tailEnd type="triangle"/>
+          </a:ln>
+        </p:spPr>
+        <p:style>
+          <a:lnRef idx="1">
+            <a:schemeClr val="accent1"/>
+          </a:lnRef>
+          <a:fillRef idx="0">
+            <a:schemeClr val="accent1"/>
+          </a:fillRef>
+          <a:effectRef idx="0">
+            <a:schemeClr val="accent1"/>
+          </a:effectRef>
+          <a:fontRef idx="minor">
+            <a:schemeClr val="tx1"/>
+          </a:fontRef>
+        </p:style>
+      </p:cxnSp>
+      <p:sp>
+        <p:nvSpPr>
+          <p:cNvPr id="18" name="TextBox 17"/>
+          <p:cNvSpPr txBox="1"/>
+          <p:nvPr/>
+        </p:nvSpPr>
+        <p:spPr>
+          <a:xfrm>
+            <a:off x="8042382" y="5748728"/>
+            <a:ext cx="1723549" cy="307777"/>
+          </a:xfrm>
+          <a:prstGeom prst="rect">
+            <a:avLst/>
+          </a:prstGeom>
+          <a:noFill/>
+        </p:spPr>
+        <p:txBody>
+          <a:bodyPr wrap="none" rtlCol="0">
+            <a:spAutoFit/>
+          </a:bodyPr>
+          <a:lstStyle/>
+          <a:p>
+            <a:r>
+              <a:rPr lang="ko-KR" altLang="en-US" sz="1400" dirty="0" smtClean="0"/>
+              <a:t>공백을 줄였습니다</a:t>
+            </a:r>
+            <a:r>
+              <a:rPr lang="en-US" altLang="ko-KR" sz="1400" dirty="0" smtClean="0"/>
+              <a:t>.</a:t>
+            </a:r>
+            <a:endParaRPr lang="ko-KR" altLang="en-US" sz="1400" dirty="0"/>
+          </a:p>
+        </p:txBody>
+      </p:sp>
+      <p:cxnSp>
+        <p:nvCxnSpPr>
+          <p:cNvPr id="19" name="직선 화살표 연결선 18"/>
+          <p:cNvCxnSpPr/>
+          <p:nvPr/>
+        </p:nvCxnSpPr>
+        <p:spPr>
+          <a:xfrm flipV="1">
+            <a:off x="1216701" y="2933075"/>
+            <a:ext cx="0" cy="2900597"/>
+          </a:xfrm>
+          <a:prstGeom prst="straightConnector1">
+            <a:avLst/>
+          </a:prstGeom>
+          <a:ln>
+            <a:tailEnd type="triangle"/>
+          </a:ln>
+        </p:spPr>
+        <p:style>
+          <a:lnRef idx="1">
+            <a:schemeClr val="accent1"/>
+          </a:lnRef>
+          <a:fillRef idx="0">
+            <a:schemeClr val="accent1"/>
+          </a:fillRef>
+          <a:effectRef idx="0">
+            <a:schemeClr val="accent1"/>
+          </a:effectRef>
+          <a:fontRef idx="minor">
+            <a:schemeClr val="tx1"/>
+          </a:fontRef>
+        </p:style>
+      </p:cxnSp>
+      <p:sp>
+        <p:nvSpPr>
+          <p:cNvPr id="21" name="TextBox 20"/>
+          <p:cNvSpPr txBox="1"/>
+          <p:nvPr/>
+        </p:nvSpPr>
+        <p:spPr>
+          <a:xfrm>
+            <a:off x="579779" y="5914098"/>
+            <a:ext cx="5917004" cy="697050"/>
+          </a:xfrm>
+          <a:prstGeom prst="rect">
+            <a:avLst/>
+          </a:prstGeom>
+          <a:noFill/>
+        </p:spPr>
+        <p:txBody>
+          <a:bodyPr wrap="none" rtlCol="0">
+            <a:spAutoFit/>
+          </a:bodyPr>
+          <a:lstStyle/>
+          <a:p>
+            <a:pPr>
+              <a:lnSpc>
+                <a:spcPct val="150000"/>
+              </a:lnSpc>
+            </a:pPr>
+            <a:r>
+              <a:rPr lang="ko-KR" altLang="en-US" sz="1400" dirty="0" smtClean="0"/>
+              <a:t>가로 크기에 따라 </a:t>
+            </a:r>
+            <a:r>
+              <a:rPr lang="ko-KR" altLang="en-US" sz="1400" dirty="0" err="1" smtClean="0"/>
+              <a:t>달라질수</a:t>
+            </a:r>
+            <a:r>
+              <a:rPr lang="ko-KR" altLang="en-US" sz="1400" dirty="0" smtClean="0"/>
+              <a:t> </a:t>
+            </a:r>
+            <a:r>
+              <a:rPr lang="ko-KR" altLang="en-US" sz="1400" dirty="0" err="1" smtClean="0"/>
+              <a:t>있는부분이라</a:t>
+            </a:r>
+            <a:r>
+              <a:rPr lang="en-US" altLang="ko-KR" sz="1400" dirty="0" smtClean="0"/>
+              <a:t>.</a:t>
+            </a:r>
+          </a:p>
+          <a:p>
+            <a:pPr>
+              <a:lnSpc>
+                <a:spcPct val="150000"/>
+              </a:lnSpc>
+            </a:pPr>
+            <a:r>
+              <a:rPr lang="ko-KR" altLang="en-US" sz="1400" dirty="0" smtClean="0"/>
+              <a:t>너무 보기가 싫으면</a:t>
+            </a:r>
+            <a:r>
+              <a:rPr lang="en-US" altLang="ko-KR" sz="1400" dirty="0" smtClean="0"/>
+              <a:t>, </a:t>
+            </a:r>
+            <a:r>
+              <a:rPr lang="ko-KR" altLang="en-US" sz="1400" dirty="0" smtClean="0"/>
+              <a:t>글자 수를 좀 줄이는 방법으로 해결할 수 있습니다</a:t>
+            </a:r>
+            <a:r>
+              <a:rPr lang="en-US" altLang="ko-KR" sz="1400" dirty="0" smtClean="0"/>
+              <a:t>.</a:t>
+            </a:r>
+            <a:endParaRPr lang="ko-KR" altLang="en-US" sz="1400" dirty="0"/>
+          </a:p>
+        </p:txBody>
+      </p:sp>
+    </p:spTree>
+    <p:extLst>
+      <p:ext uri="{BB962C8B-B14F-4D97-AF65-F5344CB8AC3E}">
+        <p14:creationId xmlns:p14="http://schemas.microsoft.com/office/powerpoint/2010/main" val="281238954"/>
+      </p:ext>
+    </p:extLst>
+  </p:cSld>
+  <p:clrMapOvr>
+    <a:masterClrMapping/>
+  </p:clrMapOvr>
+</p:sld>
+</file>
+
+<file path=ppt/slides/slide17.xml><?xml version="1.0" encoding="utf-8"?>
+<p:sld xmlns:a="http://schemas.openxmlformats.org/drawingml/2006/main" xmlns:r="http://schemas.openxmlformats.org/officeDocument/2006/relationships" xmlns:p="http://schemas.openxmlformats.org/presentationml/2006/main">
+  <p:cSld>
+    <p:spTree>
+      <p:nvGrpSpPr>
+        <p:cNvPr id="1" name=""/>
+        <p:cNvGrpSpPr/>
+        <p:nvPr/>
+      </p:nvGrpSpPr>
+      <p:grpSpPr>
+        <a:xfrm>
+          <a:off x="0" y="0"/>
+          <a:ext cx="0" cy="0"/>
+          <a:chOff x="0" y="0"/>
+          <a:chExt cx="0" cy="0"/>
+        </a:xfrm>
+      </p:grpSpPr>
+      <p:pic>
+        <p:nvPicPr>
+          <p:cNvPr id="11" name="그림 10"/>
+          <p:cNvPicPr>
+            <a:picLocks noChangeAspect="1"/>
+          </p:cNvPicPr>
+          <p:nvPr/>
+        </p:nvPicPr>
+        <p:blipFill>
+          <a:blip r:embed="rId2"/>
+          <a:stretch>
+            <a:fillRect/>
+          </a:stretch>
+        </p:blipFill>
+        <p:spPr>
+          <a:xfrm>
+            <a:off x="487180" y="814080"/>
+            <a:ext cx="4267796" cy="3820058"/>
+          </a:xfrm>
+          <a:prstGeom prst="rect">
+            <a:avLst/>
+          </a:prstGeom>
+        </p:spPr>
+      </p:pic>
+      <p:sp>
+        <p:nvSpPr>
+          <p:cNvPr id="16" name="TextBox 15"/>
+          <p:cNvSpPr txBox="1"/>
+          <p:nvPr/>
+        </p:nvSpPr>
+        <p:spPr>
+          <a:xfrm>
+            <a:off x="487180" y="252119"/>
+            <a:ext cx="1821332" cy="369332"/>
+          </a:xfrm>
+          <a:prstGeom prst="rect">
+            <a:avLst/>
+          </a:prstGeom>
+          <a:noFill/>
+        </p:spPr>
+        <p:txBody>
+          <a:bodyPr wrap="none" rtlCol="0">
+            <a:spAutoFit/>
+          </a:bodyPr>
+          <a:lstStyle/>
+          <a:p>
+            <a:r>
+              <a:rPr lang="en-US" altLang="ko-KR" dirty="0"/>
+              <a:t>UI-SJN-32-010L</a:t>
+            </a:r>
+          </a:p>
+        </p:txBody>
+      </p:sp>
+      <p:sp>
+        <p:nvSpPr>
+          <p:cNvPr id="20" name="TextBox 19"/>
+          <p:cNvSpPr txBox="1"/>
+          <p:nvPr/>
+        </p:nvSpPr>
+        <p:spPr>
+          <a:xfrm>
+            <a:off x="5182205" y="2679252"/>
+            <a:ext cx="1566454" cy="307777"/>
+          </a:xfrm>
+          <a:prstGeom prst="rect">
+            <a:avLst/>
+          </a:prstGeom>
+          <a:noFill/>
+        </p:spPr>
+        <p:txBody>
+          <a:bodyPr wrap="none" rtlCol="0">
+            <a:spAutoFit/>
+          </a:bodyPr>
+          <a:lstStyle/>
+          <a:p>
+            <a:r>
+              <a:rPr lang="ko-KR" altLang="en-US" sz="1400" dirty="0" smtClean="0"/>
+              <a:t>버튼 태그로 변경</a:t>
+            </a:r>
+            <a:endParaRPr lang="ko-KR" altLang="en-US" sz="1400" dirty="0"/>
+          </a:p>
+        </p:txBody>
+      </p:sp>
+      <p:cxnSp>
+        <p:nvCxnSpPr>
+          <p:cNvPr id="8" name="직선 화살표 연결선 7"/>
+          <p:cNvCxnSpPr/>
+          <p:nvPr/>
+        </p:nvCxnSpPr>
+        <p:spPr>
+          <a:xfrm flipH="1">
+            <a:off x="2960557" y="2833141"/>
+            <a:ext cx="2038662" cy="0"/>
+          </a:xfrm>
+          <a:prstGeom prst="straightConnector1">
+            <a:avLst/>
+          </a:prstGeom>
+          <a:ln>
+            <a:tailEnd type="triangle"/>
+          </a:ln>
+        </p:spPr>
+        <p:style>
+          <a:lnRef idx="1">
+            <a:schemeClr val="accent1"/>
+          </a:lnRef>
+          <a:fillRef idx="0">
+            <a:schemeClr val="accent1"/>
+          </a:fillRef>
+          <a:effectRef idx="0">
+            <a:schemeClr val="accent1"/>
+          </a:effectRef>
+          <a:fontRef idx="minor">
+            <a:schemeClr val="tx1"/>
+          </a:fontRef>
+        </p:style>
+      </p:cxnSp>
+      <p:pic>
+        <p:nvPicPr>
+          <p:cNvPr id="12" name="그림 11"/>
+          <p:cNvPicPr>
+            <a:picLocks noChangeAspect="1"/>
+          </p:cNvPicPr>
+          <p:nvPr/>
+        </p:nvPicPr>
+        <p:blipFill>
+          <a:blip r:embed="rId3"/>
+          <a:stretch>
+            <a:fillRect/>
+          </a:stretch>
+        </p:blipFill>
+        <p:spPr>
+          <a:xfrm>
+            <a:off x="7228353" y="814080"/>
+            <a:ext cx="4115374" cy="3848637"/>
+          </a:xfrm>
+          <a:prstGeom prst="rect">
+            <a:avLst/>
+          </a:prstGeom>
+        </p:spPr>
+      </p:pic>
+      <p:cxnSp>
+        <p:nvCxnSpPr>
+          <p:cNvPr id="14" name="직선 화살표 연결선 13"/>
+          <p:cNvCxnSpPr/>
+          <p:nvPr/>
+        </p:nvCxnSpPr>
+        <p:spPr>
+          <a:xfrm flipV="1">
+            <a:off x="10747948" y="2518348"/>
+            <a:ext cx="0" cy="2623278"/>
+          </a:xfrm>
+          <a:prstGeom prst="straightConnector1">
+            <a:avLst/>
+          </a:prstGeom>
+          <a:ln>
+            <a:tailEnd type="triangle"/>
+          </a:ln>
+        </p:spPr>
+        <p:style>
+          <a:lnRef idx="1">
+            <a:schemeClr val="accent1"/>
+          </a:lnRef>
+          <a:fillRef idx="0">
+            <a:schemeClr val="accent1"/>
+          </a:fillRef>
+          <a:effectRef idx="0">
+            <a:schemeClr val="accent1"/>
+          </a:effectRef>
+          <a:fontRef idx="minor">
+            <a:schemeClr val="tx1"/>
+          </a:fontRef>
+        </p:style>
+      </p:cxnSp>
+      <p:sp>
+        <p:nvSpPr>
+          <p:cNvPr id="19" name="TextBox 18"/>
+          <p:cNvSpPr txBox="1"/>
+          <p:nvPr/>
+        </p:nvSpPr>
+        <p:spPr>
+          <a:xfrm>
+            <a:off x="8152756" y="5342505"/>
+            <a:ext cx="2294218" cy="307777"/>
+          </a:xfrm>
+          <a:prstGeom prst="rect">
+            <a:avLst/>
+          </a:prstGeom>
+          <a:noFill/>
+        </p:spPr>
+        <p:txBody>
+          <a:bodyPr wrap="none" rtlCol="0">
+            <a:spAutoFit/>
+          </a:bodyPr>
+          <a:lstStyle/>
+          <a:p>
+            <a:r>
+              <a:rPr lang="en-US" altLang="ko-KR" sz="1400" dirty="0" smtClean="0"/>
+              <a:t>[</a:t>
+            </a:r>
+            <a:r>
+              <a:rPr lang="ko-KR" altLang="en-US" sz="1400" dirty="0" smtClean="0"/>
+              <a:t>공통</a:t>
+            </a:r>
+            <a:r>
+              <a:rPr lang="en-US" altLang="ko-KR" sz="1400" dirty="0" smtClean="0"/>
+              <a:t>] </a:t>
+            </a:r>
+            <a:r>
+              <a:rPr lang="ko-KR" altLang="en-US" sz="1400" dirty="0" smtClean="0"/>
+              <a:t>그림자 넣었습니다</a:t>
+            </a:r>
+            <a:r>
+              <a:rPr lang="en-US" altLang="ko-KR" sz="1400" dirty="0" smtClean="0"/>
+              <a:t>.</a:t>
+            </a:r>
+            <a:endParaRPr lang="ko-KR" altLang="en-US" sz="1400" dirty="0"/>
+          </a:p>
+        </p:txBody>
+      </p:sp>
+      <p:sp>
+        <p:nvSpPr>
+          <p:cNvPr id="10" name="TextBox 9"/>
+          <p:cNvSpPr txBox="1"/>
+          <p:nvPr/>
+        </p:nvSpPr>
+        <p:spPr>
+          <a:xfrm>
+            <a:off x="5182205" y="5265055"/>
+            <a:ext cx="1324402" cy="307777"/>
+          </a:xfrm>
+          <a:prstGeom prst="rect">
+            <a:avLst/>
+          </a:prstGeom>
+          <a:noFill/>
+        </p:spPr>
+        <p:txBody>
+          <a:bodyPr wrap="none" rtlCol="0">
+            <a:spAutoFit/>
+          </a:bodyPr>
+          <a:lstStyle/>
+          <a:p>
+            <a:r>
+              <a:rPr lang="ko-KR" altLang="en-US" sz="1400" dirty="0" smtClean="0"/>
+              <a:t>비활성화 추가</a:t>
+            </a:r>
+            <a:endParaRPr lang="ko-KR" altLang="en-US" sz="1400" dirty="0"/>
+          </a:p>
+        </p:txBody>
+      </p:sp>
+      <p:cxnSp>
+        <p:nvCxnSpPr>
+          <p:cNvPr id="6" name="직선 화살표 연결선 5"/>
+          <p:cNvCxnSpPr/>
+          <p:nvPr/>
+        </p:nvCxnSpPr>
+        <p:spPr>
+          <a:xfrm flipH="1">
+            <a:off x="4219731" y="5442611"/>
+            <a:ext cx="779488" cy="0"/>
+          </a:xfrm>
+          <a:prstGeom prst="straightConnector1">
+            <a:avLst/>
+          </a:prstGeom>
+          <a:ln>
+            <a:tailEnd type="triangle"/>
+          </a:ln>
+        </p:spPr>
+        <p:style>
+          <a:lnRef idx="1">
+            <a:schemeClr val="accent1"/>
+          </a:lnRef>
+          <a:fillRef idx="0">
+            <a:schemeClr val="accent1"/>
+          </a:fillRef>
+          <a:effectRef idx="0">
+            <a:schemeClr val="accent1"/>
+          </a:effectRef>
+          <a:fontRef idx="minor">
+            <a:schemeClr val="tx1"/>
+          </a:fontRef>
+        </p:style>
+      </p:cxnSp>
+      <p:pic>
+        <p:nvPicPr>
+          <p:cNvPr id="3" name="그림 2"/>
+          <p:cNvPicPr>
+            <a:picLocks noChangeAspect="1"/>
+          </p:cNvPicPr>
+          <p:nvPr/>
+        </p:nvPicPr>
+        <p:blipFill>
+          <a:blip r:embed="rId4"/>
+          <a:stretch>
+            <a:fillRect/>
+          </a:stretch>
+        </p:blipFill>
+        <p:spPr>
+          <a:xfrm>
+            <a:off x="1397846" y="5141626"/>
+            <a:ext cx="2362530" cy="504895"/>
+          </a:xfrm>
+          <a:prstGeom prst="rect">
+            <a:avLst/>
+          </a:prstGeom>
+        </p:spPr>
+      </p:pic>
+    </p:spTree>
+    <p:extLst>
+      <p:ext uri="{BB962C8B-B14F-4D97-AF65-F5344CB8AC3E}">
+        <p14:creationId xmlns:p14="http://schemas.microsoft.com/office/powerpoint/2010/main" val="3360706840"/>
+      </p:ext>
+    </p:extLst>
+  </p:cSld>
+  <p:clrMapOvr>
+    <a:masterClrMapping/>
+  </p:clrMapOvr>
+</p:sld>
+</file>
+
+<file path=ppt/slides/slide18.xml><?xml version="1.0" encoding="utf-8"?>
+<p:sld xmlns:a="http://schemas.openxmlformats.org/drawingml/2006/main" xmlns:r="http://schemas.openxmlformats.org/officeDocument/2006/relationships" xmlns:p="http://schemas.openxmlformats.org/presentationml/2006/main">
+  <p:cSld>
+    <p:spTree>
+      <p:nvGrpSpPr>
+        <p:cNvPr id="1" name=""/>
+        <p:cNvGrpSpPr/>
+        <p:nvPr/>
+      </p:nvGrpSpPr>
+      <p:grpSpPr>
+        <a:xfrm>
+          <a:off x="0" y="0"/>
+          <a:ext cx="0" cy="0"/>
+          <a:chOff x="0" y="0"/>
+          <a:chExt cx="0" cy="0"/>
+        </a:xfrm>
+      </p:grpSpPr>
       <p:pic>
         <p:nvPicPr>
           <p:cNvPr id="6" name="그림 5"/>
@@ -3730,72 +5568,58 @@
           <a:chExt cx="0" cy="0"/>
         </a:xfrm>
       </p:grpSpPr>
-      <p:pic>
-        <p:nvPicPr>
-          <p:cNvPr id="14" name="그림 13"/>
-          <p:cNvPicPr>
-            <a:picLocks noChangeAspect="1"/>
-          </p:cNvPicPr>
-          <p:nvPr/>
-        </p:nvPicPr>
-        <p:blipFill>
-          <a:blip r:embed="rId2"/>
-          <a:stretch>
-            <a:fillRect/>
-          </a:stretch>
-        </p:blipFill>
-        <p:spPr>
-          <a:xfrm>
-            <a:off x="727383" y="621451"/>
-            <a:ext cx="3754676" cy="2748568"/>
-          </a:xfrm>
-          <a:prstGeom prst="rect">
-            <a:avLst/>
-          </a:prstGeom>
-        </p:spPr>
-      </p:pic>
-      <p:sp>
-        <p:nvSpPr>
-          <p:cNvPr id="17" name="TextBox 16"/>
-          <p:cNvSpPr txBox="1"/>
-          <p:nvPr/>
-        </p:nvSpPr>
-        <p:spPr>
-          <a:xfrm>
-            <a:off x="612052" y="3932806"/>
-            <a:ext cx="1606530" cy="307777"/>
-          </a:xfrm>
-          <a:prstGeom prst="rect">
-            <a:avLst/>
-          </a:prstGeom>
-          <a:noFill/>
-        </p:spPr>
-        <p:txBody>
-          <a:bodyPr wrap="none" rtlCol="0">
-            <a:spAutoFit/>
-          </a:bodyPr>
-          <a:lstStyle/>
-          <a:p>
-            <a:r>
-              <a:rPr lang="en-US" altLang="ko-KR" sz="1400" dirty="0" smtClean="0"/>
-              <a:t>css </a:t>
-            </a:r>
-            <a:r>
-              <a:rPr lang="ko-KR" altLang="en-US" sz="1400" dirty="0" smtClean="0"/>
-              <a:t>제거했습니다</a:t>
-            </a:r>
-            <a:r>
-              <a:rPr lang="en-US" altLang="ko-KR" sz="1400" dirty="0" smtClean="0"/>
-              <a:t>.</a:t>
-            </a:r>
-            <a:endParaRPr lang="ko-KR" altLang="en-US" sz="1400" dirty="0"/>
+      <p:sp>
+        <p:nvSpPr>
+          <p:cNvPr id="3" name="직사각형 2"/>
+          <p:cNvSpPr/>
+          <p:nvPr/>
+        </p:nvSpPr>
+        <p:spPr>
+          <a:xfrm>
+            <a:off x="0" y="0"/>
+            <a:ext cx="12192000" cy="6858000"/>
+          </a:xfrm>
+          <a:prstGeom prst="rect">
+            <a:avLst/>
+          </a:prstGeom>
+        </p:spPr>
+        <p:style>
+          <a:lnRef idx="2">
+            <a:schemeClr val="accent1">
+              <a:shade val="50000"/>
+            </a:schemeClr>
+          </a:lnRef>
+          <a:fillRef idx="1">
+            <a:schemeClr val="accent1"/>
+          </a:fillRef>
+          <a:effectRef idx="0">
+            <a:schemeClr val="accent1"/>
+          </a:effectRef>
+          <a:fontRef idx="minor">
+            <a:schemeClr val="lt1"/>
+          </a:fontRef>
+        </p:style>
+        <p:txBody>
+          <a:bodyPr rtlCol="0" anchor="ctr"/>
+          <a:lstStyle/>
+          <a:p>
+            <a:pPr algn="ctr"/>
+            <a:r>
+              <a:rPr lang="ko-KR" altLang="en-US" sz="10000" err="1" smtClean="0"/>
+              <a:t>박과장님</a:t>
+            </a:r>
+            <a:r>
+              <a:rPr lang="ko-KR" altLang="en-US" sz="10000" dirty="0" smtClean="0"/>
+              <a:t> 요청사항</a:t>
+            </a:r>
+            <a:endParaRPr lang="ko-KR" altLang="en-US" sz="10000" dirty="0"/>
           </a:p>
         </p:txBody>
       </p:sp>
     </p:spTree>
     <p:extLst>
       <p:ext uri="{BB962C8B-B14F-4D97-AF65-F5344CB8AC3E}">
-        <p14:creationId xmlns:p14="http://schemas.microsoft.com/office/powerpoint/2010/main" val="2558635409"/>
+        <p14:creationId xmlns:p14="http://schemas.microsoft.com/office/powerpoint/2010/main" val="1115190915"/>
       </p:ext>
     </p:extLst>
   </p:cSld>
@@ -3822,38 +5646,9 @@
           <a:chExt cx="0" cy="0"/>
         </a:xfrm>
       </p:grpSpPr>
-      <p:sp>
-        <p:nvSpPr>
-          <p:cNvPr id="16" name="TextBox 15"/>
-          <p:cNvSpPr txBox="1"/>
-          <p:nvPr/>
-        </p:nvSpPr>
-        <p:spPr>
-          <a:xfrm>
-            <a:off x="487180" y="252119"/>
-            <a:ext cx="1872629" cy="369332"/>
-          </a:xfrm>
-          <a:prstGeom prst="rect">
-            <a:avLst/>
-          </a:prstGeom>
-          <a:noFill/>
-        </p:spPr>
-        <p:txBody>
-          <a:bodyPr wrap="none" rtlCol="0">
-            <a:spAutoFit/>
-          </a:bodyPr>
-          <a:lstStyle/>
-          <a:p>
-            <a:r>
-              <a:rPr lang="en-US" altLang="ko-KR" dirty="0"/>
-              <a:t>UI-SJN-20-001U</a:t>
-            </a:r>
-          </a:p>
-        </p:txBody>
-      </p:sp>
       <p:pic>
         <p:nvPicPr>
-          <p:cNvPr id="2" name="그림 1"/>
+          <p:cNvPr id="4" name="그림 3"/>
           <p:cNvPicPr>
             <a:picLocks noChangeAspect="1"/>
           </p:cNvPicPr>
@@ -3867,17 +5662,47 @@
         </p:blipFill>
         <p:spPr>
           <a:xfrm>
-            <a:off x="487180" y="1036971"/>
-            <a:ext cx="4172532" cy="3419952"/>
+            <a:off x="453732" y="553353"/>
+            <a:ext cx="4864029" cy="6102280"/>
           </a:xfrm>
           <a:prstGeom prst="rect">
             <a:avLst/>
           </a:prstGeom>
         </p:spPr>
       </p:pic>
+      <p:sp>
+        <p:nvSpPr>
+          <p:cNvPr id="8" name="TextBox 7"/>
+          <p:cNvSpPr txBox="1"/>
+          <p:nvPr/>
+        </p:nvSpPr>
+        <p:spPr>
+          <a:xfrm>
+            <a:off x="487180" y="252119"/>
+            <a:ext cx="1872629" cy="369332"/>
+          </a:xfrm>
+          <a:prstGeom prst="rect">
+            <a:avLst/>
+          </a:prstGeom>
+          <a:noFill/>
+        </p:spPr>
+        <p:txBody>
+          <a:bodyPr wrap="none" rtlCol="0">
+            <a:spAutoFit/>
+          </a:bodyPr>
+          <a:lstStyle/>
+          <a:p>
+            <a:r>
+              <a:rPr lang="en-US" altLang="ko-KR" dirty="0"/>
+              <a:t>UI-SJN-01-001U</a:t>
+            </a:r>
+            <a:endParaRPr lang="en-US" altLang="ko-KR" dirty="0"/>
+          </a:p>
+        </p:txBody>
+      </p:sp>
       <p:pic>
         <p:nvPicPr>
-          <p:cNvPr id="3" name="그림 2"/>
+          <p:cNvPr id="6" name="그림 5"/>
           <p:cNvPicPr>
             <a:picLocks noChangeAspect="1"/>
           </p:cNvPicPr>
@@ -3891,8 +5716,8 @@
         </p:blipFill>
         <p:spPr>
           <a:xfrm>
-            <a:off x="5566863" y="1036971"/>
-            <a:ext cx="428685" cy="419158"/>
+            <a:off x="6766444" y="966866"/>
+            <a:ext cx="3662874" cy="5031420"/>
           </a:xfrm>
           <a:prstGeom prst="rect">
             <a:avLst/>
@@ -3901,14 +5726,14 @@
       </p:pic>
       <p:cxnSp>
         <p:nvCxnSpPr>
-          <p:cNvPr id="5" name="직선 화살표 연결선 4"/>
+          <p:cNvPr id="9" name="직선 화살표 연결선 8"/>
           <p:cNvCxnSpPr/>
           <p:nvPr/>
         </p:nvCxnSpPr>
         <p:spPr>
           <a:xfrm>
-            <a:off x="4811843" y="1334125"/>
-            <a:ext cx="472190" cy="0"/>
+            <a:off x="4452079" y="3057993"/>
+            <a:ext cx="1731364" cy="0"/>
           </a:xfrm>
           <a:prstGeom prst="straightConnector1">
             <a:avLst/>
@@ -3934,108 +5759,52 @@
       </p:cxnSp>
       <p:sp>
         <p:nvSpPr>
-          <p:cNvPr id="10" name="TextBox 9"/>
-          <p:cNvSpPr txBox="1"/>
-          <p:nvPr/>
-        </p:nvSpPr>
-        <p:spPr>
-          <a:xfrm>
-            <a:off x="5423895" y="1721757"/>
-            <a:ext cx="1855444" cy="307777"/>
-          </a:xfrm>
-          <a:prstGeom prst="rect">
-            <a:avLst/>
-          </a:prstGeom>
-          <a:noFill/>
-        </p:spPr>
-        <p:txBody>
-          <a:bodyPr wrap="none" rtlCol="0">
-            <a:spAutoFit/>
-          </a:bodyPr>
-          <a:lstStyle/>
-          <a:p>
-            <a:r>
-              <a:rPr lang="en-US" altLang="ko-KR" sz="1400" dirty="0" smtClean="0"/>
-              <a:t>active </a:t>
-            </a:r>
-            <a:r>
-              <a:rPr lang="ko-KR" altLang="en-US" sz="1400" dirty="0" err="1" smtClean="0"/>
-              <a:t>클래스명</a:t>
-            </a:r>
-            <a:r>
-              <a:rPr lang="ko-KR" altLang="en-US" sz="1400" dirty="0" smtClean="0"/>
-              <a:t> 추가</a:t>
-            </a:r>
-            <a:endParaRPr lang="ko-KR" altLang="en-US" sz="1400" dirty="0"/>
-          </a:p>
-        </p:txBody>
-      </p:sp>
-      <p:pic>
-        <p:nvPicPr>
-          <p:cNvPr id="6" name="그림 5"/>
-          <p:cNvPicPr>
-            <a:picLocks noChangeAspect="1"/>
-          </p:cNvPicPr>
-          <p:nvPr/>
-        </p:nvPicPr>
-        <p:blipFill>
-          <a:blip r:embed="rId4"/>
-          <a:stretch>
-            <a:fillRect/>
-          </a:stretch>
-        </p:blipFill>
-        <p:spPr>
-          <a:xfrm>
-            <a:off x="7656612" y="877274"/>
-            <a:ext cx="3429479" cy="5058481"/>
-          </a:xfrm>
-          <a:prstGeom prst="rect">
-            <a:avLst/>
-          </a:prstGeom>
-        </p:spPr>
-      </p:pic>
-      <p:sp>
-        <p:nvSpPr>
-          <p:cNvPr id="7" name="TextBox 6"/>
-          <p:cNvSpPr txBox="1"/>
-          <p:nvPr/>
-        </p:nvSpPr>
-        <p:spPr>
-          <a:xfrm>
-            <a:off x="8117173" y="6130977"/>
-            <a:ext cx="2239716" cy="307777"/>
-          </a:xfrm>
-          <a:prstGeom prst="rect">
-            <a:avLst/>
-          </a:prstGeom>
-          <a:noFill/>
-        </p:spPr>
-        <p:txBody>
-          <a:bodyPr wrap="none" rtlCol="0">
-            <a:spAutoFit/>
-          </a:bodyPr>
-          <a:lstStyle/>
-          <a:p>
-            <a:r>
-              <a:rPr lang="ko-KR" altLang="en-US" sz="1400" dirty="0" err="1" smtClean="0"/>
-              <a:t>배경이미지</a:t>
-            </a:r>
-            <a:r>
-              <a:rPr lang="ko-KR" altLang="en-US" sz="1400" dirty="0" smtClean="0"/>
-              <a:t> 크기 </a:t>
-            </a:r>
-            <a:r>
-              <a:rPr lang="en-US" altLang="ko-KR" sz="1400" dirty="0" smtClean="0"/>
-              <a:t>318*226</a:t>
-            </a:r>
-            <a:endParaRPr lang="ko-KR" altLang="en-US" sz="1400" dirty="0"/>
+          <p:cNvPr id="12" name="직사각형 11"/>
+          <p:cNvSpPr/>
+          <p:nvPr/>
+        </p:nvSpPr>
+        <p:spPr>
+          <a:xfrm>
+            <a:off x="0" y="6453266"/>
+            <a:ext cx="12192000" cy="404734"/>
+          </a:xfrm>
+          <a:prstGeom prst="rect">
+            <a:avLst/>
+          </a:prstGeom>
+        </p:spPr>
+        <p:style>
+          <a:lnRef idx="2">
+            <a:schemeClr val="accent1">
+              <a:shade val="50000"/>
+            </a:schemeClr>
+          </a:lnRef>
+          <a:fillRef idx="1">
+            <a:schemeClr val="accent1"/>
+          </a:fillRef>
+          <a:effectRef idx="0">
+            <a:schemeClr val="accent1"/>
+          </a:effectRef>
+          <a:fontRef idx="minor">
+            <a:schemeClr val="lt1"/>
+          </a:fontRef>
+        </p:style>
+        <p:txBody>
+          <a:bodyPr rtlCol="0" anchor="ctr"/>
+          <a:lstStyle/>
+          <a:p>
+            <a:pPr algn="ctr"/>
+            <a:r>
+              <a:rPr lang="ko-KR" altLang="en-US" dirty="0" smtClean="0"/>
+              <a:t>아래에서 계속</a:t>
+            </a:r>
+            <a:endParaRPr lang="ko-KR" altLang="en-US" dirty="0"/>
           </a:p>
         </p:txBody>
       </p:sp>
     </p:spTree>
     <p:extLst>
       <p:ext uri="{BB962C8B-B14F-4D97-AF65-F5344CB8AC3E}">
-        <p14:creationId xmlns:p14="http://schemas.microsoft.com/office/powerpoint/2010/main" val="726478288"/>
+        <p14:creationId xmlns:p14="http://schemas.microsoft.com/office/powerpoint/2010/main" val="73290231"/>
       </p:ext>
     </p:extLst>
   </p:cSld>
@@ -4062,38 +5831,9 @@
           <a:chExt cx="0" cy="0"/>
         </a:xfrm>
       </p:grpSpPr>
-      <p:sp>
-        <p:nvSpPr>
-          <p:cNvPr id="16" name="TextBox 15"/>
-          <p:cNvSpPr txBox="1"/>
-          <p:nvPr/>
-        </p:nvSpPr>
-        <p:spPr>
-          <a:xfrm>
-            <a:off x="487180" y="252119"/>
-            <a:ext cx="1872629" cy="369332"/>
-          </a:xfrm>
-          <a:prstGeom prst="rect">
-            <a:avLst/>
-          </a:prstGeom>
-          <a:noFill/>
-        </p:spPr>
-        <p:txBody>
-          <a:bodyPr wrap="none" rtlCol="0">
-            <a:spAutoFit/>
-          </a:bodyPr>
-          <a:lstStyle/>
-          <a:p>
-            <a:r>
-              <a:rPr lang="en-US" altLang="ko-KR" dirty="0"/>
-              <a:t>UI-SJN-42-003L</a:t>
-            </a:r>
-          </a:p>
-        </p:txBody>
-      </p:sp>
       <p:pic>
         <p:nvPicPr>
-          <p:cNvPr id="4" name="그림 3"/>
+          <p:cNvPr id="2" name="그림 1"/>
           <p:cNvPicPr>
             <a:picLocks noChangeAspect="1"/>
           </p:cNvPicPr>
@@ -4107,17 +5847,94 @@
         </p:blipFill>
         <p:spPr>
           <a:xfrm>
-            <a:off x="487180" y="949196"/>
-            <a:ext cx="4324954" cy="2591162"/>
+            <a:off x="262620" y="914400"/>
+            <a:ext cx="4946461" cy="5395539"/>
           </a:xfrm>
           <a:prstGeom prst="rect">
             <a:avLst/>
           </a:prstGeom>
         </p:spPr>
       </p:pic>
+      <p:cxnSp>
+        <p:nvCxnSpPr>
+          <p:cNvPr id="9" name="직선 화살표 연결선 8"/>
+          <p:cNvCxnSpPr/>
+          <p:nvPr/>
+        </p:nvCxnSpPr>
+        <p:spPr>
+          <a:xfrm>
+            <a:off x="4572000" y="3537678"/>
+            <a:ext cx="1731364" cy="0"/>
+          </a:xfrm>
+          <a:prstGeom prst="straightConnector1">
+            <a:avLst/>
+          </a:prstGeom>
+          <a:ln>
+            <a:tailEnd type="triangle"/>
+          </a:ln>
+        </p:spPr>
+        <p:style>
+          <a:lnRef idx="1">
+            <a:schemeClr val="accent1"/>
+          </a:lnRef>
+          <a:fillRef idx="0">
+            <a:schemeClr val="accent1"/>
+          </a:fillRef>
+          <a:effectRef idx="0">
+            <a:schemeClr val="accent1"/>
+          </a:effectRef>
+          <a:fontRef idx="minor">
+            <a:schemeClr val="tx1"/>
+          </a:fontRef>
+        </p:style>
+      </p:cxnSp>
+      <p:sp>
+        <p:nvSpPr>
+          <p:cNvPr id="12" name="직사각형 11"/>
+          <p:cNvSpPr/>
+          <p:nvPr/>
+        </p:nvSpPr>
+        <p:spPr>
+          <a:xfrm>
+            <a:off x="0" y="6453266"/>
+            <a:ext cx="12192000" cy="404734"/>
+          </a:xfrm>
+          <a:prstGeom prst="rect">
+            <a:avLst/>
+          </a:prstGeom>
+        </p:spPr>
+        <p:style>
+          <a:lnRef idx="2">
+            <a:schemeClr val="accent1">
+              <a:shade val="50000"/>
+            </a:schemeClr>
+          </a:lnRef>
+          <a:fillRef idx="1">
+            <a:schemeClr val="accent1"/>
+          </a:fillRef>
+          <a:effectRef idx="0">
+            <a:schemeClr val="accent1"/>
+          </a:effectRef>
+          <a:fontRef idx="minor">
+            <a:schemeClr val="lt1"/>
+          </a:fontRef>
+        </p:style>
+        <p:txBody>
+          <a:bodyPr rtlCol="0" anchor="ctr"/>
+          <a:lstStyle/>
+          <a:p>
+            <a:pPr algn="ctr"/>
+            <a:r>
+              <a:rPr lang="ko-KR" altLang="en-US" dirty="0" smtClean="0"/>
+              <a:t>아래에서 계속</a:t>
+            </a:r>
+            <a:endParaRPr lang="ko-KR" altLang="en-US" dirty="0"/>
+          </a:p>
+        </p:txBody>
+      </p:sp>
       <p:pic>
         <p:nvPicPr>
-          <p:cNvPr id="8" name="그림 7"/>
+          <p:cNvPr id="3" name="그림 2"/>
           <p:cNvPicPr>
             <a:picLocks noChangeAspect="1"/>
           </p:cNvPicPr>
@@ -4131,270 +5948,18 @@
         </p:blipFill>
         <p:spPr>
           <a:xfrm>
-            <a:off x="6014424" y="1034933"/>
-            <a:ext cx="4315427" cy="2419688"/>
+            <a:off x="7064996" y="1123109"/>
+            <a:ext cx="3256687" cy="4829137"/>
           </a:xfrm>
           <a:prstGeom prst="rect">
             <a:avLst/>
           </a:prstGeom>
         </p:spPr>
       </p:pic>
-      <p:cxnSp>
-        <p:nvCxnSpPr>
-          <p:cNvPr id="11" name="직선 화살표 연결선 10"/>
-          <p:cNvCxnSpPr/>
-          <p:nvPr/>
-        </p:nvCxnSpPr>
-        <p:spPr>
-          <a:xfrm>
-            <a:off x="5096656" y="2244777"/>
-            <a:ext cx="674557" cy="0"/>
-          </a:xfrm>
-          <a:prstGeom prst="straightConnector1">
-            <a:avLst/>
-          </a:prstGeom>
-          <a:ln>
-            <a:tailEnd type="triangle"/>
-          </a:ln>
-        </p:spPr>
-        <p:style>
-          <a:lnRef idx="1">
-            <a:schemeClr val="accent1"/>
-          </a:lnRef>
-          <a:fillRef idx="0">
-            <a:schemeClr val="accent1"/>
-          </a:fillRef>
-          <a:effectRef idx="0">
-            <a:schemeClr val="accent1"/>
-          </a:effectRef>
-          <a:fontRef idx="minor">
-            <a:schemeClr val="tx1"/>
-          </a:fontRef>
-        </p:style>
-      </p:cxnSp>
-      <p:sp>
-        <p:nvSpPr>
-          <p:cNvPr id="12" name="TextBox 11"/>
-          <p:cNvSpPr txBox="1"/>
-          <p:nvPr/>
-        </p:nvSpPr>
-        <p:spPr>
-          <a:xfrm>
-            <a:off x="9100144" y="5360502"/>
-            <a:ext cx="1324402" cy="307777"/>
-          </a:xfrm>
-          <a:prstGeom prst="rect">
-            <a:avLst/>
-          </a:prstGeom>
-          <a:noFill/>
-        </p:spPr>
-        <p:txBody>
-          <a:bodyPr wrap="none" rtlCol="0">
-            <a:spAutoFit/>
-          </a:bodyPr>
-          <a:lstStyle/>
-          <a:p>
-            <a:r>
-              <a:rPr lang="ko-KR" altLang="en-US" sz="1400" dirty="0" err="1" smtClean="0"/>
-              <a:t>클래스명</a:t>
-            </a:r>
-            <a:r>
-              <a:rPr lang="ko-KR" altLang="en-US" sz="1400" dirty="0" smtClean="0"/>
-              <a:t> 변경</a:t>
-            </a:r>
-            <a:endParaRPr lang="ko-KR" altLang="en-US" sz="1400" dirty="0"/>
-          </a:p>
-        </p:txBody>
-      </p:sp>
-      <p:pic>
-        <p:nvPicPr>
-          <p:cNvPr id="14" name="그림 13"/>
-          <p:cNvPicPr>
-            <a:picLocks noChangeAspect="1"/>
-          </p:cNvPicPr>
-          <p:nvPr/>
-        </p:nvPicPr>
-        <p:blipFill>
-          <a:blip r:embed="rId4"/>
-          <a:stretch>
-            <a:fillRect/>
-          </a:stretch>
-        </p:blipFill>
-        <p:spPr>
-          <a:xfrm>
-            <a:off x="1015410" y="3903443"/>
-            <a:ext cx="3610479" cy="733527"/>
-          </a:xfrm>
-          <a:prstGeom prst="rect">
-            <a:avLst/>
-          </a:prstGeom>
-        </p:spPr>
-      </p:pic>
-      <p:pic>
-        <p:nvPicPr>
-          <p:cNvPr id="15" name="그림 14"/>
-          <p:cNvPicPr>
-            <a:picLocks noChangeAspect="1"/>
-          </p:cNvPicPr>
-          <p:nvPr/>
-        </p:nvPicPr>
-        <p:blipFill>
-          <a:blip r:embed="rId5"/>
-          <a:stretch>
-            <a:fillRect/>
-          </a:stretch>
-        </p:blipFill>
-        <p:spPr>
-          <a:xfrm>
-            <a:off x="6549511" y="3863953"/>
-            <a:ext cx="3620005" cy="743054"/>
-          </a:xfrm>
-          <a:prstGeom prst="rect">
-            <a:avLst/>
-          </a:prstGeom>
-        </p:spPr>
-      </p:pic>
-      <p:cxnSp>
-        <p:nvCxnSpPr>
-          <p:cNvPr id="18" name="직선 연결선 17"/>
-          <p:cNvCxnSpPr/>
-          <p:nvPr/>
-        </p:nvCxnSpPr>
-        <p:spPr>
-          <a:xfrm>
-            <a:off x="9556230" y="4085297"/>
-            <a:ext cx="412230" cy="0"/>
-          </a:xfrm>
-          <a:prstGeom prst="line">
-            <a:avLst/>
-          </a:prstGeom>
-        </p:spPr>
-        <p:style>
-          <a:lnRef idx="3">
-            <a:schemeClr val="accent2"/>
-          </a:lnRef>
-          <a:fillRef idx="0">
-            <a:schemeClr val="accent2"/>
-          </a:fillRef>
-          <a:effectRef idx="2">
-            <a:schemeClr val="accent2"/>
-          </a:effectRef>
-          <a:fontRef idx="minor">
-            <a:schemeClr val="tx1"/>
-          </a:fontRef>
-        </p:style>
-      </p:cxnSp>
-      <p:sp>
-        <p:nvSpPr>
-          <p:cNvPr id="19" name="TextBox 18"/>
-          <p:cNvSpPr txBox="1"/>
-          <p:nvPr/>
-        </p:nvSpPr>
-        <p:spPr>
-          <a:xfrm>
-            <a:off x="5136630" y="3862465"/>
-            <a:ext cx="902811" cy="307777"/>
-          </a:xfrm>
-          <a:prstGeom prst="rect">
-            <a:avLst/>
-          </a:prstGeom>
-          <a:noFill/>
-        </p:spPr>
-        <p:txBody>
-          <a:bodyPr wrap="none" rtlCol="0">
-            <a:spAutoFit/>
-          </a:bodyPr>
-          <a:lstStyle/>
-          <a:p>
-            <a:r>
-              <a:rPr lang="ko-KR" altLang="en-US" sz="1400" dirty="0" err="1" smtClean="0"/>
-              <a:t>색상변경</a:t>
-            </a:r>
-            <a:endParaRPr lang="ko-KR" altLang="en-US" sz="1400" dirty="0"/>
-          </a:p>
-        </p:txBody>
-      </p:sp>
-      <p:cxnSp>
-        <p:nvCxnSpPr>
-          <p:cNvPr id="21" name="직선 화살표 연결선 20"/>
-          <p:cNvCxnSpPr/>
-          <p:nvPr/>
-        </p:nvCxnSpPr>
-        <p:spPr>
-          <a:xfrm flipV="1">
-            <a:off x="9848538" y="4235480"/>
-            <a:ext cx="0" cy="981097"/>
-          </a:xfrm>
-          <a:prstGeom prst="straightConnector1">
-            <a:avLst/>
-          </a:prstGeom>
-          <a:ln>
-            <a:tailEnd type="triangle"/>
-          </a:ln>
-        </p:spPr>
-        <p:style>
-          <a:lnRef idx="1">
-            <a:schemeClr val="accent1"/>
-          </a:lnRef>
-          <a:fillRef idx="0">
-            <a:schemeClr val="accent1"/>
-          </a:fillRef>
-          <a:effectRef idx="0">
-            <a:schemeClr val="accent1"/>
-          </a:effectRef>
-          <a:fontRef idx="minor">
-            <a:schemeClr val="tx1"/>
-          </a:fontRef>
-        </p:style>
-      </p:cxnSp>
-      <p:sp>
-        <p:nvSpPr>
-          <p:cNvPr id="22" name="직사각형 21"/>
-          <p:cNvSpPr/>
-          <p:nvPr/>
-        </p:nvSpPr>
-        <p:spPr>
-          <a:xfrm>
-            <a:off x="0" y="6453266"/>
-            <a:ext cx="12192000" cy="404734"/>
-          </a:xfrm>
-          <a:prstGeom prst="rect">
-            <a:avLst/>
-          </a:prstGeom>
-        </p:spPr>
-        <p:style>
-          <a:lnRef idx="2">
-            <a:schemeClr val="accent1">
-              <a:shade val="50000"/>
-            </a:schemeClr>
-          </a:lnRef>
-          <a:fillRef idx="1">
-            <a:schemeClr val="accent1"/>
-          </a:fillRef>
-          <a:effectRef idx="0">
-            <a:schemeClr val="accent1"/>
-          </a:effectRef>
-          <a:fontRef idx="minor">
-            <a:schemeClr val="lt1"/>
-          </a:fontRef>
-        </p:style>
-        <p:txBody>
-          <a:bodyPr rtlCol="0" anchor="ctr"/>
-          <a:lstStyle/>
-          <a:p>
-            <a:pPr algn="ctr"/>
-            <a:r>
-              <a:rPr lang="ko-KR" altLang="en-US" dirty="0" smtClean="0"/>
-              <a:t>아래에서 계속</a:t>
-            </a:r>
-            <a:endParaRPr lang="ko-KR" altLang="en-US" dirty="0"/>
-          </a:p>
-        </p:txBody>
-      </p:sp>
     </p:spTree>
     <p:extLst>
       <p:ext uri="{BB962C8B-B14F-4D97-AF65-F5344CB8AC3E}">
-        <p14:creationId xmlns:p14="http://schemas.microsoft.com/office/powerpoint/2010/main" val="4155659830"/>
+        <p14:creationId xmlns:p14="http://schemas.microsoft.com/office/powerpoint/2010/main" val="1461235720"/>
       </p:ext>
     </p:extLst>
   </p:cSld>
@@ -4423,7 +5988,7 @@
       </p:grpSpPr>
       <p:pic>
         <p:nvPicPr>
-          <p:cNvPr id="2" name="그림 1"/>
+          <p:cNvPr id="4" name="그림 3"/>
           <p:cNvPicPr>
             <a:picLocks noChangeAspect="1"/>
           </p:cNvPicPr>
@@ -4437,17 +6002,50 @@
         </p:blipFill>
         <p:spPr>
           <a:xfrm>
-            <a:off x="373707" y="968469"/>
-            <a:ext cx="3829584" cy="3886742"/>
+            <a:off x="373515" y="292308"/>
+            <a:ext cx="4565744" cy="5816361"/>
           </a:xfrm>
           <a:prstGeom prst="rect">
             <a:avLst/>
           </a:prstGeom>
         </p:spPr>
       </p:pic>
+      <p:cxnSp>
+        <p:nvCxnSpPr>
+          <p:cNvPr id="9" name="직선 화살표 연결선 8"/>
+          <p:cNvCxnSpPr/>
+          <p:nvPr/>
+        </p:nvCxnSpPr>
+        <p:spPr>
+          <a:xfrm>
+            <a:off x="4736892" y="3132944"/>
+            <a:ext cx="1731364" cy="0"/>
+          </a:xfrm>
+          <a:prstGeom prst="straightConnector1">
+            <a:avLst/>
+          </a:prstGeom>
+          <a:ln>
+            <a:tailEnd type="triangle"/>
+          </a:ln>
+        </p:spPr>
+        <p:style>
+          <a:lnRef idx="1">
+            <a:schemeClr val="accent1"/>
+          </a:lnRef>
+          <a:fillRef idx="0">
+            <a:schemeClr val="accent1"/>
+          </a:fillRef>
+          <a:effectRef idx="0">
+            <a:schemeClr val="accent1"/>
+          </a:effectRef>
+          <a:fontRef idx="minor">
+            <a:schemeClr val="tx1"/>
+          </a:fontRef>
+        </p:style>
+      </p:cxnSp>
       <p:pic>
         <p:nvPicPr>
-          <p:cNvPr id="3" name="그림 2"/>
+          <p:cNvPr id="5" name="그림 4"/>
           <p:cNvPicPr>
             <a:picLocks noChangeAspect="1"/>
           </p:cNvPicPr>
@@ -4461,81 +6059,62 @@
         </p:blipFill>
         <p:spPr>
           <a:xfrm>
-            <a:off x="5982759" y="2004672"/>
-            <a:ext cx="3839111" cy="2638793"/>
+            <a:off x="7198925" y="839450"/>
+            <a:ext cx="3408315" cy="4372205"/>
           </a:xfrm>
           <a:prstGeom prst="rect">
             <a:avLst/>
           </a:prstGeom>
         </p:spPr>
       </p:pic>
-      <p:cxnSp>
-        <p:nvCxnSpPr>
-          <p:cNvPr id="6" name="직선 화살표 연결선 5"/>
-          <p:cNvCxnSpPr/>
-          <p:nvPr/>
-        </p:nvCxnSpPr>
-        <p:spPr>
-          <a:xfrm>
-            <a:off x="4482059" y="3117954"/>
-            <a:ext cx="1071797" cy="0"/>
-          </a:xfrm>
-          <a:prstGeom prst="straightConnector1">
-            <a:avLst/>
-          </a:prstGeom>
-          <a:ln>
-            <a:tailEnd type="triangle"/>
-          </a:ln>
+      <p:sp>
+        <p:nvSpPr>
+          <p:cNvPr id="10" name="직사각형 9"/>
+          <p:cNvSpPr/>
+          <p:nvPr/>
+        </p:nvSpPr>
+        <p:spPr>
+          <a:xfrm>
+            <a:off x="0" y="6453266"/>
+            <a:ext cx="12192000" cy="404734"/>
+          </a:xfrm>
+          <a:prstGeom prst="rect">
+            <a:avLst/>
+          </a:prstGeom>
         </p:spPr>
         <p:style>
-          <a:lnRef idx="1">
-            <a:schemeClr val="accent1"/>
+          <a:lnRef idx="2">
+            <a:schemeClr val="accent1">
+              <a:shade val="50000"/>
+            </a:schemeClr>
           </a:lnRef>
-          <a:fillRef idx="0">
+          <a:fillRef idx="1">
             <a:schemeClr val="accent1"/>
           </a:fillRef>
           <a:effectRef idx="0">
             <a:schemeClr val="accent1"/>
           </a:effectRef>
           <a:fontRef idx="minor">
-            <a:schemeClr val="tx1"/>
+            <a:schemeClr val="lt1"/>
           </a:fontRef>
         </p:style>
-      </p:cxnSp>
-      <p:sp>
-        <p:nvSpPr>
-          <p:cNvPr id="17" name="TextBox 16"/>
-          <p:cNvSpPr txBox="1"/>
-          <p:nvPr/>
-        </p:nvSpPr>
-        <p:spPr>
-          <a:xfrm>
-            <a:off x="4745501" y="3531702"/>
-            <a:ext cx="543739" cy="307777"/>
-          </a:xfrm>
-          <a:prstGeom prst="rect">
-            <a:avLst/>
-          </a:prstGeom>
-          <a:noFill/>
-        </p:spPr>
-        <p:txBody>
-          <a:bodyPr wrap="none" rtlCol="0">
-            <a:spAutoFit/>
-          </a:bodyPr>
-          <a:lstStyle/>
-          <a:p>
-            <a:r>
-              <a:rPr lang="ko-KR" altLang="en-US" sz="1400" dirty="0" smtClean="0"/>
-              <a:t>변경</a:t>
-            </a:r>
-            <a:endParaRPr lang="ko-KR" altLang="en-US" sz="1400" dirty="0"/>
+        <p:txBody>
+          <a:bodyPr rtlCol="0" anchor="ctr"/>
+          <a:lstStyle/>
+          <a:p>
+            <a:pPr algn="ctr"/>
+            <a:r>
+              <a:rPr lang="ko-KR" altLang="en-US" dirty="0" smtClean="0"/>
+              <a:t>아래에서 계속</a:t>
+            </a:r>
+            <a:endParaRPr lang="ko-KR" altLang="en-US" dirty="0"/>
           </a:p>
         </p:txBody>
       </p:sp>
     </p:spTree>
     <p:extLst>
       <p:ext uri="{BB962C8B-B14F-4D97-AF65-F5344CB8AC3E}">
-        <p14:creationId xmlns:p14="http://schemas.microsoft.com/office/powerpoint/2010/main" val="1576909514"/>
+        <p14:creationId xmlns:p14="http://schemas.microsoft.com/office/powerpoint/2010/main" val="2365611402"/>
       </p:ext>
     </p:extLst>
   </p:cSld>
@@ -4562,39 +6141,9 @@
           <a:chExt cx="0" cy="0"/>
         </a:xfrm>
       </p:grpSpPr>
-      <p:sp>
-        <p:nvSpPr>
-          <p:cNvPr id="16" name="TextBox 15"/>
-          <p:cNvSpPr txBox="1"/>
-          <p:nvPr/>
-        </p:nvSpPr>
-        <p:spPr>
-          <a:xfrm>
-            <a:off x="487180" y="252119"/>
-            <a:ext cx="1821332" cy="369332"/>
-          </a:xfrm>
-          <a:prstGeom prst="rect">
-            <a:avLst/>
-          </a:prstGeom>
-          <a:noFill/>
-        </p:spPr>
-        <p:txBody>
-          <a:bodyPr wrap="none" rtlCol="0">
-            <a:spAutoFit/>
-          </a:bodyPr>
-          <a:lstStyle/>
-          <a:p>
-            <a:r>
-              <a:rPr lang="en-US" altLang="ko-KR" dirty="0" smtClean="0"/>
-              <a:t>UI-SJN-42-004L</a:t>
-            </a:r>
-            <a:endParaRPr lang="en-US" altLang="ko-KR" dirty="0"/>
-          </a:p>
-        </p:txBody>
-      </p:sp>
       <p:pic>
         <p:nvPicPr>
-          <p:cNvPr id="2" name="그림 1"/>
+          <p:cNvPr id="3" name="그림 2"/>
           <p:cNvPicPr>
             <a:picLocks noChangeAspect="1"/>
           </p:cNvPicPr>
@@ -4608,8 +6157,8 @@
         </p:blipFill>
         <p:spPr>
           <a:xfrm>
-            <a:off x="303675" y="4292061"/>
-            <a:ext cx="5437558" cy="588998"/>
+            <a:off x="5156617" y="531198"/>
+            <a:ext cx="6265887" cy="1307704"/>
           </a:xfrm>
           <a:prstGeom prst="rect">
             <a:avLst/>
@@ -4618,7 +6167,7 @@
       </p:pic>
       <p:pic>
         <p:nvPicPr>
-          <p:cNvPr id="3" name="그림 2"/>
+          <p:cNvPr id="2" name="그림 1"/>
           <p:cNvPicPr>
             <a:picLocks noChangeAspect="1"/>
           </p:cNvPicPr>
@@ -4632,8 +6181,8 @@
         </p:blipFill>
         <p:spPr>
           <a:xfrm>
-            <a:off x="487180" y="1202069"/>
-            <a:ext cx="4201111" cy="2715004"/>
+            <a:off x="768496" y="3309715"/>
+            <a:ext cx="4239217" cy="943107"/>
           </a:xfrm>
           <a:prstGeom prst="rect">
             <a:avLst/>
@@ -4642,7 +6191,7 @@
       </p:pic>
       <p:pic>
         <p:nvPicPr>
-          <p:cNvPr id="5" name="그림 4"/>
+          <p:cNvPr id="4" name="그림 3"/>
           <p:cNvPicPr>
             <a:picLocks noChangeAspect="1"/>
           </p:cNvPicPr>
@@ -4656,8 +6205,8 @@
         </p:blipFill>
         <p:spPr>
           <a:xfrm>
-            <a:off x="6553724" y="1052096"/>
-            <a:ext cx="4810796" cy="2610214"/>
+            <a:off x="6366692" y="3201358"/>
+            <a:ext cx="4315427" cy="1924319"/>
           </a:xfrm>
           <a:prstGeom prst="rect">
             <a:avLst/>
@@ -4666,44 +6215,71 @@
       </p:pic>
       <p:cxnSp>
         <p:nvCxnSpPr>
-          <p:cNvPr id="7" name="직선 연결선 6"/>
+          <p:cNvPr id="6" name="직선 화살표 연결선 5"/>
           <p:cNvCxnSpPr/>
           <p:nvPr/>
         </p:nvCxnSpPr>
         <p:spPr>
           <a:xfrm>
-            <a:off x="487180" y="4661941"/>
-            <a:ext cx="1686394" cy="0"/>
-          </a:xfrm>
-          <a:prstGeom prst="line">
-            <a:avLst/>
-          </a:prstGeom>
+            <a:off x="5156617" y="3695075"/>
+            <a:ext cx="981855" cy="0"/>
+          </a:xfrm>
+          <a:prstGeom prst="straightConnector1">
+            <a:avLst/>
+          </a:prstGeom>
+          <a:ln>
+            <a:tailEnd type="triangle"/>
+          </a:ln>
         </p:spPr>
         <p:style>
-          <a:lnRef idx="3">
-            <a:schemeClr val="accent2"/>
+          <a:lnRef idx="1">
+            <a:schemeClr val="accent1"/>
           </a:lnRef>
           <a:fillRef idx="0">
-            <a:schemeClr val="accent2"/>
+            <a:schemeClr val="accent1"/>
           </a:fillRef>
-          <a:effectRef idx="2">
-            <a:schemeClr val="accent2"/>
+          <a:effectRef idx="0">
+            <a:schemeClr val="accent1"/>
           </a:effectRef>
           <a:fontRef idx="minor">
             <a:schemeClr val="tx1"/>
           </a:fontRef>
         </p:style>
       </p:cxnSp>
+      <p:pic>
+        <p:nvPicPr>
+          <p:cNvPr id="7" name="그림 6"/>
+          <p:cNvPicPr>
+            <a:picLocks noChangeAspect="1"/>
+          </p:cNvPicPr>
+          <p:nvPr/>
+        </p:nvPicPr>
+        <p:blipFill>
+          <a:blip r:embed="rId5"/>
+          <a:stretch>
+            <a:fillRect/>
+          </a:stretch>
+        </p:blipFill>
+        <p:spPr>
+          <a:xfrm>
+            <a:off x="3218330" y="5203451"/>
+            <a:ext cx="2429214" cy="1247949"/>
+          </a:xfrm>
+          <a:prstGeom prst="rect">
+            <a:avLst/>
+          </a:prstGeom>
+        </p:spPr>
+      </p:pic>
       <p:cxnSp>
         <p:nvCxnSpPr>
-          <p:cNvPr id="10" name="직선 화살표 연결선 9"/>
+          <p:cNvPr id="9" name="직선 화살표 연결선 8"/>
           <p:cNvCxnSpPr/>
           <p:nvPr/>
         </p:nvCxnSpPr>
         <p:spPr>
-          <a:xfrm flipV="1">
-            <a:off x="487180" y="4774368"/>
-            <a:ext cx="0" cy="951875"/>
+          <a:xfrm flipH="1">
+            <a:off x="4279692" y="3957403"/>
+            <a:ext cx="2420911" cy="1416571"/>
           </a:xfrm>
           <a:prstGeom prst="straightConnector1">
             <a:avLst/>
@@ -4729,14 +6305,14 @@
       </p:cxnSp>
       <p:sp>
         <p:nvSpPr>
-          <p:cNvPr id="20" name="TextBox 19"/>
+          <p:cNvPr id="10" name="TextBox 9"/>
           <p:cNvSpPr txBox="1"/>
           <p:nvPr/>
         </p:nvSpPr>
         <p:spPr>
           <a:xfrm>
-            <a:off x="215310" y="5838669"/>
-            <a:ext cx="965329" cy="307777"/>
+            <a:off x="5490147" y="5479724"/>
+            <a:ext cx="3347391" cy="307777"/>
           </a:xfrm>
           <a:prstGeom prst="rect">
             <a:avLst/>
@@ -4750,124 +6326,21 @@
           <a:lstStyle/>
           <a:p>
             <a:r>
-              <a:rPr lang="ko-KR" altLang="en-US" sz="1400" smtClean="0"/>
-              <a:t>태그 삭제</a:t>
+              <a:rPr lang="ko-KR" altLang="en-US" sz="1400" dirty="0" smtClean="0"/>
+              <a:t>기상에 사용하는것과 같은 크기 입니다</a:t>
+            </a:r>
+            <a:r>
+              <a:rPr lang="en-US" altLang="ko-KR" sz="1400" dirty="0" smtClean="0"/>
+              <a:t>.</a:t>
             </a:r>
             <a:endParaRPr lang="ko-KR" altLang="en-US" sz="1400" dirty="0"/>
-          </a:p>
-        </p:txBody>
-      </p:sp>
-      <p:sp>
-        <p:nvSpPr>
-          <p:cNvPr id="23" name="TextBox 22"/>
-          <p:cNvSpPr txBox="1"/>
-          <p:nvPr/>
-        </p:nvSpPr>
-        <p:spPr>
-          <a:xfrm>
-            <a:off x="6620462" y="4661941"/>
-            <a:ext cx="1386918" cy="307777"/>
-          </a:xfrm>
-          <a:prstGeom prst="rect">
-            <a:avLst/>
-          </a:prstGeom>
-          <a:noFill/>
-        </p:spPr>
-        <p:txBody>
-          <a:bodyPr wrap="none" rtlCol="0">
-            <a:spAutoFit/>
-          </a:bodyPr>
-          <a:lstStyle/>
-          <a:p>
-            <a:r>
-              <a:rPr lang="ko-KR" altLang="en-US" sz="1400" smtClean="0"/>
-              <a:t>태그 위치 변경</a:t>
-            </a:r>
-            <a:endParaRPr lang="ko-KR" altLang="en-US" sz="1400" dirty="0"/>
-          </a:p>
-        </p:txBody>
-      </p:sp>
-      <p:cxnSp>
-        <p:nvCxnSpPr>
-          <p:cNvPr id="17" name="직선 화살표 연결선 16"/>
-          <p:cNvCxnSpPr/>
-          <p:nvPr/>
-        </p:nvCxnSpPr>
-        <p:spPr>
-          <a:xfrm flipV="1">
-            <a:off x="6980225" y="2905237"/>
-            <a:ext cx="0" cy="1626432"/>
-          </a:xfrm>
-          <a:prstGeom prst="straightConnector1">
-            <a:avLst/>
-          </a:prstGeom>
-          <a:ln>
-            <a:tailEnd type="triangle"/>
-          </a:ln>
-        </p:spPr>
-        <p:style>
-          <a:lnRef idx="1">
-            <a:schemeClr val="accent1"/>
-          </a:lnRef>
-          <a:fillRef idx="0">
-            <a:schemeClr val="accent1"/>
-          </a:fillRef>
-          <a:effectRef idx="0">
-            <a:schemeClr val="accent1"/>
-          </a:effectRef>
-          <a:fontRef idx="minor">
-            <a:schemeClr val="tx1"/>
-          </a:fontRef>
-        </p:style>
-      </p:cxnSp>
-      <p:sp>
-        <p:nvSpPr>
-          <p:cNvPr id="24" name="직사각형 23"/>
-          <p:cNvSpPr/>
-          <p:nvPr/>
-        </p:nvSpPr>
-        <p:spPr>
-          <a:xfrm>
-            <a:off x="0" y="6453266"/>
-            <a:ext cx="12192000" cy="404734"/>
-          </a:xfrm>
-          <a:prstGeom prst="rect">
-            <a:avLst/>
-          </a:prstGeom>
-        </p:spPr>
-        <p:style>
-          <a:lnRef idx="2">
-            <a:schemeClr val="accent1">
-              <a:shade val="50000"/>
-            </a:schemeClr>
-          </a:lnRef>
-          <a:fillRef idx="1">
-            <a:schemeClr val="accent1"/>
-          </a:fillRef>
-          <a:effectRef idx="0">
-            <a:schemeClr val="accent1"/>
-          </a:effectRef>
-          <a:fontRef idx="minor">
-            <a:schemeClr val="lt1"/>
-          </a:fontRef>
-        </p:style>
-        <p:txBody>
-          <a:bodyPr rtlCol="0" anchor="ctr"/>
-          <a:lstStyle/>
-          <a:p>
-            <a:pPr algn="ctr"/>
-            <a:r>
-              <a:rPr lang="ko-KR" altLang="en-US" dirty="0" smtClean="0"/>
-              <a:t>아래에서 계속</a:t>
-            </a:r>
-            <a:endParaRPr lang="ko-KR" altLang="en-US" dirty="0"/>
           </a:p>
         </p:txBody>
       </p:sp>
     </p:spTree>
     <p:extLst>
       <p:ext uri="{BB962C8B-B14F-4D97-AF65-F5344CB8AC3E}">
-        <p14:creationId xmlns:p14="http://schemas.microsoft.com/office/powerpoint/2010/main" val="1957811728"/>
+        <p14:creationId xmlns:p14="http://schemas.microsoft.com/office/powerpoint/2010/main" val="3911666023"/>
       </p:ext>
     </p:extLst>
   </p:cSld>
@@ -4896,7 +6369,7 @@
       </p:grpSpPr>
       <p:pic>
         <p:nvPicPr>
-          <p:cNvPr id="4" name="그림 3"/>
+          <p:cNvPr id="2" name="그림 1"/>
           <p:cNvPicPr>
             <a:picLocks noChangeAspect="1"/>
           </p:cNvPicPr>
@@ -4910,17 +6383,47 @@
         </p:blipFill>
         <p:spPr>
           <a:xfrm>
-            <a:off x="663282" y="939817"/>
-            <a:ext cx="3820058" cy="3839111"/>
+            <a:off x="1128182" y="2137617"/>
+            <a:ext cx="3115110" cy="1743318"/>
           </a:xfrm>
           <a:prstGeom prst="rect">
             <a:avLst/>
           </a:prstGeom>
         </p:spPr>
       </p:pic>
+      <p:sp>
+        <p:nvSpPr>
+          <p:cNvPr id="5" name="TextBox 4"/>
+          <p:cNvSpPr txBox="1"/>
+          <p:nvPr/>
+        </p:nvSpPr>
+        <p:spPr>
+          <a:xfrm>
+            <a:off x="4928957" y="3727046"/>
+            <a:ext cx="1144865" cy="307777"/>
+          </a:xfrm>
+          <a:prstGeom prst="rect">
+            <a:avLst/>
+          </a:prstGeom>
+          <a:noFill/>
+        </p:spPr>
+        <p:txBody>
+          <a:bodyPr wrap="none" rtlCol="0">
+            <a:spAutoFit/>
+          </a:bodyPr>
+          <a:lstStyle/>
+          <a:p>
+            <a:r>
+              <a:rPr lang="ko-KR" altLang="en-US" sz="1400" dirty="0" smtClean="0"/>
+              <a:t>가운데 정렬</a:t>
+            </a:r>
+            <a:endParaRPr lang="ko-KR" altLang="en-US" sz="1400" dirty="0"/>
+          </a:p>
+        </p:txBody>
+      </p:sp>
       <p:pic>
         <p:nvPicPr>
-          <p:cNvPr id="6" name="그림 5"/>
+          <p:cNvPr id="3" name="그림 2"/>
           <p:cNvPicPr>
             <a:picLocks noChangeAspect="1"/>
           </p:cNvPicPr>
@@ -4934,8 +6437,8 @@
         </p:blipFill>
         <p:spPr>
           <a:xfrm>
-            <a:off x="6226246" y="892185"/>
-            <a:ext cx="4191585" cy="3934374"/>
+            <a:off x="6604285" y="2137617"/>
+            <a:ext cx="3000794" cy="1314633"/>
           </a:xfrm>
           <a:prstGeom prst="rect">
             <a:avLst/>
@@ -4944,14 +6447,14 @@
       </p:pic>
       <p:cxnSp>
         <p:nvCxnSpPr>
-          <p:cNvPr id="9" name="직선 화살표 연결선 8"/>
+          <p:cNvPr id="6" name="직선 화살표 연결선 5"/>
           <p:cNvCxnSpPr/>
           <p:nvPr/>
         </p:nvCxnSpPr>
         <p:spPr>
-          <a:xfrm flipV="1">
-            <a:off x="8904157" y="2653259"/>
-            <a:ext cx="0" cy="2900597"/>
+          <a:xfrm>
+            <a:off x="4811843" y="2802428"/>
+            <a:ext cx="1379095" cy="0"/>
           </a:xfrm>
           <a:prstGeom prst="straightConnector1">
             <a:avLst/>
@@ -4977,14 +6480,14 @@
       </p:cxnSp>
       <p:sp>
         <p:nvSpPr>
-          <p:cNvPr id="18" name="TextBox 17"/>
+          <p:cNvPr id="7" name="TextBox 6"/>
           <p:cNvSpPr txBox="1"/>
           <p:nvPr/>
         </p:nvSpPr>
         <p:spPr>
           <a:xfrm>
-            <a:off x="8042382" y="5748728"/>
-            <a:ext cx="1723549" cy="307777"/>
+            <a:off x="487180" y="252119"/>
+            <a:ext cx="1872629" cy="369332"/>
           </a:xfrm>
           <a:prstGeom prst="rect">
             <a:avLst/>
@@ -4998,128 +6501,17 @@
           <a:lstStyle/>
           <a:p>
             <a:r>
-              <a:rPr lang="ko-KR" altLang="en-US" sz="1400" dirty="0" smtClean="0"/>
-              <a:t>공백을 줄였습니다</a:t>
-            </a:r>
-            <a:r>
-              <a:rPr lang="en-US" altLang="ko-KR" sz="1400" dirty="0" smtClean="0"/>
-              <a:t>.</a:t>
-            </a:r>
-            <a:endParaRPr lang="ko-KR" altLang="en-US" sz="1400" dirty="0"/>
-          </a:p>
-        </p:txBody>
-      </p:sp>
-      <p:cxnSp>
-        <p:nvCxnSpPr>
-          <p:cNvPr id="19" name="직선 화살표 연결선 18"/>
-          <p:cNvCxnSpPr/>
-          <p:nvPr/>
-        </p:nvCxnSpPr>
-        <p:spPr>
-          <a:xfrm flipV="1">
-            <a:off x="1216701" y="2933075"/>
-            <a:ext cx="0" cy="2900597"/>
-          </a:xfrm>
-          <a:prstGeom prst="straightConnector1">
-            <a:avLst/>
-          </a:prstGeom>
-          <a:ln>
-            <a:tailEnd type="triangle"/>
-          </a:ln>
-        </p:spPr>
-        <p:style>
-          <a:lnRef idx="1">
-            <a:schemeClr val="accent1"/>
-          </a:lnRef>
-          <a:fillRef idx="0">
-            <a:schemeClr val="accent1"/>
-          </a:fillRef>
-          <a:effectRef idx="0">
-            <a:schemeClr val="accent1"/>
-          </a:effectRef>
-          <a:fontRef idx="minor">
-            <a:schemeClr val="tx1"/>
-          </a:fontRef>
-        </p:style>
-      </p:cxnSp>
-      <p:sp>
-        <p:nvSpPr>
-          <p:cNvPr id="21" name="TextBox 20"/>
-          <p:cNvSpPr txBox="1"/>
-          <p:nvPr/>
-        </p:nvSpPr>
-        <p:spPr>
-          <a:xfrm>
-            <a:off x="579779" y="5914098"/>
-            <a:ext cx="5917004" cy="697050"/>
-          </a:xfrm>
-          <a:prstGeom prst="rect">
-            <a:avLst/>
-          </a:prstGeom>
-          <a:noFill/>
-        </p:spPr>
-        <p:txBody>
-          <a:bodyPr wrap="none" rtlCol="0">
-            <a:spAutoFit/>
-          </a:bodyPr>
-          <a:lstStyle/>
-          <a:p>
-            <a:pPr>
-              <a:lnSpc>
-                <a:spcPct val="150000"/>
-              </a:lnSpc>
-            </a:pPr>
-            <a:r>
-              <a:rPr lang="ko-KR" altLang="en-US" sz="1400" dirty="0" smtClean="0"/>
-              <a:t>가로 크기에 따라 </a:t>
-            </a:r>
-            <a:r>
-              <a:rPr lang="ko-KR" altLang="en-US" sz="1400" dirty="0" err="1" smtClean="0"/>
-              <a:t>달라질수</a:t>
-            </a:r>
-            <a:r>
-              <a:rPr lang="ko-KR" altLang="en-US" sz="1400" dirty="0" smtClean="0"/>
-              <a:t> </a:t>
-            </a:r>
-            <a:r>
-              <a:rPr lang="ko-KR" altLang="en-US" sz="1400" dirty="0" err="1" smtClean="0"/>
-              <a:t>있는부분이라</a:t>
-            </a:r>
-            <a:r>
-              <a:rPr lang="en-US" altLang="ko-KR" sz="1400" dirty="0" smtClean="0"/>
-              <a:t>.</a:t>
-            </a:r>
-          </a:p>
-          <a:p>
-            <a:pPr>
-              <a:lnSpc>
-                <a:spcPct val="150000"/>
-              </a:lnSpc>
-            </a:pPr>
-            <a:r>
-              <a:rPr lang="ko-KR" altLang="en-US" sz="1400" dirty="0" smtClean="0"/>
-              <a:t>너무 보기가 싫으면</a:t>
-            </a:r>
-            <a:r>
-              <a:rPr lang="en-US" altLang="ko-KR" sz="1400" dirty="0" smtClean="0"/>
-              <a:t>, </a:t>
-            </a:r>
-            <a:r>
-              <a:rPr lang="ko-KR" altLang="en-US" sz="1400" dirty="0" smtClean="0"/>
-              <a:t>글자 수를 좀 줄이는 방법으로 해결할 수 있습니다</a:t>
-            </a:r>
-            <a:r>
-              <a:rPr lang="en-US" altLang="ko-KR" sz="1400" dirty="0" smtClean="0"/>
-              <a:t>.</a:t>
-            </a:r>
-            <a:endParaRPr lang="ko-KR" altLang="en-US" sz="1400" dirty="0"/>
+              <a:rPr lang="en-US" altLang="ko-KR" dirty="0"/>
+              <a:t>UI-SJN-03-001U</a:t>
+            </a:r>
+            <a:endParaRPr lang="en-US" altLang="ko-KR" dirty="0"/>
           </a:p>
         </p:txBody>
       </p:sp>
     </p:spTree>
     <p:extLst>
       <p:ext uri="{BB962C8B-B14F-4D97-AF65-F5344CB8AC3E}">
-        <p14:creationId xmlns:p14="http://schemas.microsoft.com/office/powerpoint/2010/main" val="281238954"/>
+        <p14:creationId xmlns:p14="http://schemas.microsoft.com/office/powerpoint/2010/main" val="3860036069"/>
       </p:ext>
     </p:extLst>
   </p:cSld>
@@ -5148,7 +6540,7 @@
       </p:grpSpPr>
       <p:pic>
         <p:nvPicPr>
-          <p:cNvPr id="11" name="그림 10"/>
+          <p:cNvPr id="3" name="그림 2"/>
           <p:cNvPicPr>
             <a:picLocks noChangeAspect="1"/>
           </p:cNvPicPr>
@@ -5162,109 +6554,17 @@
         </p:blipFill>
         <p:spPr>
           <a:xfrm>
-            <a:off x="487180" y="814080"/>
-            <a:ext cx="4267796" cy="3820058"/>
+            <a:off x="2504278" y="1980566"/>
+            <a:ext cx="4725059" cy="1247949"/>
           </a:xfrm>
           <a:prstGeom prst="rect">
             <a:avLst/>
           </a:prstGeom>
         </p:spPr>
       </p:pic>
-      <p:sp>
-        <p:nvSpPr>
-          <p:cNvPr id="16" name="TextBox 15"/>
-          <p:cNvSpPr txBox="1"/>
-          <p:nvPr/>
-        </p:nvSpPr>
-        <p:spPr>
-          <a:xfrm>
-            <a:off x="487180" y="252119"/>
-            <a:ext cx="1821332" cy="369332"/>
-          </a:xfrm>
-          <a:prstGeom prst="rect">
-            <a:avLst/>
-          </a:prstGeom>
-          <a:noFill/>
-        </p:spPr>
-        <p:txBody>
-          <a:bodyPr wrap="none" rtlCol="0">
-            <a:spAutoFit/>
-          </a:bodyPr>
-          <a:lstStyle/>
-          <a:p>
-            <a:r>
-              <a:rPr lang="en-US" altLang="ko-KR" dirty="0"/>
-              <a:t>UI-SJN-32-010L</a:t>
-            </a:r>
-          </a:p>
-        </p:txBody>
-      </p:sp>
-      <p:sp>
-        <p:nvSpPr>
-          <p:cNvPr id="20" name="TextBox 19"/>
-          <p:cNvSpPr txBox="1"/>
-          <p:nvPr/>
-        </p:nvSpPr>
-        <p:spPr>
-          <a:xfrm>
-            <a:off x="5182205" y="2679252"/>
-            <a:ext cx="1566454" cy="307777"/>
-          </a:xfrm>
-          <a:prstGeom prst="rect">
-            <a:avLst/>
-          </a:prstGeom>
-          <a:noFill/>
-        </p:spPr>
-        <p:txBody>
-          <a:bodyPr wrap="none" rtlCol="0">
-            <a:spAutoFit/>
-          </a:bodyPr>
-          <a:lstStyle/>
-          <a:p>
-            <a:r>
-              <a:rPr lang="ko-KR" altLang="en-US" sz="1400" dirty="0" smtClean="0"/>
-              <a:t>버튼 태그로 변경</a:t>
-            </a:r>
-            <a:endParaRPr lang="ko-KR" altLang="en-US" sz="1400" dirty="0"/>
-          </a:p>
-        </p:txBody>
-      </p:sp>
-      <p:cxnSp>
-        <p:nvCxnSpPr>
-          <p:cNvPr id="8" name="직선 화살표 연결선 7"/>
-          <p:cNvCxnSpPr/>
-          <p:nvPr/>
-        </p:nvCxnSpPr>
-        <p:spPr>
-          <a:xfrm flipH="1">
-            <a:off x="2960557" y="2833141"/>
-            <a:ext cx="2038662" cy="0"/>
-          </a:xfrm>
-          <a:prstGeom prst="straightConnector1">
-            <a:avLst/>
-          </a:prstGeom>
-          <a:ln>
-            <a:tailEnd type="triangle"/>
-          </a:ln>
-        </p:spPr>
-        <p:style>
-          <a:lnRef idx="1">
-            <a:schemeClr val="accent1"/>
-          </a:lnRef>
-          <a:fillRef idx="0">
-            <a:schemeClr val="accent1"/>
-          </a:fillRef>
-          <a:effectRef idx="0">
-            <a:schemeClr val="accent1"/>
-          </a:effectRef>
-          <a:fontRef idx="minor">
-            <a:schemeClr val="tx1"/>
-          </a:fontRef>
-        </p:style>
-      </p:cxnSp>
       <p:pic>
         <p:nvPicPr>
-          <p:cNvPr id="12" name="그림 11"/>
+          <p:cNvPr id="4" name="그림 3"/>
           <p:cNvPicPr>
             <a:picLocks noChangeAspect="1"/>
           </p:cNvPicPr>
@@ -5278,159 +6578,17 @@
         </p:blipFill>
         <p:spPr>
           <a:xfrm>
-            <a:off x="7228353" y="814080"/>
-            <a:ext cx="4115374" cy="3848637"/>
+            <a:off x="3690445" y="3969077"/>
+            <a:ext cx="2562583" cy="1648055"/>
           </a:xfrm>
           <a:prstGeom prst="rect">
             <a:avLst/>
           </a:prstGeom>
         </p:spPr>
       </p:pic>
-      <p:cxnSp>
-        <p:nvCxnSpPr>
-          <p:cNvPr id="14" name="직선 화살표 연결선 13"/>
-          <p:cNvCxnSpPr/>
-          <p:nvPr/>
-        </p:nvCxnSpPr>
-        <p:spPr>
-          <a:xfrm flipV="1">
-            <a:off x="10747948" y="2518348"/>
-            <a:ext cx="0" cy="2623278"/>
-          </a:xfrm>
-          <a:prstGeom prst="straightConnector1">
-            <a:avLst/>
-          </a:prstGeom>
-          <a:ln>
-            <a:tailEnd type="triangle"/>
-          </a:ln>
-        </p:spPr>
-        <p:style>
-          <a:lnRef idx="1">
-            <a:schemeClr val="accent1"/>
-          </a:lnRef>
-          <a:fillRef idx="0">
-            <a:schemeClr val="accent1"/>
-          </a:fillRef>
-          <a:effectRef idx="0">
-            <a:schemeClr val="accent1"/>
-          </a:effectRef>
-          <a:fontRef idx="minor">
-            <a:schemeClr val="tx1"/>
-          </a:fontRef>
-        </p:style>
-      </p:cxnSp>
-      <p:sp>
-        <p:nvSpPr>
-          <p:cNvPr id="19" name="TextBox 18"/>
-          <p:cNvSpPr txBox="1"/>
-          <p:nvPr/>
-        </p:nvSpPr>
-        <p:spPr>
-          <a:xfrm>
-            <a:off x="8152756" y="5342505"/>
-            <a:ext cx="2294218" cy="307777"/>
-          </a:xfrm>
-          <a:prstGeom prst="rect">
-            <a:avLst/>
-          </a:prstGeom>
-          <a:noFill/>
-        </p:spPr>
-        <p:txBody>
-          <a:bodyPr wrap="none" rtlCol="0">
-            <a:spAutoFit/>
-          </a:bodyPr>
-          <a:lstStyle/>
-          <a:p>
-            <a:r>
-              <a:rPr lang="en-US" altLang="ko-KR" sz="1400" dirty="0" smtClean="0"/>
-              <a:t>[</a:t>
-            </a:r>
-            <a:r>
-              <a:rPr lang="ko-KR" altLang="en-US" sz="1400" dirty="0" smtClean="0"/>
-              <a:t>공통</a:t>
-            </a:r>
-            <a:r>
-              <a:rPr lang="en-US" altLang="ko-KR" sz="1400" dirty="0" smtClean="0"/>
-              <a:t>] </a:t>
-            </a:r>
-            <a:r>
-              <a:rPr lang="ko-KR" altLang="en-US" sz="1400" dirty="0" smtClean="0"/>
-              <a:t>그림자 넣었습니다</a:t>
-            </a:r>
-            <a:r>
-              <a:rPr lang="en-US" altLang="ko-KR" sz="1400" dirty="0" smtClean="0"/>
-              <a:t>.</a:t>
-            </a:r>
-            <a:endParaRPr lang="ko-KR" altLang="en-US" sz="1400" dirty="0"/>
-          </a:p>
-        </p:txBody>
-      </p:sp>
-      <p:sp>
-        <p:nvSpPr>
-          <p:cNvPr id="10" name="TextBox 9"/>
-          <p:cNvSpPr txBox="1"/>
-          <p:nvPr/>
-        </p:nvSpPr>
-        <p:spPr>
-          <a:xfrm>
-            <a:off x="5182205" y="5265055"/>
-            <a:ext cx="1324402" cy="307777"/>
-          </a:xfrm>
-          <a:prstGeom prst="rect">
-            <a:avLst/>
-          </a:prstGeom>
-          <a:noFill/>
-        </p:spPr>
-        <p:txBody>
-          <a:bodyPr wrap="none" rtlCol="0">
-            <a:spAutoFit/>
-          </a:bodyPr>
-          <a:lstStyle/>
-          <a:p>
-            <a:r>
-              <a:rPr lang="ko-KR" altLang="en-US" sz="1400" dirty="0" smtClean="0"/>
-              <a:t>비활성화 추가</a:t>
-            </a:r>
-            <a:endParaRPr lang="ko-KR" altLang="en-US" sz="1400" dirty="0"/>
-          </a:p>
-        </p:txBody>
-      </p:sp>
-      <p:cxnSp>
-        <p:nvCxnSpPr>
-          <p:cNvPr id="6" name="직선 화살표 연결선 5"/>
-          <p:cNvCxnSpPr/>
-          <p:nvPr/>
-        </p:nvCxnSpPr>
-        <p:spPr>
-          <a:xfrm flipH="1">
-            <a:off x="4219731" y="5442611"/>
-            <a:ext cx="779488" cy="0"/>
-          </a:xfrm>
-          <a:prstGeom prst="straightConnector1">
-            <a:avLst/>
-          </a:prstGeom>
-          <a:ln>
-            <a:tailEnd type="triangle"/>
-          </a:ln>
-        </p:spPr>
-        <p:style>
-          <a:lnRef idx="1">
-            <a:schemeClr val="accent1"/>
-          </a:lnRef>
-          <a:fillRef idx="0">
-            <a:schemeClr val="accent1"/>
-          </a:fillRef>
-          <a:effectRef idx="0">
-            <a:schemeClr val="accent1"/>
-          </a:effectRef>
-          <a:fontRef idx="minor">
-            <a:schemeClr val="tx1"/>
-          </a:fontRef>
-        </p:style>
-      </p:cxnSp>
       <p:pic>
         <p:nvPicPr>
-          <p:cNvPr id="3" name="그림 2"/>
+          <p:cNvPr id="6" name="그림 5"/>
           <p:cNvPicPr>
             <a:picLocks noChangeAspect="1"/>
           </p:cNvPicPr>
@@ -5444,8 +6602,8 @@
         </p:blipFill>
         <p:spPr>
           <a:xfrm>
-            <a:off x="1397846" y="5141626"/>
-            <a:ext cx="2362530" cy="504895"/>
+            <a:off x="5941342" y="4126261"/>
+            <a:ext cx="1028844" cy="1333686"/>
           </a:xfrm>
           <a:prstGeom prst="rect">
             <a:avLst/>
@@ -5455,7 +6613,7 @@
     </p:spTree>
     <p:extLst>
       <p:ext uri="{BB962C8B-B14F-4D97-AF65-F5344CB8AC3E}">
-        <p14:creationId xmlns:p14="http://schemas.microsoft.com/office/powerpoint/2010/main" val="3360706840"/>
+        <p14:creationId xmlns:p14="http://schemas.microsoft.com/office/powerpoint/2010/main" val="2634549699"/>
       </p:ext>
     </p:extLst>
   </p:cSld>

--- a/ppt/04-02.pptx
+++ b/ppt/04-02.pptx
@@ -14,15 +14,18 @@
     <p:sldId id="273" r:id="rId8"/>
     <p:sldId id="271" r:id="rId9"/>
     <p:sldId id="272" r:id="rId10"/>
-    <p:sldId id="268" r:id="rId11"/>
-    <p:sldId id="259" r:id="rId12"/>
-    <p:sldId id="260" r:id="rId13"/>
-    <p:sldId id="261" r:id="rId14"/>
-    <p:sldId id="262" r:id="rId15"/>
-    <p:sldId id="263" r:id="rId16"/>
-    <p:sldId id="267" r:id="rId17"/>
-    <p:sldId id="264" r:id="rId18"/>
-    <p:sldId id="266" r:id="rId19"/>
+    <p:sldId id="276" r:id="rId11"/>
+    <p:sldId id="279" r:id="rId12"/>
+    <p:sldId id="277" r:id="rId13"/>
+    <p:sldId id="268" r:id="rId14"/>
+    <p:sldId id="259" r:id="rId15"/>
+    <p:sldId id="260" r:id="rId16"/>
+    <p:sldId id="261" r:id="rId17"/>
+    <p:sldId id="262" r:id="rId18"/>
+    <p:sldId id="263" r:id="rId19"/>
+    <p:sldId id="267" r:id="rId20"/>
+    <p:sldId id="264" r:id="rId21"/>
+    <p:sldId id="266" r:id="rId22"/>
   </p:sldIdLst>
   <p:sldSz cx="12192000" cy="6858000"/>
   <p:notesSz cx="6858000" cy="9144000"/>
@@ -3387,16 +3390,184 @@
           <a:chExt cx="0" cy="0"/>
         </a:xfrm>
       </p:grpSpPr>
-      <p:sp>
-        <p:nvSpPr>
-          <p:cNvPr id="3" name="직사각형 2"/>
+      <p:pic>
+        <p:nvPicPr>
+          <p:cNvPr id="5" name="그림 4"/>
+          <p:cNvPicPr>
+            <a:picLocks noChangeAspect="1"/>
+          </p:cNvPicPr>
+          <p:nvPr/>
+        </p:nvPicPr>
+        <p:blipFill>
+          <a:blip r:embed="rId2"/>
+          <a:stretch>
+            <a:fillRect/>
+          </a:stretch>
+        </p:blipFill>
+        <p:spPr>
+          <a:xfrm>
+            <a:off x="401541" y="816997"/>
+            <a:ext cx="5645931" cy="5276505"/>
+          </a:xfrm>
+          <a:prstGeom prst="rect">
+            <a:avLst/>
+          </a:prstGeom>
+        </p:spPr>
+      </p:pic>
+      <p:sp>
+        <p:nvSpPr>
+          <p:cNvPr id="7" name="TextBox 6"/>
+          <p:cNvSpPr txBox="1"/>
+          <p:nvPr/>
+        </p:nvSpPr>
+        <p:spPr>
+          <a:xfrm>
+            <a:off x="487180" y="252119"/>
+            <a:ext cx="1872629" cy="369332"/>
+          </a:xfrm>
+          <a:prstGeom prst="rect">
+            <a:avLst/>
+          </a:prstGeom>
+          <a:noFill/>
+        </p:spPr>
+        <p:txBody>
+          <a:bodyPr wrap="none" rtlCol="0">
+            <a:spAutoFit/>
+          </a:bodyPr>
+          <a:lstStyle/>
+          <a:p>
+            <a:r>
+              <a:rPr lang="en-US" altLang="ko-KR" dirty="0"/>
+              <a:t>UI-SJN-07-001P</a:t>
+            </a:r>
+            <a:endParaRPr lang="en-US" altLang="ko-KR" dirty="0"/>
+          </a:p>
+        </p:txBody>
+      </p:sp>
+      <p:pic>
+        <p:nvPicPr>
+          <p:cNvPr id="8" name="그림 7"/>
+          <p:cNvPicPr>
+            <a:picLocks noChangeAspect="1"/>
+          </p:cNvPicPr>
+          <p:nvPr/>
+        </p:nvPicPr>
+        <p:blipFill>
+          <a:blip r:embed="rId3"/>
+          <a:stretch>
+            <a:fillRect/>
+          </a:stretch>
+        </p:blipFill>
+        <p:spPr>
+          <a:xfrm>
+            <a:off x="7907730" y="252119"/>
+            <a:ext cx="3317538" cy="4711207"/>
+          </a:xfrm>
+          <a:prstGeom prst="rect">
+            <a:avLst/>
+          </a:prstGeom>
+        </p:spPr>
+      </p:pic>
+      <p:cxnSp>
+        <p:nvCxnSpPr>
+          <p:cNvPr id="10" name="직선 화살표 연결선 9"/>
+          <p:cNvCxnSpPr/>
+          <p:nvPr/>
+        </p:nvCxnSpPr>
+        <p:spPr>
+          <a:xfrm>
+            <a:off x="6325849" y="3095469"/>
+            <a:ext cx="1364105" cy="0"/>
+          </a:xfrm>
+          <a:prstGeom prst="straightConnector1">
+            <a:avLst/>
+          </a:prstGeom>
+          <a:ln>
+            <a:tailEnd type="triangle"/>
+          </a:ln>
+        </p:spPr>
+        <p:style>
+          <a:lnRef idx="1">
+            <a:schemeClr val="accent1"/>
+          </a:lnRef>
+          <a:fillRef idx="0">
+            <a:schemeClr val="accent1"/>
+          </a:fillRef>
+          <a:effectRef idx="0">
+            <a:schemeClr val="accent1"/>
+          </a:effectRef>
+          <a:fontRef idx="minor">
+            <a:schemeClr val="tx1"/>
+          </a:fontRef>
+        </p:style>
+      </p:cxnSp>
+      <p:pic>
+        <p:nvPicPr>
+          <p:cNvPr id="11" name="그림 10"/>
+          <p:cNvPicPr>
+            <a:picLocks noChangeAspect="1"/>
+          </p:cNvPicPr>
+          <p:nvPr/>
+        </p:nvPicPr>
+        <p:blipFill>
+          <a:blip r:embed="rId4"/>
+          <a:stretch>
+            <a:fillRect/>
+          </a:stretch>
+        </p:blipFill>
+        <p:spPr>
+          <a:xfrm>
+            <a:off x="6152117" y="4759377"/>
+            <a:ext cx="1590302" cy="1973250"/>
+          </a:xfrm>
+          <a:prstGeom prst="rect">
+            <a:avLst/>
+          </a:prstGeom>
+        </p:spPr>
+      </p:pic>
+      <p:cxnSp>
+        <p:nvCxnSpPr>
+          <p:cNvPr id="14" name="직선 화살표 연결선 13"/>
+          <p:cNvCxnSpPr/>
+          <p:nvPr/>
+        </p:nvCxnSpPr>
+        <p:spPr>
+          <a:xfrm>
+            <a:off x="2795666" y="5741233"/>
+            <a:ext cx="3251806" cy="0"/>
+          </a:xfrm>
+          <a:prstGeom prst="straightConnector1">
+            <a:avLst/>
+          </a:prstGeom>
+          <a:ln>
+            <a:tailEnd type="triangle"/>
+          </a:ln>
+        </p:spPr>
+        <p:style>
+          <a:lnRef idx="1">
+            <a:schemeClr val="accent1"/>
+          </a:lnRef>
+          <a:fillRef idx="0">
+            <a:schemeClr val="accent1"/>
+          </a:fillRef>
+          <a:effectRef idx="0">
+            <a:schemeClr val="accent1"/>
+          </a:effectRef>
+          <a:fontRef idx="minor">
+            <a:schemeClr val="tx1"/>
+          </a:fontRef>
+        </p:style>
+      </p:cxnSp>
+      <p:sp>
+        <p:nvSpPr>
+          <p:cNvPr id="15" name="직사각형 14"/>
           <p:cNvSpPr/>
           <p:nvPr/>
         </p:nvSpPr>
         <p:spPr>
           <a:xfrm>
-            <a:off x="0" y="0"/>
-            <a:ext cx="12192000" cy="6858000"/>
+            <a:off x="0" y="6453266"/>
+            <a:ext cx="12192000" cy="404734"/>
           </a:xfrm>
           <a:prstGeom prst="rect">
             <a:avLst/>
@@ -3424,21 +3595,17 @@
           <a:p>
             <a:pPr algn="ctr"/>
             <a:r>
-              <a:rPr lang="ko-KR" altLang="en-US" sz="10000" dirty="0" err="1" smtClean="0"/>
-              <a:t>정차장님</a:t>
-            </a:r>
-            <a:r>
-              <a:rPr lang="ko-KR" altLang="en-US" sz="10000" dirty="0" smtClean="0"/>
-              <a:t> 요청사항</a:t>
-            </a:r>
-            <a:endParaRPr lang="ko-KR" altLang="en-US" sz="10000" dirty="0"/>
+              <a:rPr lang="ko-KR" altLang="en-US" dirty="0" smtClean="0"/>
+              <a:t>아래에서 계속</a:t>
+            </a:r>
+            <a:endParaRPr lang="ko-KR" altLang="en-US" dirty="0"/>
           </a:p>
         </p:txBody>
       </p:sp>
     </p:spTree>
     <p:extLst>
       <p:ext uri="{BB962C8B-B14F-4D97-AF65-F5344CB8AC3E}">
-        <p14:creationId xmlns:p14="http://schemas.microsoft.com/office/powerpoint/2010/main" val="506022180"/>
+        <p14:creationId xmlns:p14="http://schemas.microsoft.com/office/powerpoint/2010/main" val="3439001763"/>
       </p:ext>
     </p:extLst>
   </p:cSld>
@@ -3467,7 +3634,7 @@
       </p:grpSpPr>
       <p:pic>
         <p:nvPicPr>
-          <p:cNvPr id="14" name="그림 13"/>
+          <p:cNvPr id="2" name="그림 1"/>
           <p:cNvPicPr>
             <a:picLocks noChangeAspect="1"/>
           </p:cNvPicPr>
@@ -3481,56 +3648,119 @@
         </p:blipFill>
         <p:spPr>
           <a:xfrm>
-            <a:off x="727383" y="621451"/>
-            <a:ext cx="3754676" cy="2748568"/>
+            <a:off x="559143" y="1011836"/>
+            <a:ext cx="5315751" cy="4853512"/>
           </a:xfrm>
           <a:prstGeom prst="rect">
             <a:avLst/>
           </a:prstGeom>
         </p:spPr>
       </p:pic>
-      <p:sp>
-        <p:nvSpPr>
-          <p:cNvPr id="17" name="TextBox 16"/>
-          <p:cNvSpPr txBox="1"/>
-          <p:nvPr/>
-        </p:nvSpPr>
-        <p:spPr>
-          <a:xfrm>
-            <a:off x="612052" y="3932806"/>
-            <a:ext cx="1606530" cy="307777"/>
-          </a:xfrm>
-          <a:prstGeom prst="rect">
-            <a:avLst/>
-          </a:prstGeom>
-          <a:noFill/>
-        </p:spPr>
-        <p:txBody>
-          <a:bodyPr wrap="none" rtlCol="0">
-            <a:spAutoFit/>
-          </a:bodyPr>
-          <a:lstStyle/>
-          <a:p>
-            <a:r>
-              <a:rPr lang="en-US" altLang="ko-KR" sz="1400" dirty="0" smtClean="0"/>
-              <a:t>css </a:t>
-            </a:r>
-            <a:r>
-              <a:rPr lang="ko-KR" altLang="en-US" sz="1400" dirty="0" smtClean="0"/>
-              <a:t>제거했습니다</a:t>
-            </a:r>
-            <a:r>
-              <a:rPr lang="en-US" altLang="ko-KR" sz="1400" dirty="0" smtClean="0"/>
-              <a:t>.</a:t>
-            </a:r>
-            <a:endParaRPr lang="ko-KR" altLang="en-US" sz="1400" dirty="0"/>
+      <p:pic>
+        <p:nvPicPr>
+          <p:cNvPr id="4" name="그림 3"/>
+          <p:cNvPicPr>
+            <a:picLocks noChangeAspect="1"/>
+          </p:cNvPicPr>
+          <p:nvPr/>
+        </p:nvPicPr>
+        <p:blipFill>
+          <a:blip r:embed="rId3"/>
+          <a:stretch>
+            <a:fillRect/>
+          </a:stretch>
+        </p:blipFill>
+        <p:spPr>
+          <a:xfrm>
+            <a:off x="7642677" y="1212064"/>
+            <a:ext cx="3415371" cy="4453055"/>
+          </a:xfrm>
+          <a:prstGeom prst="rect">
+            <a:avLst/>
+          </a:prstGeom>
+        </p:spPr>
+      </p:pic>
+      <p:cxnSp>
+        <p:nvCxnSpPr>
+          <p:cNvPr id="7" name="직선 화살표 연결선 6"/>
+          <p:cNvCxnSpPr/>
+          <p:nvPr/>
+        </p:nvCxnSpPr>
+        <p:spPr>
+          <a:xfrm>
+            <a:off x="4452079" y="3657600"/>
+            <a:ext cx="2450891" cy="0"/>
+          </a:xfrm>
+          <a:prstGeom prst="straightConnector1">
+            <a:avLst/>
+          </a:prstGeom>
+          <a:ln>
+            <a:tailEnd type="triangle"/>
+          </a:ln>
+        </p:spPr>
+        <p:style>
+          <a:lnRef idx="1">
+            <a:schemeClr val="accent1"/>
+          </a:lnRef>
+          <a:fillRef idx="0">
+            <a:schemeClr val="accent1"/>
+          </a:fillRef>
+          <a:effectRef idx="0">
+            <a:schemeClr val="accent1"/>
+          </a:effectRef>
+          <a:fontRef idx="minor">
+            <a:schemeClr val="tx1"/>
+          </a:fontRef>
+        </p:style>
+      </p:cxnSp>
+      <p:sp>
+        <p:nvSpPr>
+          <p:cNvPr id="8" name="직사각형 7"/>
+          <p:cNvSpPr/>
+          <p:nvPr/>
+        </p:nvSpPr>
+        <p:spPr>
+          <a:xfrm>
+            <a:off x="0" y="6453266"/>
+            <a:ext cx="12192000" cy="404734"/>
+          </a:xfrm>
+          <a:prstGeom prst="rect">
+            <a:avLst/>
+          </a:prstGeom>
+        </p:spPr>
+        <p:style>
+          <a:lnRef idx="2">
+            <a:schemeClr val="accent1">
+              <a:shade val="50000"/>
+            </a:schemeClr>
+          </a:lnRef>
+          <a:fillRef idx="1">
+            <a:schemeClr val="accent1"/>
+          </a:fillRef>
+          <a:effectRef idx="0">
+            <a:schemeClr val="accent1"/>
+          </a:effectRef>
+          <a:fontRef idx="minor">
+            <a:schemeClr val="lt1"/>
+          </a:fontRef>
+        </p:style>
+        <p:txBody>
+          <a:bodyPr rtlCol="0" anchor="ctr"/>
+          <a:lstStyle/>
+          <a:p>
+            <a:pPr algn="ctr"/>
+            <a:r>
+              <a:rPr lang="ko-KR" altLang="en-US" dirty="0" smtClean="0"/>
+              <a:t>아래에서 계속</a:t>
+            </a:r>
+            <a:endParaRPr lang="ko-KR" altLang="en-US" dirty="0"/>
           </a:p>
         </p:txBody>
       </p:sp>
     </p:spTree>
     <p:extLst>
       <p:ext uri="{BB962C8B-B14F-4D97-AF65-F5344CB8AC3E}">
-        <p14:creationId xmlns:p14="http://schemas.microsoft.com/office/powerpoint/2010/main" val="2558635409"/>
+        <p14:creationId xmlns:p14="http://schemas.microsoft.com/office/powerpoint/2010/main" val="1569331401"/>
       </p:ext>
     </p:extLst>
   </p:cSld>
@@ -3557,35 +3787,6 @@
           <a:chExt cx="0" cy="0"/>
         </a:xfrm>
       </p:grpSpPr>
-      <p:sp>
-        <p:nvSpPr>
-          <p:cNvPr id="16" name="TextBox 15"/>
-          <p:cNvSpPr txBox="1"/>
-          <p:nvPr/>
-        </p:nvSpPr>
-        <p:spPr>
-          <a:xfrm>
-            <a:off x="487180" y="252119"/>
-            <a:ext cx="1872629" cy="369332"/>
-          </a:xfrm>
-          <a:prstGeom prst="rect">
-            <a:avLst/>
-          </a:prstGeom>
-          <a:noFill/>
-        </p:spPr>
-        <p:txBody>
-          <a:bodyPr wrap="none" rtlCol="0">
-            <a:spAutoFit/>
-          </a:bodyPr>
-          <a:lstStyle/>
-          <a:p>
-            <a:r>
-              <a:rPr lang="en-US" altLang="ko-KR" dirty="0"/>
-              <a:t>UI-SJN-20-001U</a:t>
-            </a:r>
-          </a:p>
-        </p:txBody>
-      </p:sp>
       <p:pic>
         <p:nvPicPr>
           <p:cNvPr id="2" name="그림 1"/>
@@ -3602,8 +3803,8 @@
         </p:blipFill>
         <p:spPr>
           <a:xfrm>
-            <a:off x="487180" y="1036971"/>
-            <a:ext cx="4172532" cy="3419952"/>
+            <a:off x="8566879" y="1397224"/>
+            <a:ext cx="3007510" cy="2486107"/>
           </a:xfrm>
           <a:prstGeom prst="rect">
             <a:avLst/>
@@ -3626,8 +3827,8 @@
         </p:blipFill>
         <p:spPr>
           <a:xfrm>
-            <a:off x="5566863" y="1036971"/>
-            <a:ext cx="428685" cy="419158"/>
+            <a:off x="284813" y="803509"/>
+            <a:ext cx="7215360" cy="4547980"/>
           </a:xfrm>
           <a:prstGeom prst="rect">
             <a:avLst/>
@@ -3642,8 +3843,8 @@
         </p:nvCxnSpPr>
         <p:spPr>
           <a:xfrm>
-            <a:off x="4811843" y="1334125"/>
-            <a:ext cx="472190" cy="0"/>
+            <a:off x="7615003" y="2640277"/>
+            <a:ext cx="644577" cy="0"/>
           </a:xfrm>
           <a:prstGeom prst="straightConnector1">
             <a:avLst/>
@@ -3667,44 +3868,6 @@
           </a:fontRef>
         </p:style>
       </p:cxnSp>
-      <p:sp>
-        <p:nvSpPr>
-          <p:cNvPr id="10" name="TextBox 9"/>
-          <p:cNvSpPr txBox="1"/>
-          <p:nvPr/>
-        </p:nvSpPr>
-        <p:spPr>
-          <a:xfrm>
-            <a:off x="5423895" y="1721757"/>
-            <a:ext cx="1855444" cy="307777"/>
-          </a:xfrm>
-          <a:prstGeom prst="rect">
-            <a:avLst/>
-          </a:prstGeom>
-          <a:noFill/>
-        </p:spPr>
-        <p:txBody>
-          <a:bodyPr wrap="none" rtlCol="0">
-            <a:spAutoFit/>
-          </a:bodyPr>
-          <a:lstStyle/>
-          <a:p>
-            <a:r>
-              <a:rPr lang="en-US" altLang="ko-KR" sz="1400" dirty="0" smtClean="0"/>
-              <a:t>active </a:t>
-            </a:r>
-            <a:r>
-              <a:rPr lang="ko-KR" altLang="en-US" sz="1400" dirty="0" err="1" smtClean="0"/>
-              <a:t>클래스명</a:t>
-            </a:r>
-            <a:r>
-              <a:rPr lang="ko-KR" altLang="en-US" sz="1400" dirty="0" smtClean="0"/>
-              <a:t> 추가</a:t>
-            </a:r>
-            <a:endParaRPr lang="ko-KR" altLang="en-US" sz="1400" dirty="0"/>
-          </a:p>
-        </p:txBody>
-      </p:sp>
       <p:pic>
         <p:nvPicPr>
           <p:cNvPr id="6" name="그림 5"/>
@@ -3721,56 +3884,51 @@
         </p:blipFill>
         <p:spPr>
           <a:xfrm>
-            <a:off x="7656612" y="877274"/>
-            <a:ext cx="3429479" cy="5058481"/>
+            <a:off x="7054792" y="3708966"/>
+            <a:ext cx="1358437" cy="2876405"/>
           </a:xfrm>
           <a:prstGeom prst="rect">
             <a:avLst/>
           </a:prstGeom>
         </p:spPr>
       </p:pic>
-      <p:sp>
-        <p:nvSpPr>
-          <p:cNvPr id="7" name="TextBox 6"/>
-          <p:cNvSpPr txBox="1"/>
-          <p:nvPr/>
-        </p:nvSpPr>
-        <p:spPr>
-          <a:xfrm>
-            <a:off x="8117173" y="6130977"/>
-            <a:ext cx="2239716" cy="307777"/>
-          </a:xfrm>
-          <a:prstGeom prst="rect">
-            <a:avLst/>
-          </a:prstGeom>
-          <a:noFill/>
-        </p:spPr>
-        <p:txBody>
-          <a:bodyPr wrap="none" rtlCol="0">
-            <a:spAutoFit/>
-          </a:bodyPr>
-          <a:lstStyle/>
-          <a:p>
-            <a:r>
-              <a:rPr lang="ko-KR" altLang="en-US" sz="1400" dirty="0" err="1" smtClean="0"/>
-              <a:t>배경이미지</a:t>
-            </a:r>
-            <a:r>
-              <a:rPr lang="ko-KR" altLang="en-US" sz="1400" dirty="0" smtClean="0"/>
-              <a:t> 크기 </a:t>
-            </a:r>
-            <a:r>
-              <a:rPr lang="en-US" altLang="ko-KR" sz="1400" dirty="0" smtClean="0"/>
-              <a:t>318*226</a:t>
-            </a:r>
-            <a:endParaRPr lang="ko-KR" altLang="en-US" sz="1400" dirty="0"/>
-          </a:p>
-        </p:txBody>
-      </p:sp>
+      <p:cxnSp>
+        <p:nvCxnSpPr>
+          <p:cNvPr id="8" name="직선 화살표 연결선 7"/>
+          <p:cNvCxnSpPr/>
+          <p:nvPr/>
+        </p:nvCxnSpPr>
+        <p:spPr>
+          <a:xfrm>
+            <a:off x="4991725" y="5089161"/>
+            <a:ext cx="1798819" cy="0"/>
+          </a:xfrm>
+          <a:prstGeom prst="straightConnector1">
+            <a:avLst/>
+          </a:prstGeom>
+          <a:ln>
+            <a:tailEnd type="triangle"/>
+          </a:ln>
+        </p:spPr>
+        <p:style>
+          <a:lnRef idx="1">
+            <a:schemeClr val="accent1"/>
+          </a:lnRef>
+          <a:fillRef idx="0">
+            <a:schemeClr val="accent1"/>
+          </a:fillRef>
+          <a:effectRef idx="0">
+            <a:schemeClr val="accent1"/>
+          </a:effectRef>
+          <a:fontRef idx="minor">
+            <a:schemeClr val="tx1"/>
+          </a:fontRef>
+        </p:style>
+      </p:cxnSp>
     </p:spTree>
     <p:extLst>
       <p:ext uri="{BB962C8B-B14F-4D97-AF65-F5344CB8AC3E}">
-        <p14:creationId xmlns:p14="http://schemas.microsoft.com/office/powerpoint/2010/main" val="726478288"/>
+        <p14:creationId xmlns:p14="http://schemas.microsoft.com/office/powerpoint/2010/main" val="416074216"/>
       </p:ext>
     </p:extLst>
   </p:cSld>
@@ -3799,299 +3957,14 @@
       </p:grpSpPr>
       <p:sp>
         <p:nvSpPr>
-          <p:cNvPr id="16" name="TextBox 15"/>
-          <p:cNvSpPr txBox="1"/>
-          <p:nvPr/>
-        </p:nvSpPr>
-        <p:spPr>
-          <a:xfrm>
-            <a:off x="487180" y="252119"/>
-            <a:ext cx="1872629" cy="369332"/>
-          </a:xfrm>
-          <a:prstGeom prst="rect">
-            <a:avLst/>
-          </a:prstGeom>
-          <a:noFill/>
-        </p:spPr>
-        <p:txBody>
-          <a:bodyPr wrap="none" rtlCol="0">
-            <a:spAutoFit/>
-          </a:bodyPr>
-          <a:lstStyle/>
-          <a:p>
-            <a:r>
-              <a:rPr lang="en-US" altLang="ko-KR" dirty="0"/>
-              <a:t>UI-SJN-42-003L</a:t>
-            </a:r>
-          </a:p>
-        </p:txBody>
-      </p:sp>
-      <p:pic>
-        <p:nvPicPr>
-          <p:cNvPr id="4" name="그림 3"/>
-          <p:cNvPicPr>
-            <a:picLocks noChangeAspect="1"/>
-          </p:cNvPicPr>
-          <p:nvPr/>
-        </p:nvPicPr>
-        <p:blipFill>
-          <a:blip r:embed="rId2"/>
-          <a:stretch>
-            <a:fillRect/>
-          </a:stretch>
-        </p:blipFill>
-        <p:spPr>
-          <a:xfrm>
-            <a:off x="487180" y="949196"/>
-            <a:ext cx="4324954" cy="2591162"/>
-          </a:xfrm>
-          <a:prstGeom prst="rect">
-            <a:avLst/>
-          </a:prstGeom>
-        </p:spPr>
-      </p:pic>
-      <p:pic>
-        <p:nvPicPr>
-          <p:cNvPr id="8" name="그림 7"/>
-          <p:cNvPicPr>
-            <a:picLocks noChangeAspect="1"/>
-          </p:cNvPicPr>
-          <p:nvPr/>
-        </p:nvPicPr>
-        <p:blipFill>
-          <a:blip r:embed="rId3"/>
-          <a:stretch>
-            <a:fillRect/>
-          </a:stretch>
-        </p:blipFill>
-        <p:spPr>
-          <a:xfrm>
-            <a:off x="6014424" y="1034933"/>
-            <a:ext cx="4315427" cy="2419688"/>
-          </a:xfrm>
-          <a:prstGeom prst="rect">
-            <a:avLst/>
-          </a:prstGeom>
-        </p:spPr>
-      </p:pic>
-      <p:cxnSp>
-        <p:nvCxnSpPr>
-          <p:cNvPr id="11" name="직선 화살표 연결선 10"/>
-          <p:cNvCxnSpPr/>
-          <p:nvPr/>
-        </p:nvCxnSpPr>
-        <p:spPr>
-          <a:xfrm>
-            <a:off x="5096656" y="2244777"/>
-            <a:ext cx="674557" cy="0"/>
-          </a:xfrm>
-          <a:prstGeom prst="straightConnector1">
-            <a:avLst/>
-          </a:prstGeom>
-          <a:ln>
-            <a:tailEnd type="triangle"/>
-          </a:ln>
-        </p:spPr>
-        <p:style>
-          <a:lnRef idx="1">
-            <a:schemeClr val="accent1"/>
-          </a:lnRef>
-          <a:fillRef idx="0">
-            <a:schemeClr val="accent1"/>
-          </a:fillRef>
-          <a:effectRef idx="0">
-            <a:schemeClr val="accent1"/>
-          </a:effectRef>
-          <a:fontRef idx="minor">
-            <a:schemeClr val="tx1"/>
-          </a:fontRef>
-        </p:style>
-      </p:cxnSp>
-      <p:sp>
-        <p:nvSpPr>
-          <p:cNvPr id="12" name="TextBox 11"/>
-          <p:cNvSpPr txBox="1"/>
-          <p:nvPr/>
-        </p:nvSpPr>
-        <p:spPr>
-          <a:xfrm>
-            <a:off x="9100144" y="5360502"/>
-            <a:ext cx="1324402" cy="307777"/>
-          </a:xfrm>
-          <a:prstGeom prst="rect">
-            <a:avLst/>
-          </a:prstGeom>
-          <a:noFill/>
-        </p:spPr>
-        <p:txBody>
-          <a:bodyPr wrap="none" rtlCol="0">
-            <a:spAutoFit/>
-          </a:bodyPr>
-          <a:lstStyle/>
-          <a:p>
-            <a:r>
-              <a:rPr lang="ko-KR" altLang="en-US" sz="1400" dirty="0" err="1" smtClean="0"/>
-              <a:t>클래스명</a:t>
-            </a:r>
-            <a:r>
-              <a:rPr lang="ko-KR" altLang="en-US" sz="1400" dirty="0" smtClean="0"/>
-              <a:t> 변경</a:t>
-            </a:r>
-            <a:endParaRPr lang="ko-KR" altLang="en-US" sz="1400" dirty="0"/>
-          </a:p>
-        </p:txBody>
-      </p:sp>
-      <p:pic>
-        <p:nvPicPr>
-          <p:cNvPr id="14" name="그림 13"/>
-          <p:cNvPicPr>
-            <a:picLocks noChangeAspect="1"/>
-          </p:cNvPicPr>
-          <p:nvPr/>
-        </p:nvPicPr>
-        <p:blipFill>
-          <a:blip r:embed="rId4"/>
-          <a:stretch>
-            <a:fillRect/>
-          </a:stretch>
-        </p:blipFill>
-        <p:spPr>
-          <a:xfrm>
-            <a:off x="1015410" y="3903443"/>
-            <a:ext cx="3610479" cy="733527"/>
-          </a:xfrm>
-          <a:prstGeom prst="rect">
-            <a:avLst/>
-          </a:prstGeom>
-        </p:spPr>
-      </p:pic>
-      <p:pic>
-        <p:nvPicPr>
-          <p:cNvPr id="15" name="그림 14"/>
-          <p:cNvPicPr>
-            <a:picLocks noChangeAspect="1"/>
-          </p:cNvPicPr>
-          <p:nvPr/>
-        </p:nvPicPr>
-        <p:blipFill>
-          <a:blip r:embed="rId5"/>
-          <a:stretch>
-            <a:fillRect/>
-          </a:stretch>
-        </p:blipFill>
-        <p:spPr>
-          <a:xfrm>
-            <a:off x="6549511" y="3863953"/>
-            <a:ext cx="3620005" cy="743054"/>
-          </a:xfrm>
-          <a:prstGeom prst="rect">
-            <a:avLst/>
-          </a:prstGeom>
-        </p:spPr>
-      </p:pic>
-      <p:cxnSp>
-        <p:nvCxnSpPr>
-          <p:cNvPr id="18" name="직선 연결선 17"/>
-          <p:cNvCxnSpPr/>
-          <p:nvPr/>
-        </p:nvCxnSpPr>
-        <p:spPr>
-          <a:xfrm>
-            <a:off x="9556230" y="4085297"/>
-            <a:ext cx="412230" cy="0"/>
-          </a:xfrm>
-          <a:prstGeom prst="line">
-            <a:avLst/>
-          </a:prstGeom>
-        </p:spPr>
-        <p:style>
-          <a:lnRef idx="3">
-            <a:schemeClr val="accent2"/>
-          </a:lnRef>
-          <a:fillRef idx="0">
-            <a:schemeClr val="accent2"/>
-          </a:fillRef>
-          <a:effectRef idx="2">
-            <a:schemeClr val="accent2"/>
-          </a:effectRef>
-          <a:fontRef idx="minor">
-            <a:schemeClr val="tx1"/>
-          </a:fontRef>
-        </p:style>
-      </p:cxnSp>
-      <p:sp>
-        <p:nvSpPr>
-          <p:cNvPr id="19" name="TextBox 18"/>
-          <p:cNvSpPr txBox="1"/>
-          <p:nvPr/>
-        </p:nvSpPr>
-        <p:spPr>
-          <a:xfrm>
-            <a:off x="5136630" y="3862465"/>
-            <a:ext cx="902811" cy="307777"/>
-          </a:xfrm>
-          <a:prstGeom prst="rect">
-            <a:avLst/>
-          </a:prstGeom>
-          <a:noFill/>
-        </p:spPr>
-        <p:txBody>
-          <a:bodyPr wrap="none" rtlCol="0">
-            <a:spAutoFit/>
-          </a:bodyPr>
-          <a:lstStyle/>
-          <a:p>
-            <a:r>
-              <a:rPr lang="ko-KR" altLang="en-US" sz="1400" dirty="0" err="1" smtClean="0"/>
-              <a:t>색상변경</a:t>
-            </a:r>
-            <a:endParaRPr lang="ko-KR" altLang="en-US" sz="1400" dirty="0"/>
-          </a:p>
-        </p:txBody>
-      </p:sp>
-      <p:cxnSp>
-        <p:nvCxnSpPr>
-          <p:cNvPr id="21" name="직선 화살표 연결선 20"/>
-          <p:cNvCxnSpPr/>
-          <p:nvPr/>
-        </p:nvCxnSpPr>
-        <p:spPr>
-          <a:xfrm flipV="1">
-            <a:off x="9848538" y="4235480"/>
-            <a:ext cx="0" cy="981097"/>
-          </a:xfrm>
-          <a:prstGeom prst="straightConnector1">
-            <a:avLst/>
-          </a:prstGeom>
-          <a:ln>
-            <a:tailEnd type="triangle"/>
-          </a:ln>
-        </p:spPr>
-        <p:style>
-          <a:lnRef idx="1">
-            <a:schemeClr val="accent1"/>
-          </a:lnRef>
-          <a:fillRef idx="0">
-            <a:schemeClr val="accent1"/>
-          </a:fillRef>
-          <a:effectRef idx="0">
-            <a:schemeClr val="accent1"/>
-          </a:effectRef>
-          <a:fontRef idx="minor">
-            <a:schemeClr val="tx1"/>
-          </a:fontRef>
-        </p:style>
-      </p:cxnSp>
-      <p:sp>
-        <p:nvSpPr>
-          <p:cNvPr id="22" name="직사각형 21"/>
+          <p:cNvPr id="3" name="직사각형 2"/>
           <p:cNvSpPr/>
           <p:nvPr/>
         </p:nvSpPr>
         <p:spPr>
           <a:xfrm>
-            <a:off x="0" y="6453266"/>
-            <a:ext cx="12192000" cy="404734"/>
+            <a:off x="0" y="0"/>
+            <a:ext cx="12192000" cy="6858000"/>
           </a:xfrm>
           <a:prstGeom prst="rect">
             <a:avLst/>
@@ -4119,17 +3992,21 @@
           <a:p>
             <a:pPr algn="ctr"/>
             <a:r>
-              <a:rPr lang="ko-KR" altLang="en-US" dirty="0" smtClean="0"/>
-              <a:t>아래에서 계속</a:t>
-            </a:r>
-            <a:endParaRPr lang="ko-KR" altLang="en-US" dirty="0"/>
+              <a:rPr lang="ko-KR" altLang="en-US" sz="10000" dirty="0" err="1" smtClean="0"/>
+              <a:t>정차장님</a:t>
+            </a:r>
+            <a:r>
+              <a:rPr lang="ko-KR" altLang="en-US" sz="10000" dirty="0" smtClean="0"/>
+              <a:t> 요청사항</a:t>
+            </a:r>
+            <a:endParaRPr lang="ko-KR" altLang="en-US" sz="10000" dirty="0"/>
           </a:p>
         </p:txBody>
       </p:sp>
     </p:spTree>
     <p:extLst>
       <p:ext uri="{BB962C8B-B14F-4D97-AF65-F5344CB8AC3E}">
-        <p14:creationId xmlns:p14="http://schemas.microsoft.com/office/powerpoint/2010/main" val="4155659830"/>
+        <p14:creationId xmlns:p14="http://schemas.microsoft.com/office/powerpoint/2010/main" val="506022180"/>
       </p:ext>
     </p:extLst>
   </p:cSld>
@@ -4158,7 +4035,7 @@
       </p:grpSpPr>
       <p:pic>
         <p:nvPicPr>
-          <p:cNvPr id="2" name="그림 1"/>
+          <p:cNvPr id="14" name="그림 13"/>
           <p:cNvPicPr>
             <a:picLocks noChangeAspect="1"/>
           </p:cNvPicPr>
@@ -4172,71 +4049,14 @@
         </p:blipFill>
         <p:spPr>
           <a:xfrm>
-            <a:off x="373707" y="968469"/>
-            <a:ext cx="3829584" cy="3886742"/>
+            <a:off x="727383" y="621451"/>
+            <a:ext cx="3754676" cy="2748568"/>
           </a:xfrm>
           <a:prstGeom prst="rect">
             <a:avLst/>
           </a:prstGeom>
         </p:spPr>
       </p:pic>
-      <p:pic>
-        <p:nvPicPr>
-          <p:cNvPr id="3" name="그림 2"/>
-          <p:cNvPicPr>
-            <a:picLocks noChangeAspect="1"/>
-          </p:cNvPicPr>
-          <p:nvPr/>
-        </p:nvPicPr>
-        <p:blipFill>
-          <a:blip r:embed="rId3"/>
-          <a:stretch>
-            <a:fillRect/>
-          </a:stretch>
-        </p:blipFill>
-        <p:spPr>
-          <a:xfrm>
-            <a:off x="5982759" y="2004672"/>
-            <a:ext cx="3839111" cy="2638793"/>
-          </a:xfrm>
-          <a:prstGeom prst="rect">
-            <a:avLst/>
-          </a:prstGeom>
-        </p:spPr>
-      </p:pic>
-      <p:cxnSp>
-        <p:nvCxnSpPr>
-          <p:cNvPr id="6" name="직선 화살표 연결선 5"/>
-          <p:cNvCxnSpPr/>
-          <p:nvPr/>
-        </p:nvCxnSpPr>
-        <p:spPr>
-          <a:xfrm>
-            <a:off x="4482059" y="3117954"/>
-            <a:ext cx="1071797" cy="0"/>
-          </a:xfrm>
-          <a:prstGeom prst="straightConnector1">
-            <a:avLst/>
-          </a:prstGeom>
-          <a:ln>
-            <a:tailEnd type="triangle"/>
-          </a:ln>
-        </p:spPr>
-        <p:style>
-          <a:lnRef idx="1">
-            <a:schemeClr val="accent1"/>
-          </a:lnRef>
-          <a:fillRef idx="0">
-            <a:schemeClr val="accent1"/>
-          </a:fillRef>
-          <a:effectRef idx="0">
-            <a:schemeClr val="accent1"/>
-          </a:effectRef>
-          <a:fontRef idx="minor">
-            <a:schemeClr val="tx1"/>
-          </a:fontRef>
-        </p:style>
-      </p:cxnSp>
       <p:sp>
         <p:nvSpPr>
           <p:cNvPr id="17" name="TextBox 16"/>
@@ -4245,8 +4065,8 @@
         </p:nvSpPr>
         <p:spPr>
           <a:xfrm>
-            <a:off x="4745501" y="3531702"/>
-            <a:ext cx="543739" cy="307777"/>
+            <a:off x="612052" y="3932806"/>
+            <a:ext cx="1606530" cy="307777"/>
           </a:xfrm>
           <a:prstGeom prst="rect">
             <a:avLst/>
@@ -4260,8 +4080,16 @@
           <a:lstStyle/>
           <a:p>
             <a:r>
+              <a:rPr lang="en-US" altLang="ko-KR" sz="1400" dirty="0" smtClean="0"/>
+              <a:t>css </a:t>
+            </a:r>
+            <a:r>
               <a:rPr lang="ko-KR" altLang="en-US" sz="1400" dirty="0" smtClean="0"/>
-              <a:t>변경</a:t>
+              <a:t>제거했습니다</a:t>
+            </a:r>
+            <a:r>
+              <a:rPr lang="en-US" altLang="ko-KR" sz="1400" dirty="0" smtClean="0"/>
+              <a:t>.</a:t>
             </a:r>
             <a:endParaRPr lang="ko-KR" altLang="en-US" sz="1400" dirty="0"/>
           </a:p>
@@ -4270,7 +4098,7 @@
     </p:spTree>
     <p:extLst>
       <p:ext uri="{BB962C8B-B14F-4D97-AF65-F5344CB8AC3E}">
-        <p14:creationId xmlns:p14="http://schemas.microsoft.com/office/powerpoint/2010/main" val="1576909514"/>
+        <p14:creationId xmlns:p14="http://schemas.microsoft.com/office/powerpoint/2010/main" val="2558635409"/>
       </p:ext>
     </p:extLst>
   </p:cSld>
@@ -4306,7 +4134,7 @@
         <p:spPr>
           <a:xfrm>
             <a:off x="487180" y="252119"/>
-            <a:ext cx="1821332" cy="369332"/>
+            <a:ext cx="1872629" cy="369332"/>
           </a:xfrm>
           <a:prstGeom prst="rect">
             <a:avLst/>
@@ -4320,10 +4148,9 @@
           <a:lstStyle/>
           <a:p>
             <a:r>
-              <a:rPr lang="en-US" altLang="ko-KR" dirty="0" smtClean="0"/>
-              <a:t>UI-SJN-42-004L</a:t>
-            </a:r>
-            <a:endParaRPr lang="en-US" altLang="ko-KR" dirty="0"/>
+              <a:rPr lang="en-US" altLang="ko-KR" dirty="0"/>
+              <a:t>UI-SJN-20-001U</a:t>
+            </a:r>
           </a:p>
         </p:txBody>
       </p:sp>
@@ -4343,8 +4170,8 @@
         </p:blipFill>
         <p:spPr>
           <a:xfrm>
-            <a:off x="303675" y="4292061"/>
-            <a:ext cx="5437558" cy="588998"/>
+            <a:off x="487180" y="1036971"/>
+            <a:ext cx="4172532" cy="3419952"/>
           </a:xfrm>
           <a:prstGeom prst="rect">
             <a:avLst/>
@@ -4367,17 +4194,88 @@
         </p:blipFill>
         <p:spPr>
           <a:xfrm>
-            <a:off x="487180" y="1202069"/>
-            <a:ext cx="4201111" cy="2715004"/>
+            <a:off x="5566863" y="1036971"/>
+            <a:ext cx="428685" cy="419158"/>
           </a:xfrm>
           <a:prstGeom prst="rect">
             <a:avLst/>
           </a:prstGeom>
         </p:spPr>
       </p:pic>
+      <p:cxnSp>
+        <p:nvCxnSpPr>
+          <p:cNvPr id="5" name="직선 화살표 연결선 4"/>
+          <p:cNvCxnSpPr/>
+          <p:nvPr/>
+        </p:nvCxnSpPr>
+        <p:spPr>
+          <a:xfrm>
+            <a:off x="4811843" y="1334125"/>
+            <a:ext cx="472190" cy="0"/>
+          </a:xfrm>
+          <a:prstGeom prst="straightConnector1">
+            <a:avLst/>
+          </a:prstGeom>
+          <a:ln>
+            <a:tailEnd type="triangle"/>
+          </a:ln>
+        </p:spPr>
+        <p:style>
+          <a:lnRef idx="1">
+            <a:schemeClr val="accent1"/>
+          </a:lnRef>
+          <a:fillRef idx="0">
+            <a:schemeClr val="accent1"/>
+          </a:fillRef>
+          <a:effectRef idx="0">
+            <a:schemeClr val="accent1"/>
+          </a:effectRef>
+          <a:fontRef idx="minor">
+            <a:schemeClr val="tx1"/>
+          </a:fontRef>
+        </p:style>
+      </p:cxnSp>
+      <p:sp>
+        <p:nvSpPr>
+          <p:cNvPr id="10" name="TextBox 9"/>
+          <p:cNvSpPr txBox="1"/>
+          <p:nvPr/>
+        </p:nvSpPr>
+        <p:spPr>
+          <a:xfrm>
+            <a:off x="5423895" y="1721757"/>
+            <a:ext cx="1855444" cy="307777"/>
+          </a:xfrm>
+          <a:prstGeom prst="rect">
+            <a:avLst/>
+          </a:prstGeom>
+          <a:noFill/>
+        </p:spPr>
+        <p:txBody>
+          <a:bodyPr wrap="none" rtlCol="0">
+            <a:spAutoFit/>
+          </a:bodyPr>
+          <a:lstStyle/>
+          <a:p>
+            <a:r>
+              <a:rPr lang="en-US" altLang="ko-KR" sz="1400" dirty="0" smtClean="0"/>
+              <a:t>active </a:t>
+            </a:r>
+            <a:r>
+              <a:rPr lang="ko-KR" altLang="en-US" sz="1400" dirty="0" err="1" smtClean="0"/>
+              <a:t>클래스명</a:t>
+            </a:r>
+            <a:r>
+              <a:rPr lang="ko-KR" altLang="en-US" sz="1400" dirty="0" smtClean="0"/>
+              <a:t> 추가</a:t>
+            </a:r>
+            <a:endParaRPr lang="ko-KR" altLang="en-US" sz="1400" dirty="0"/>
+          </a:p>
+        </p:txBody>
+      </p:sp>
       <p:pic>
         <p:nvPicPr>
-          <p:cNvPr id="5" name="그림 4"/>
+          <p:cNvPr id="6" name="그림 5"/>
           <p:cNvPicPr>
             <a:picLocks noChangeAspect="1"/>
           </p:cNvPicPr>
@@ -4391,87 +4289,24 @@
         </p:blipFill>
         <p:spPr>
           <a:xfrm>
-            <a:off x="6553724" y="1052096"/>
-            <a:ext cx="4810796" cy="2610214"/>
+            <a:off x="7656612" y="877274"/>
+            <a:ext cx="3429479" cy="5058481"/>
           </a:xfrm>
           <a:prstGeom prst="rect">
             <a:avLst/>
           </a:prstGeom>
         </p:spPr>
       </p:pic>
-      <p:cxnSp>
-        <p:nvCxnSpPr>
-          <p:cNvPr id="7" name="직선 연결선 6"/>
-          <p:cNvCxnSpPr/>
-          <p:nvPr/>
-        </p:nvCxnSpPr>
-        <p:spPr>
-          <a:xfrm>
-            <a:off x="487180" y="4661941"/>
-            <a:ext cx="1686394" cy="0"/>
-          </a:xfrm>
-          <a:prstGeom prst="line">
-            <a:avLst/>
-          </a:prstGeom>
-        </p:spPr>
-        <p:style>
-          <a:lnRef idx="3">
-            <a:schemeClr val="accent2"/>
-          </a:lnRef>
-          <a:fillRef idx="0">
-            <a:schemeClr val="accent2"/>
-          </a:fillRef>
-          <a:effectRef idx="2">
-            <a:schemeClr val="accent2"/>
-          </a:effectRef>
-          <a:fontRef idx="minor">
-            <a:schemeClr val="tx1"/>
-          </a:fontRef>
-        </p:style>
-      </p:cxnSp>
-      <p:cxnSp>
-        <p:nvCxnSpPr>
-          <p:cNvPr id="10" name="직선 화살표 연결선 9"/>
-          <p:cNvCxnSpPr/>
-          <p:nvPr/>
-        </p:nvCxnSpPr>
-        <p:spPr>
-          <a:xfrm flipV="1">
-            <a:off x="487180" y="4774368"/>
-            <a:ext cx="0" cy="951875"/>
-          </a:xfrm>
-          <a:prstGeom prst="straightConnector1">
-            <a:avLst/>
-          </a:prstGeom>
-          <a:ln>
-            <a:tailEnd type="triangle"/>
-          </a:ln>
-        </p:spPr>
-        <p:style>
-          <a:lnRef idx="1">
-            <a:schemeClr val="accent1"/>
-          </a:lnRef>
-          <a:fillRef idx="0">
-            <a:schemeClr val="accent1"/>
-          </a:fillRef>
-          <a:effectRef idx="0">
-            <a:schemeClr val="accent1"/>
-          </a:effectRef>
-          <a:fontRef idx="minor">
-            <a:schemeClr val="tx1"/>
-          </a:fontRef>
-        </p:style>
-      </p:cxnSp>
-      <p:sp>
-        <p:nvSpPr>
-          <p:cNvPr id="20" name="TextBox 19"/>
+      <p:sp>
+        <p:nvSpPr>
+          <p:cNvPr id="7" name="TextBox 6"/>
           <p:cNvSpPr txBox="1"/>
           <p:nvPr/>
         </p:nvSpPr>
         <p:spPr>
           <a:xfrm>
-            <a:off x="215310" y="5838669"/>
-            <a:ext cx="965329" cy="307777"/>
+            <a:off x="8117173" y="6130977"/>
+            <a:ext cx="2239716" cy="307777"/>
           </a:xfrm>
           <a:prstGeom prst="rect">
             <a:avLst/>
@@ -4485,124 +4320,25 @@
           <a:lstStyle/>
           <a:p>
             <a:r>
-              <a:rPr lang="ko-KR" altLang="en-US" sz="1400" smtClean="0"/>
-              <a:t>태그 삭제</a:t>
+              <a:rPr lang="ko-KR" altLang="en-US" sz="1400" dirty="0" err="1" smtClean="0"/>
+              <a:t>배경이미지</a:t>
+            </a:r>
+            <a:r>
+              <a:rPr lang="ko-KR" altLang="en-US" sz="1400" dirty="0" smtClean="0"/>
+              <a:t> 크기 </a:t>
+            </a:r>
+            <a:r>
+              <a:rPr lang="en-US" altLang="ko-KR" sz="1400" dirty="0" smtClean="0"/>
+              <a:t>318*226</a:t>
             </a:r>
             <a:endParaRPr lang="ko-KR" altLang="en-US" sz="1400" dirty="0"/>
-          </a:p>
-        </p:txBody>
-      </p:sp>
-      <p:sp>
-        <p:nvSpPr>
-          <p:cNvPr id="23" name="TextBox 22"/>
-          <p:cNvSpPr txBox="1"/>
-          <p:nvPr/>
-        </p:nvSpPr>
-        <p:spPr>
-          <a:xfrm>
-            <a:off x="6620462" y="4661941"/>
-            <a:ext cx="1386918" cy="307777"/>
-          </a:xfrm>
-          <a:prstGeom prst="rect">
-            <a:avLst/>
-          </a:prstGeom>
-          <a:noFill/>
-        </p:spPr>
-        <p:txBody>
-          <a:bodyPr wrap="none" rtlCol="0">
-            <a:spAutoFit/>
-          </a:bodyPr>
-          <a:lstStyle/>
-          <a:p>
-            <a:r>
-              <a:rPr lang="ko-KR" altLang="en-US" sz="1400" smtClean="0"/>
-              <a:t>태그 위치 변경</a:t>
-            </a:r>
-            <a:endParaRPr lang="ko-KR" altLang="en-US" sz="1400" dirty="0"/>
-          </a:p>
-        </p:txBody>
-      </p:sp>
-      <p:cxnSp>
-        <p:nvCxnSpPr>
-          <p:cNvPr id="17" name="직선 화살표 연결선 16"/>
-          <p:cNvCxnSpPr/>
-          <p:nvPr/>
-        </p:nvCxnSpPr>
-        <p:spPr>
-          <a:xfrm flipV="1">
-            <a:off x="6980225" y="2905237"/>
-            <a:ext cx="0" cy="1626432"/>
-          </a:xfrm>
-          <a:prstGeom prst="straightConnector1">
-            <a:avLst/>
-          </a:prstGeom>
-          <a:ln>
-            <a:tailEnd type="triangle"/>
-          </a:ln>
-        </p:spPr>
-        <p:style>
-          <a:lnRef idx="1">
-            <a:schemeClr val="accent1"/>
-          </a:lnRef>
-          <a:fillRef idx="0">
-            <a:schemeClr val="accent1"/>
-          </a:fillRef>
-          <a:effectRef idx="0">
-            <a:schemeClr val="accent1"/>
-          </a:effectRef>
-          <a:fontRef idx="minor">
-            <a:schemeClr val="tx1"/>
-          </a:fontRef>
-        </p:style>
-      </p:cxnSp>
-      <p:sp>
-        <p:nvSpPr>
-          <p:cNvPr id="24" name="직사각형 23"/>
-          <p:cNvSpPr/>
-          <p:nvPr/>
-        </p:nvSpPr>
-        <p:spPr>
-          <a:xfrm>
-            <a:off x="0" y="6453266"/>
-            <a:ext cx="12192000" cy="404734"/>
-          </a:xfrm>
-          <a:prstGeom prst="rect">
-            <a:avLst/>
-          </a:prstGeom>
-        </p:spPr>
-        <p:style>
-          <a:lnRef idx="2">
-            <a:schemeClr val="accent1">
-              <a:shade val="50000"/>
-            </a:schemeClr>
-          </a:lnRef>
-          <a:fillRef idx="1">
-            <a:schemeClr val="accent1"/>
-          </a:fillRef>
-          <a:effectRef idx="0">
-            <a:schemeClr val="accent1"/>
-          </a:effectRef>
-          <a:fontRef idx="minor">
-            <a:schemeClr val="lt1"/>
-          </a:fontRef>
-        </p:style>
-        <p:txBody>
-          <a:bodyPr rtlCol="0" anchor="ctr"/>
-          <a:lstStyle/>
-          <a:p>
-            <a:pPr algn="ctr"/>
-            <a:r>
-              <a:rPr lang="ko-KR" altLang="en-US" dirty="0" smtClean="0"/>
-              <a:t>아래에서 계속</a:t>
-            </a:r>
-            <a:endParaRPr lang="ko-KR" altLang="en-US" dirty="0"/>
           </a:p>
         </p:txBody>
       </p:sp>
     </p:spTree>
     <p:extLst>
       <p:ext uri="{BB962C8B-B14F-4D97-AF65-F5344CB8AC3E}">
-        <p14:creationId xmlns:p14="http://schemas.microsoft.com/office/powerpoint/2010/main" val="1957811728"/>
+        <p14:creationId xmlns:p14="http://schemas.microsoft.com/office/powerpoint/2010/main" val="726478288"/>
       </p:ext>
     </p:extLst>
   </p:cSld>
@@ -4629,6 +4365,35 @@
           <a:chExt cx="0" cy="0"/>
         </a:xfrm>
       </p:grpSpPr>
+      <p:sp>
+        <p:nvSpPr>
+          <p:cNvPr id="16" name="TextBox 15"/>
+          <p:cNvSpPr txBox="1"/>
+          <p:nvPr/>
+        </p:nvSpPr>
+        <p:spPr>
+          <a:xfrm>
+            <a:off x="487180" y="252119"/>
+            <a:ext cx="1872629" cy="369332"/>
+          </a:xfrm>
+          <a:prstGeom prst="rect">
+            <a:avLst/>
+          </a:prstGeom>
+          <a:noFill/>
+        </p:spPr>
+        <p:txBody>
+          <a:bodyPr wrap="none" rtlCol="0">
+            <a:spAutoFit/>
+          </a:bodyPr>
+          <a:lstStyle/>
+          <a:p>
+            <a:r>
+              <a:rPr lang="en-US" altLang="ko-KR" dirty="0"/>
+              <a:t>UI-SJN-42-003L</a:t>
+            </a:r>
+          </a:p>
+        </p:txBody>
+      </p:sp>
       <p:pic>
         <p:nvPicPr>
           <p:cNvPr id="4" name="그림 3"/>
@@ -4645,8 +4410,8 @@
         </p:blipFill>
         <p:spPr>
           <a:xfrm>
-            <a:off x="663282" y="939817"/>
-            <a:ext cx="3820058" cy="3839111"/>
+            <a:off x="487180" y="949196"/>
+            <a:ext cx="4324954" cy="2591162"/>
           </a:xfrm>
           <a:prstGeom prst="rect">
             <a:avLst/>
@@ -4655,7 +4420,7 @@
       </p:pic>
       <p:pic>
         <p:nvPicPr>
-          <p:cNvPr id="6" name="그림 5"/>
+          <p:cNvPr id="8" name="그림 7"/>
           <p:cNvPicPr>
             <a:picLocks noChangeAspect="1"/>
           </p:cNvPicPr>
@@ -4669,8 +4434,8 @@
         </p:blipFill>
         <p:spPr>
           <a:xfrm>
-            <a:off x="6226246" y="892185"/>
-            <a:ext cx="4191585" cy="3934374"/>
+            <a:off x="6014424" y="1034933"/>
+            <a:ext cx="4315427" cy="2419688"/>
           </a:xfrm>
           <a:prstGeom prst="rect">
             <a:avLst/>
@@ -4679,14 +4444,14 @@
       </p:pic>
       <p:cxnSp>
         <p:nvCxnSpPr>
-          <p:cNvPr id="9" name="직선 화살표 연결선 8"/>
+          <p:cNvPr id="11" name="직선 화살표 연결선 10"/>
           <p:cNvCxnSpPr/>
           <p:nvPr/>
         </p:nvCxnSpPr>
         <p:spPr>
-          <a:xfrm flipV="1">
-            <a:off x="8904157" y="2653259"/>
-            <a:ext cx="0" cy="2900597"/>
+          <a:xfrm>
+            <a:off x="5096656" y="2244777"/>
+            <a:ext cx="674557" cy="0"/>
           </a:xfrm>
           <a:prstGeom prst="straightConnector1">
             <a:avLst/>
@@ -4712,14 +4477,14 @@
       </p:cxnSp>
       <p:sp>
         <p:nvSpPr>
-          <p:cNvPr id="18" name="TextBox 17"/>
+          <p:cNvPr id="12" name="TextBox 11"/>
           <p:cNvSpPr txBox="1"/>
           <p:nvPr/>
         </p:nvSpPr>
         <p:spPr>
           <a:xfrm>
-            <a:off x="8042382" y="5748728"/>
-            <a:ext cx="1723549" cy="307777"/>
+            <a:off x="9100144" y="5360502"/>
+            <a:ext cx="1324402" cy="307777"/>
           </a:xfrm>
           <a:prstGeom prst="rect">
             <a:avLst/>
@@ -4733,44 +4498,89 @@
           <a:lstStyle/>
           <a:p>
             <a:r>
+              <a:rPr lang="ko-KR" altLang="en-US" sz="1400" dirty="0" err="1" smtClean="0"/>
+              <a:t>클래스명</a:t>
+            </a:r>
+            <a:r>
               <a:rPr lang="ko-KR" altLang="en-US" sz="1400" dirty="0" smtClean="0"/>
-              <a:t>공백을 줄였습니다</a:t>
-            </a:r>
-            <a:r>
-              <a:rPr lang="en-US" altLang="ko-KR" sz="1400" dirty="0" smtClean="0"/>
-              <a:t>.</a:t>
+              <a:t> 변경</a:t>
             </a:r>
             <a:endParaRPr lang="ko-KR" altLang="en-US" sz="1400" dirty="0"/>
           </a:p>
         </p:txBody>
       </p:sp>
+      <p:pic>
+        <p:nvPicPr>
+          <p:cNvPr id="14" name="그림 13"/>
+          <p:cNvPicPr>
+            <a:picLocks noChangeAspect="1"/>
+          </p:cNvPicPr>
+          <p:nvPr/>
+        </p:nvPicPr>
+        <p:blipFill>
+          <a:blip r:embed="rId4"/>
+          <a:stretch>
+            <a:fillRect/>
+          </a:stretch>
+        </p:blipFill>
+        <p:spPr>
+          <a:xfrm>
+            <a:off x="1015410" y="3903443"/>
+            <a:ext cx="3610479" cy="733527"/>
+          </a:xfrm>
+          <a:prstGeom prst="rect">
+            <a:avLst/>
+          </a:prstGeom>
+        </p:spPr>
+      </p:pic>
+      <p:pic>
+        <p:nvPicPr>
+          <p:cNvPr id="15" name="그림 14"/>
+          <p:cNvPicPr>
+            <a:picLocks noChangeAspect="1"/>
+          </p:cNvPicPr>
+          <p:nvPr/>
+        </p:nvPicPr>
+        <p:blipFill>
+          <a:blip r:embed="rId5"/>
+          <a:stretch>
+            <a:fillRect/>
+          </a:stretch>
+        </p:blipFill>
+        <p:spPr>
+          <a:xfrm>
+            <a:off x="6549511" y="3863953"/>
+            <a:ext cx="3620005" cy="743054"/>
+          </a:xfrm>
+          <a:prstGeom prst="rect">
+            <a:avLst/>
+          </a:prstGeom>
+        </p:spPr>
+      </p:pic>
       <p:cxnSp>
         <p:nvCxnSpPr>
-          <p:cNvPr id="19" name="직선 화살표 연결선 18"/>
+          <p:cNvPr id="18" name="직선 연결선 17"/>
           <p:cNvCxnSpPr/>
           <p:nvPr/>
         </p:nvCxnSpPr>
         <p:spPr>
-          <a:xfrm flipV="1">
-            <a:off x="1216701" y="2933075"/>
-            <a:ext cx="0" cy="2900597"/>
-          </a:xfrm>
-          <a:prstGeom prst="straightConnector1">
-            <a:avLst/>
-          </a:prstGeom>
-          <a:ln>
-            <a:tailEnd type="triangle"/>
-          </a:ln>
+          <a:xfrm>
+            <a:off x="9556230" y="4085297"/>
+            <a:ext cx="412230" cy="0"/>
+          </a:xfrm>
+          <a:prstGeom prst="line">
+            <a:avLst/>
+          </a:prstGeom>
         </p:spPr>
         <p:style>
-          <a:lnRef idx="1">
-            <a:schemeClr val="accent1"/>
+          <a:lnRef idx="3">
+            <a:schemeClr val="accent2"/>
           </a:lnRef>
           <a:fillRef idx="0">
-            <a:schemeClr val="accent1"/>
+            <a:schemeClr val="accent2"/>
           </a:fillRef>
-          <a:effectRef idx="0">
-            <a:schemeClr val="accent1"/>
+          <a:effectRef idx="2">
+            <a:schemeClr val="accent2"/>
           </a:effectRef>
           <a:fontRef idx="minor">
             <a:schemeClr val="tx1"/>
@@ -4779,14 +4589,14 @@
       </p:cxnSp>
       <p:sp>
         <p:nvSpPr>
-          <p:cNvPr id="21" name="TextBox 20"/>
+          <p:cNvPr id="19" name="TextBox 18"/>
           <p:cNvSpPr txBox="1"/>
           <p:nvPr/>
         </p:nvSpPr>
         <p:spPr>
           <a:xfrm>
-            <a:off x="579779" y="5914098"/>
-            <a:ext cx="5917004" cy="697050"/>
+            <a:off x="5136630" y="3862465"/>
+            <a:ext cx="902811" cy="307777"/>
           </a:xfrm>
           <a:prstGeom prst="rect">
             <a:avLst/>
@@ -4799,62 +4609,95 @@
           </a:bodyPr>
           <a:lstStyle/>
           <a:p>
-            <a:pPr>
-              <a:lnSpc>
-                <a:spcPct val="150000"/>
-              </a:lnSpc>
-            </a:pPr>
-            <a:r>
-              <a:rPr lang="ko-KR" altLang="en-US" sz="1400" dirty="0" smtClean="0"/>
-              <a:t>가로 크기에 따라 </a:t>
-            </a:r>
             <a:r>
               <a:rPr lang="ko-KR" altLang="en-US" sz="1400" dirty="0" err="1" smtClean="0"/>
-              <a:t>달라질수</a:t>
-            </a:r>
-            <a:r>
-              <a:rPr lang="ko-KR" altLang="en-US" sz="1400" dirty="0" smtClean="0"/>
-              <a:t> </a:t>
-            </a:r>
-            <a:r>
-              <a:rPr lang="ko-KR" altLang="en-US" sz="1400" dirty="0" err="1" smtClean="0"/>
-              <a:t>있는부분이라</a:t>
-            </a:r>
-            <a:r>
-              <a:rPr lang="en-US" altLang="ko-KR" sz="1400" dirty="0" smtClean="0"/>
-              <a:t>.</a:t>
-            </a:r>
-          </a:p>
-          <a:p>
-            <a:pPr>
-              <a:lnSpc>
-                <a:spcPct val="150000"/>
-              </a:lnSpc>
-            </a:pPr>
-            <a:r>
-              <a:rPr lang="ko-KR" altLang="en-US" sz="1400" dirty="0" smtClean="0"/>
-              <a:t>너무 보기가 싫으면</a:t>
-            </a:r>
-            <a:r>
-              <a:rPr lang="en-US" altLang="ko-KR" sz="1400" dirty="0" smtClean="0"/>
-              <a:t>, </a:t>
-            </a:r>
-            <a:r>
-              <a:rPr lang="ko-KR" altLang="en-US" sz="1400" dirty="0" smtClean="0"/>
-              <a:t>글자 수를 좀 줄이는 방법으로 해결할 수 있습니다</a:t>
-            </a:r>
-            <a:r>
-              <a:rPr lang="en-US" altLang="ko-KR" sz="1400" dirty="0" smtClean="0"/>
-              <a:t>.</a:t>
+              <a:t>색상변경</a:t>
             </a:r>
             <a:endParaRPr lang="ko-KR" altLang="en-US" sz="1400" dirty="0"/>
+          </a:p>
+        </p:txBody>
+      </p:sp>
+      <p:cxnSp>
+        <p:nvCxnSpPr>
+          <p:cNvPr id="21" name="직선 화살표 연결선 20"/>
+          <p:cNvCxnSpPr/>
+          <p:nvPr/>
+        </p:nvCxnSpPr>
+        <p:spPr>
+          <a:xfrm flipV="1">
+            <a:off x="9848538" y="4235480"/>
+            <a:ext cx="0" cy="981097"/>
+          </a:xfrm>
+          <a:prstGeom prst="straightConnector1">
+            <a:avLst/>
+          </a:prstGeom>
+          <a:ln>
+            <a:tailEnd type="triangle"/>
+          </a:ln>
+        </p:spPr>
+        <p:style>
+          <a:lnRef idx="1">
+            <a:schemeClr val="accent1"/>
+          </a:lnRef>
+          <a:fillRef idx="0">
+            <a:schemeClr val="accent1"/>
+          </a:fillRef>
+          <a:effectRef idx="0">
+            <a:schemeClr val="accent1"/>
+          </a:effectRef>
+          <a:fontRef idx="minor">
+            <a:schemeClr val="tx1"/>
+          </a:fontRef>
+        </p:style>
+      </p:cxnSp>
+      <p:sp>
+        <p:nvSpPr>
+          <p:cNvPr id="22" name="직사각형 21"/>
+          <p:cNvSpPr/>
+          <p:nvPr/>
+        </p:nvSpPr>
+        <p:spPr>
+          <a:xfrm>
+            <a:off x="0" y="6453266"/>
+            <a:ext cx="12192000" cy="404734"/>
+          </a:xfrm>
+          <a:prstGeom prst="rect">
+            <a:avLst/>
+          </a:prstGeom>
+        </p:spPr>
+        <p:style>
+          <a:lnRef idx="2">
+            <a:schemeClr val="accent1">
+              <a:shade val="50000"/>
+            </a:schemeClr>
+          </a:lnRef>
+          <a:fillRef idx="1">
+            <a:schemeClr val="accent1"/>
+          </a:fillRef>
+          <a:effectRef idx="0">
+            <a:schemeClr val="accent1"/>
+          </a:effectRef>
+          <a:fontRef idx="minor">
+            <a:schemeClr val="lt1"/>
+          </a:fontRef>
+        </p:style>
+        <p:txBody>
+          <a:bodyPr rtlCol="0" anchor="ctr"/>
+          <a:lstStyle/>
+          <a:p>
+            <a:pPr algn="ctr"/>
+            <a:r>
+              <a:rPr lang="ko-KR" altLang="en-US" dirty="0" smtClean="0"/>
+              <a:t>아래에서 계속</a:t>
+            </a:r>
+            <a:endParaRPr lang="ko-KR" altLang="en-US" dirty="0"/>
           </a:p>
         </p:txBody>
       </p:sp>
     </p:spTree>
     <p:extLst>
       <p:ext uri="{BB962C8B-B14F-4D97-AF65-F5344CB8AC3E}">
-        <p14:creationId xmlns:p14="http://schemas.microsoft.com/office/powerpoint/2010/main" val="281238954"/>
+        <p14:creationId xmlns:p14="http://schemas.microsoft.com/office/powerpoint/2010/main" val="4155659830"/>
       </p:ext>
     </p:extLst>
   </p:cSld>
@@ -4883,7 +4726,7 @@
       </p:grpSpPr>
       <p:pic>
         <p:nvPicPr>
-          <p:cNvPr id="11" name="그림 10"/>
+          <p:cNvPr id="2" name="그림 1"/>
           <p:cNvPicPr>
             <a:picLocks noChangeAspect="1"/>
           </p:cNvPicPr>
@@ -4897,109 +4740,17 @@
         </p:blipFill>
         <p:spPr>
           <a:xfrm>
-            <a:off x="487180" y="814080"/>
-            <a:ext cx="4267796" cy="3820058"/>
+            <a:off x="373707" y="968469"/>
+            <a:ext cx="3829584" cy="3886742"/>
           </a:xfrm>
           <a:prstGeom prst="rect">
             <a:avLst/>
           </a:prstGeom>
         </p:spPr>
       </p:pic>
-      <p:sp>
-        <p:nvSpPr>
-          <p:cNvPr id="16" name="TextBox 15"/>
-          <p:cNvSpPr txBox="1"/>
-          <p:nvPr/>
-        </p:nvSpPr>
-        <p:spPr>
-          <a:xfrm>
-            <a:off x="487180" y="252119"/>
-            <a:ext cx="1821332" cy="369332"/>
-          </a:xfrm>
-          <a:prstGeom prst="rect">
-            <a:avLst/>
-          </a:prstGeom>
-          <a:noFill/>
-        </p:spPr>
-        <p:txBody>
-          <a:bodyPr wrap="none" rtlCol="0">
-            <a:spAutoFit/>
-          </a:bodyPr>
-          <a:lstStyle/>
-          <a:p>
-            <a:r>
-              <a:rPr lang="en-US" altLang="ko-KR" dirty="0"/>
-              <a:t>UI-SJN-32-010L</a:t>
-            </a:r>
-          </a:p>
-        </p:txBody>
-      </p:sp>
-      <p:sp>
-        <p:nvSpPr>
-          <p:cNvPr id="20" name="TextBox 19"/>
-          <p:cNvSpPr txBox="1"/>
-          <p:nvPr/>
-        </p:nvSpPr>
-        <p:spPr>
-          <a:xfrm>
-            <a:off x="5182205" y="2679252"/>
-            <a:ext cx="1566454" cy="307777"/>
-          </a:xfrm>
-          <a:prstGeom prst="rect">
-            <a:avLst/>
-          </a:prstGeom>
-          <a:noFill/>
-        </p:spPr>
-        <p:txBody>
-          <a:bodyPr wrap="none" rtlCol="0">
-            <a:spAutoFit/>
-          </a:bodyPr>
-          <a:lstStyle/>
-          <a:p>
-            <a:r>
-              <a:rPr lang="ko-KR" altLang="en-US" sz="1400" dirty="0" smtClean="0"/>
-              <a:t>버튼 태그로 변경</a:t>
-            </a:r>
-            <a:endParaRPr lang="ko-KR" altLang="en-US" sz="1400" dirty="0"/>
-          </a:p>
-        </p:txBody>
-      </p:sp>
-      <p:cxnSp>
-        <p:nvCxnSpPr>
-          <p:cNvPr id="8" name="직선 화살표 연결선 7"/>
-          <p:cNvCxnSpPr/>
-          <p:nvPr/>
-        </p:nvCxnSpPr>
-        <p:spPr>
-          <a:xfrm flipH="1">
-            <a:off x="2960557" y="2833141"/>
-            <a:ext cx="2038662" cy="0"/>
-          </a:xfrm>
-          <a:prstGeom prst="straightConnector1">
-            <a:avLst/>
-          </a:prstGeom>
-          <a:ln>
-            <a:tailEnd type="triangle"/>
-          </a:ln>
-        </p:spPr>
-        <p:style>
-          <a:lnRef idx="1">
-            <a:schemeClr val="accent1"/>
-          </a:lnRef>
-          <a:fillRef idx="0">
-            <a:schemeClr val="accent1"/>
-          </a:fillRef>
-          <a:effectRef idx="0">
-            <a:schemeClr val="accent1"/>
-          </a:effectRef>
-          <a:fontRef idx="minor">
-            <a:schemeClr val="tx1"/>
-          </a:fontRef>
-        </p:style>
-      </p:cxnSp>
       <p:pic>
         <p:nvPicPr>
-          <p:cNvPr id="12" name="그림 11"/>
+          <p:cNvPr id="3" name="그림 2"/>
           <p:cNvPicPr>
             <a:picLocks noChangeAspect="1"/>
           </p:cNvPicPr>
@@ -5013,8 +4764,8 @@
         </p:blipFill>
         <p:spPr>
           <a:xfrm>
-            <a:off x="7228353" y="814080"/>
-            <a:ext cx="4115374" cy="3848637"/>
+            <a:off x="5982759" y="2004672"/>
+            <a:ext cx="3839111" cy="2638793"/>
           </a:xfrm>
           <a:prstGeom prst="rect">
             <a:avLst/>
@@ -5023,14 +4774,14 @@
       </p:pic>
       <p:cxnSp>
         <p:nvCxnSpPr>
-          <p:cNvPr id="14" name="직선 화살표 연결선 13"/>
+          <p:cNvPr id="6" name="직선 화살표 연결선 5"/>
           <p:cNvCxnSpPr/>
           <p:nvPr/>
         </p:nvCxnSpPr>
         <p:spPr>
-          <a:xfrm flipV="1">
-            <a:off x="10747948" y="2518348"/>
-            <a:ext cx="0" cy="2623278"/>
+          <a:xfrm>
+            <a:off x="4482059" y="3117954"/>
+            <a:ext cx="1071797" cy="0"/>
           </a:xfrm>
           <a:prstGeom prst="straightConnector1">
             <a:avLst/>
@@ -5056,14 +4807,14 @@
       </p:cxnSp>
       <p:sp>
         <p:nvSpPr>
-          <p:cNvPr id="19" name="TextBox 18"/>
+          <p:cNvPr id="17" name="TextBox 16"/>
           <p:cNvSpPr txBox="1"/>
           <p:nvPr/>
         </p:nvSpPr>
         <p:spPr>
           <a:xfrm>
-            <a:off x="8152756" y="5342505"/>
-            <a:ext cx="2294218" cy="307777"/>
+            <a:off x="4745501" y="3531702"/>
+            <a:ext cx="543739" cy="307777"/>
           </a:xfrm>
           <a:prstGeom prst="rect">
             <a:avLst/>
@@ -5077,120 +4828,17 @@
           <a:lstStyle/>
           <a:p>
             <a:r>
-              <a:rPr lang="en-US" altLang="ko-KR" sz="1400" dirty="0" smtClean="0"/>
-              <a:t>[</a:t>
-            </a:r>
-            <a:r>
               <a:rPr lang="ko-KR" altLang="en-US" sz="1400" dirty="0" smtClean="0"/>
-              <a:t>공통</a:t>
-            </a:r>
-            <a:r>
-              <a:rPr lang="en-US" altLang="ko-KR" sz="1400" dirty="0" smtClean="0"/>
-              <a:t>] </a:t>
-            </a:r>
-            <a:r>
-              <a:rPr lang="ko-KR" altLang="en-US" sz="1400" dirty="0" smtClean="0"/>
-              <a:t>그림자 넣었습니다</a:t>
-            </a:r>
-            <a:r>
-              <a:rPr lang="en-US" altLang="ko-KR" sz="1400" dirty="0" smtClean="0"/>
-              <a:t>.</a:t>
+              <a:t>변경</a:t>
             </a:r>
             <a:endParaRPr lang="ko-KR" altLang="en-US" sz="1400" dirty="0"/>
           </a:p>
         </p:txBody>
       </p:sp>
-      <p:sp>
-        <p:nvSpPr>
-          <p:cNvPr id="10" name="TextBox 9"/>
-          <p:cNvSpPr txBox="1"/>
-          <p:nvPr/>
-        </p:nvSpPr>
-        <p:spPr>
-          <a:xfrm>
-            <a:off x="5182205" y="5265055"/>
-            <a:ext cx="1324402" cy="307777"/>
-          </a:xfrm>
-          <a:prstGeom prst="rect">
-            <a:avLst/>
-          </a:prstGeom>
-          <a:noFill/>
-        </p:spPr>
-        <p:txBody>
-          <a:bodyPr wrap="none" rtlCol="0">
-            <a:spAutoFit/>
-          </a:bodyPr>
-          <a:lstStyle/>
-          <a:p>
-            <a:r>
-              <a:rPr lang="ko-KR" altLang="en-US" sz="1400" dirty="0" smtClean="0"/>
-              <a:t>비활성화 추가</a:t>
-            </a:r>
-            <a:endParaRPr lang="ko-KR" altLang="en-US" sz="1400" dirty="0"/>
-          </a:p>
-        </p:txBody>
-      </p:sp>
-      <p:cxnSp>
-        <p:nvCxnSpPr>
-          <p:cNvPr id="6" name="직선 화살표 연결선 5"/>
-          <p:cNvCxnSpPr/>
-          <p:nvPr/>
-        </p:nvCxnSpPr>
-        <p:spPr>
-          <a:xfrm flipH="1">
-            <a:off x="4219731" y="5442611"/>
-            <a:ext cx="779488" cy="0"/>
-          </a:xfrm>
-          <a:prstGeom prst="straightConnector1">
-            <a:avLst/>
-          </a:prstGeom>
-          <a:ln>
-            <a:tailEnd type="triangle"/>
-          </a:ln>
-        </p:spPr>
-        <p:style>
-          <a:lnRef idx="1">
-            <a:schemeClr val="accent1"/>
-          </a:lnRef>
-          <a:fillRef idx="0">
-            <a:schemeClr val="accent1"/>
-          </a:fillRef>
-          <a:effectRef idx="0">
-            <a:schemeClr val="accent1"/>
-          </a:effectRef>
-          <a:fontRef idx="minor">
-            <a:schemeClr val="tx1"/>
-          </a:fontRef>
-        </p:style>
-      </p:cxnSp>
-      <p:pic>
-        <p:nvPicPr>
-          <p:cNvPr id="3" name="그림 2"/>
-          <p:cNvPicPr>
-            <a:picLocks noChangeAspect="1"/>
-          </p:cNvPicPr>
-          <p:nvPr/>
-        </p:nvPicPr>
-        <p:blipFill>
-          <a:blip r:embed="rId4"/>
-          <a:stretch>
-            <a:fillRect/>
-          </a:stretch>
-        </p:blipFill>
-        <p:spPr>
-          <a:xfrm>
-            <a:off x="1397846" y="5141626"/>
-            <a:ext cx="2362530" cy="504895"/>
-          </a:xfrm>
-          <a:prstGeom prst="rect">
-            <a:avLst/>
-          </a:prstGeom>
-        </p:spPr>
-      </p:pic>
     </p:spTree>
     <p:extLst>
       <p:ext uri="{BB962C8B-B14F-4D97-AF65-F5344CB8AC3E}">
-        <p14:creationId xmlns:p14="http://schemas.microsoft.com/office/powerpoint/2010/main" val="3360706840"/>
+        <p14:creationId xmlns:p14="http://schemas.microsoft.com/office/powerpoint/2010/main" val="1576909514"/>
       </p:ext>
     </p:extLst>
   </p:cSld>
@@ -5217,9 +4865,39 @@
           <a:chExt cx="0" cy="0"/>
         </a:xfrm>
       </p:grpSpPr>
+      <p:sp>
+        <p:nvSpPr>
+          <p:cNvPr id="16" name="TextBox 15"/>
+          <p:cNvSpPr txBox="1"/>
+          <p:nvPr/>
+        </p:nvSpPr>
+        <p:spPr>
+          <a:xfrm>
+            <a:off x="487180" y="252119"/>
+            <a:ext cx="1821332" cy="369332"/>
+          </a:xfrm>
+          <a:prstGeom prst="rect">
+            <a:avLst/>
+          </a:prstGeom>
+          <a:noFill/>
+        </p:spPr>
+        <p:txBody>
+          <a:bodyPr wrap="none" rtlCol="0">
+            <a:spAutoFit/>
+          </a:bodyPr>
+          <a:lstStyle/>
+          <a:p>
+            <a:r>
+              <a:rPr lang="en-US" altLang="ko-KR" dirty="0" smtClean="0"/>
+              <a:t>UI-SJN-42-004L</a:t>
+            </a:r>
+            <a:endParaRPr lang="en-US" altLang="ko-KR" dirty="0"/>
+          </a:p>
+        </p:txBody>
+      </p:sp>
       <p:pic>
         <p:nvPicPr>
-          <p:cNvPr id="6" name="그림 5"/>
+          <p:cNvPr id="2" name="그림 1"/>
           <p:cNvPicPr>
             <a:picLocks noChangeAspect="1"/>
           </p:cNvPicPr>
@@ -5233,154 +4911,102 @@
         </p:blipFill>
         <p:spPr>
           <a:xfrm>
-            <a:off x="596750" y="1028142"/>
-            <a:ext cx="3686689" cy="1905266"/>
+            <a:off x="303675" y="4292061"/>
+            <a:ext cx="5437558" cy="588998"/>
           </a:xfrm>
           <a:prstGeom prst="rect">
             <a:avLst/>
           </a:prstGeom>
         </p:spPr>
       </p:pic>
-      <p:sp>
-        <p:nvSpPr>
-          <p:cNvPr id="16" name="TextBox 15"/>
-          <p:cNvSpPr txBox="1"/>
-          <p:nvPr/>
-        </p:nvSpPr>
-        <p:spPr>
-          <a:xfrm>
-            <a:off x="487180" y="252119"/>
-            <a:ext cx="1821332" cy="369332"/>
-          </a:xfrm>
-          <a:prstGeom prst="rect">
-            <a:avLst/>
-          </a:prstGeom>
-          <a:noFill/>
-        </p:spPr>
-        <p:txBody>
-          <a:bodyPr wrap="none" rtlCol="0">
-            <a:spAutoFit/>
-          </a:bodyPr>
-          <a:lstStyle/>
-          <a:p>
-            <a:r>
-              <a:rPr lang="en-US" altLang="ko-KR" dirty="0"/>
-              <a:t>UI-SJN-23-002L</a:t>
-            </a:r>
-          </a:p>
-        </p:txBody>
-      </p:sp>
+      <p:pic>
+        <p:nvPicPr>
+          <p:cNvPr id="3" name="그림 2"/>
+          <p:cNvPicPr>
+            <a:picLocks noChangeAspect="1"/>
+          </p:cNvPicPr>
+          <p:nvPr/>
+        </p:nvPicPr>
+        <p:blipFill>
+          <a:blip r:embed="rId3"/>
+          <a:stretch>
+            <a:fillRect/>
+          </a:stretch>
+        </p:blipFill>
+        <p:spPr>
+          <a:xfrm>
+            <a:off x="487180" y="1202069"/>
+            <a:ext cx="4201111" cy="2715004"/>
+          </a:xfrm>
+          <a:prstGeom prst="rect">
+            <a:avLst/>
+          </a:prstGeom>
+        </p:spPr>
+      </p:pic>
+      <p:pic>
+        <p:nvPicPr>
+          <p:cNvPr id="5" name="그림 4"/>
+          <p:cNvPicPr>
+            <a:picLocks noChangeAspect="1"/>
+          </p:cNvPicPr>
+          <p:nvPr/>
+        </p:nvPicPr>
+        <p:blipFill>
+          <a:blip r:embed="rId4"/>
+          <a:stretch>
+            <a:fillRect/>
+          </a:stretch>
+        </p:blipFill>
+        <p:spPr>
+          <a:xfrm>
+            <a:off x="6553724" y="1052096"/>
+            <a:ext cx="4810796" cy="2610214"/>
+          </a:xfrm>
+          <a:prstGeom prst="rect">
+            <a:avLst/>
+          </a:prstGeom>
+        </p:spPr>
+      </p:pic>
       <p:cxnSp>
         <p:nvCxnSpPr>
-          <p:cNvPr id="4" name="직선 화살표 연결선 3"/>
+          <p:cNvPr id="7" name="직선 연결선 6"/>
           <p:cNvCxnSpPr/>
           <p:nvPr/>
         </p:nvCxnSpPr>
         <p:spPr>
-          <a:xfrm flipH="1">
-            <a:off x="3650105" y="1796109"/>
-            <a:ext cx="1041817" cy="0"/>
-          </a:xfrm>
-          <a:prstGeom prst="straightConnector1">
-            <a:avLst/>
-          </a:prstGeom>
-          <a:ln>
-            <a:tailEnd type="triangle"/>
-          </a:ln>
+          <a:xfrm>
+            <a:off x="487180" y="4661941"/>
+            <a:ext cx="1686394" cy="0"/>
+          </a:xfrm>
+          <a:prstGeom prst="line">
+            <a:avLst/>
+          </a:prstGeom>
         </p:spPr>
         <p:style>
-          <a:lnRef idx="1">
-            <a:schemeClr val="accent1"/>
+          <a:lnRef idx="3">
+            <a:schemeClr val="accent2"/>
           </a:lnRef>
           <a:fillRef idx="0">
-            <a:schemeClr val="accent1"/>
+            <a:schemeClr val="accent2"/>
           </a:fillRef>
-          <a:effectRef idx="0">
-            <a:schemeClr val="accent1"/>
+          <a:effectRef idx="2">
+            <a:schemeClr val="accent2"/>
           </a:effectRef>
           <a:fontRef idx="minor">
             <a:schemeClr val="tx1"/>
           </a:fontRef>
         </p:style>
       </p:cxnSp>
-      <p:sp>
-        <p:nvSpPr>
-          <p:cNvPr id="5" name="TextBox 4"/>
-          <p:cNvSpPr txBox="1"/>
-          <p:nvPr/>
-        </p:nvSpPr>
-        <p:spPr>
-          <a:xfrm>
-            <a:off x="4864307" y="1642220"/>
-            <a:ext cx="2823209" cy="307777"/>
-          </a:xfrm>
-          <a:prstGeom prst="rect">
-            <a:avLst/>
-          </a:prstGeom>
-          <a:noFill/>
-        </p:spPr>
-        <p:txBody>
-          <a:bodyPr wrap="none" rtlCol="0">
-            <a:spAutoFit/>
-          </a:bodyPr>
-          <a:lstStyle/>
-          <a:p>
-            <a:r>
-              <a:rPr lang="ko-KR" altLang="en-US" sz="1400" smtClean="0"/>
-              <a:t>홈페이지 등록이 </a:t>
-            </a:r>
-            <a:r>
-              <a:rPr lang="ko-KR" altLang="en-US" sz="1400" dirty="0" err="1" smtClean="0"/>
-              <a:t>안되어있는경우</a:t>
-            </a:r>
-            <a:endParaRPr lang="ko-KR" altLang="en-US" sz="1400" dirty="0"/>
-          </a:p>
-        </p:txBody>
-      </p:sp>
-      <p:sp>
-        <p:nvSpPr>
-          <p:cNvPr id="15" name="TextBox 14"/>
-          <p:cNvSpPr txBox="1"/>
-          <p:nvPr/>
-        </p:nvSpPr>
-        <p:spPr>
-          <a:xfrm>
-            <a:off x="4864307" y="2084430"/>
-            <a:ext cx="2643672" cy="307777"/>
-          </a:xfrm>
-          <a:prstGeom prst="rect">
-            <a:avLst/>
-          </a:prstGeom>
-          <a:noFill/>
-        </p:spPr>
-        <p:txBody>
-          <a:bodyPr wrap="none" rtlCol="0">
-            <a:spAutoFit/>
-          </a:bodyPr>
-          <a:lstStyle/>
-          <a:p>
-            <a:r>
-              <a:rPr lang="ko-KR" altLang="en-US" sz="1400" dirty="0" smtClean="0"/>
-              <a:t>홈페이지 등록이 </a:t>
-            </a:r>
-            <a:r>
-              <a:rPr lang="ko-KR" altLang="en-US" sz="1400" dirty="0" err="1" smtClean="0"/>
-              <a:t>되어있는경우</a:t>
-            </a:r>
-            <a:endParaRPr lang="ko-KR" altLang="en-US" sz="1400" dirty="0"/>
-          </a:p>
-        </p:txBody>
-      </p:sp>
       <p:cxnSp>
         <p:nvCxnSpPr>
-          <p:cNvPr id="17" name="직선 화살표 연결선 16"/>
+          <p:cNvPr id="10" name="직선 화살표 연결선 9"/>
           <p:cNvCxnSpPr/>
           <p:nvPr/>
         </p:nvCxnSpPr>
         <p:spPr>
-          <a:xfrm flipH="1">
-            <a:off x="4283439" y="2208338"/>
-            <a:ext cx="408484" cy="0"/>
+          <a:xfrm flipV="1">
+            <a:off x="487180" y="4774368"/>
+            <a:ext cx="0" cy="951875"/>
           </a:xfrm>
           <a:prstGeom prst="straightConnector1">
             <a:avLst/>
@@ -5404,10 +5030,399 @@
           </a:fontRef>
         </p:style>
       </p:cxnSp>
+      <p:sp>
+        <p:nvSpPr>
+          <p:cNvPr id="20" name="TextBox 19"/>
+          <p:cNvSpPr txBox="1"/>
+          <p:nvPr/>
+        </p:nvSpPr>
+        <p:spPr>
+          <a:xfrm>
+            <a:off x="215310" y="5838669"/>
+            <a:ext cx="965329" cy="307777"/>
+          </a:xfrm>
+          <a:prstGeom prst="rect">
+            <a:avLst/>
+          </a:prstGeom>
+          <a:noFill/>
+        </p:spPr>
+        <p:txBody>
+          <a:bodyPr wrap="none" rtlCol="0">
+            <a:spAutoFit/>
+          </a:bodyPr>
+          <a:lstStyle/>
+          <a:p>
+            <a:r>
+              <a:rPr lang="ko-KR" altLang="en-US" sz="1400" smtClean="0"/>
+              <a:t>태그 삭제</a:t>
+            </a:r>
+            <a:endParaRPr lang="ko-KR" altLang="en-US" sz="1400" dirty="0"/>
+          </a:p>
+        </p:txBody>
+      </p:sp>
+      <p:sp>
+        <p:nvSpPr>
+          <p:cNvPr id="23" name="TextBox 22"/>
+          <p:cNvSpPr txBox="1"/>
+          <p:nvPr/>
+        </p:nvSpPr>
+        <p:spPr>
+          <a:xfrm>
+            <a:off x="6620462" y="4661941"/>
+            <a:ext cx="1386918" cy="307777"/>
+          </a:xfrm>
+          <a:prstGeom prst="rect">
+            <a:avLst/>
+          </a:prstGeom>
+          <a:noFill/>
+        </p:spPr>
+        <p:txBody>
+          <a:bodyPr wrap="none" rtlCol="0">
+            <a:spAutoFit/>
+          </a:bodyPr>
+          <a:lstStyle/>
+          <a:p>
+            <a:r>
+              <a:rPr lang="ko-KR" altLang="en-US" sz="1400" smtClean="0"/>
+              <a:t>태그 위치 변경</a:t>
+            </a:r>
+            <a:endParaRPr lang="ko-KR" altLang="en-US" sz="1400" dirty="0"/>
+          </a:p>
+        </p:txBody>
+      </p:sp>
+      <p:cxnSp>
+        <p:nvCxnSpPr>
+          <p:cNvPr id="17" name="직선 화살표 연결선 16"/>
+          <p:cNvCxnSpPr/>
+          <p:nvPr/>
+        </p:nvCxnSpPr>
+        <p:spPr>
+          <a:xfrm flipV="1">
+            <a:off x="6980225" y="2905237"/>
+            <a:ext cx="0" cy="1626432"/>
+          </a:xfrm>
+          <a:prstGeom prst="straightConnector1">
+            <a:avLst/>
+          </a:prstGeom>
+          <a:ln>
+            <a:tailEnd type="triangle"/>
+          </a:ln>
+        </p:spPr>
+        <p:style>
+          <a:lnRef idx="1">
+            <a:schemeClr val="accent1"/>
+          </a:lnRef>
+          <a:fillRef idx="0">
+            <a:schemeClr val="accent1"/>
+          </a:fillRef>
+          <a:effectRef idx="0">
+            <a:schemeClr val="accent1"/>
+          </a:effectRef>
+          <a:fontRef idx="minor">
+            <a:schemeClr val="tx1"/>
+          </a:fontRef>
+        </p:style>
+      </p:cxnSp>
+      <p:sp>
+        <p:nvSpPr>
+          <p:cNvPr id="24" name="직사각형 23"/>
+          <p:cNvSpPr/>
+          <p:nvPr/>
+        </p:nvSpPr>
+        <p:spPr>
+          <a:xfrm>
+            <a:off x="0" y="6453266"/>
+            <a:ext cx="12192000" cy="404734"/>
+          </a:xfrm>
+          <a:prstGeom prst="rect">
+            <a:avLst/>
+          </a:prstGeom>
+        </p:spPr>
+        <p:style>
+          <a:lnRef idx="2">
+            <a:schemeClr val="accent1">
+              <a:shade val="50000"/>
+            </a:schemeClr>
+          </a:lnRef>
+          <a:fillRef idx="1">
+            <a:schemeClr val="accent1"/>
+          </a:fillRef>
+          <a:effectRef idx="0">
+            <a:schemeClr val="accent1"/>
+          </a:effectRef>
+          <a:fontRef idx="minor">
+            <a:schemeClr val="lt1"/>
+          </a:fontRef>
+        </p:style>
+        <p:txBody>
+          <a:bodyPr rtlCol="0" anchor="ctr"/>
+          <a:lstStyle/>
+          <a:p>
+            <a:pPr algn="ctr"/>
+            <a:r>
+              <a:rPr lang="ko-KR" altLang="en-US" dirty="0" smtClean="0"/>
+              <a:t>아래에서 계속</a:t>
+            </a:r>
+            <a:endParaRPr lang="ko-KR" altLang="en-US" dirty="0"/>
+          </a:p>
+        </p:txBody>
+      </p:sp>
     </p:spTree>
     <p:extLst>
       <p:ext uri="{BB962C8B-B14F-4D97-AF65-F5344CB8AC3E}">
-        <p14:creationId xmlns:p14="http://schemas.microsoft.com/office/powerpoint/2010/main" val="4128144588"/>
+        <p14:creationId xmlns:p14="http://schemas.microsoft.com/office/powerpoint/2010/main" val="1957811728"/>
+      </p:ext>
+    </p:extLst>
+  </p:cSld>
+  <p:clrMapOvr>
+    <a:masterClrMapping/>
+  </p:clrMapOvr>
+</p:sld>
+</file>
+
+<file path=ppt/slides/slide19.xml><?xml version="1.0" encoding="utf-8"?>
+<p:sld xmlns:a="http://schemas.openxmlformats.org/drawingml/2006/main" xmlns:r="http://schemas.openxmlformats.org/officeDocument/2006/relationships" xmlns:p="http://schemas.openxmlformats.org/presentationml/2006/main">
+  <p:cSld>
+    <p:spTree>
+      <p:nvGrpSpPr>
+        <p:cNvPr id="1" name=""/>
+        <p:cNvGrpSpPr/>
+        <p:nvPr/>
+      </p:nvGrpSpPr>
+      <p:grpSpPr>
+        <a:xfrm>
+          <a:off x="0" y="0"/>
+          <a:ext cx="0" cy="0"/>
+          <a:chOff x="0" y="0"/>
+          <a:chExt cx="0" cy="0"/>
+        </a:xfrm>
+      </p:grpSpPr>
+      <p:pic>
+        <p:nvPicPr>
+          <p:cNvPr id="4" name="그림 3"/>
+          <p:cNvPicPr>
+            <a:picLocks noChangeAspect="1"/>
+          </p:cNvPicPr>
+          <p:nvPr/>
+        </p:nvPicPr>
+        <p:blipFill>
+          <a:blip r:embed="rId2"/>
+          <a:stretch>
+            <a:fillRect/>
+          </a:stretch>
+        </p:blipFill>
+        <p:spPr>
+          <a:xfrm>
+            <a:off x="663282" y="939817"/>
+            <a:ext cx="3820058" cy="3839111"/>
+          </a:xfrm>
+          <a:prstGeom prst="rect">
+            <a:avLst/>
+          </a:prstGeom>
+        </p:spPr>
+      </p:pic>
+      <p:pic>
+        <p:nvPicPr>
+          <p:cNvPr id="6" name="그림 5"/>
+          <p:cNvPicPr>
+            <a:picLocks noChangeAspect="1"/>
+          </p:cNvPicPr>
+          <p:nvPr/>
+        </p:nvPicPr>
+        <p:blipFill>
+          <a:blip r:embed="rId3"/>
+          <a:stretch>
+            <a:fillRect/>
+          </a:stretch>
+        </p:blipFill>
+        <p:spPr>
+          <a:xfrm>
+            <a:off x="6226246" y="892185"/>
+            <a:ext cx="4191585" cy="3934374"/>
+          </a:xfrm>
+          <a:prstGeom prst="rect">
+            <a:avLst/>
+          </a:prstGeom>
+        </p:spPr>
+      </p:pic>
+      <p:cxnSp>
+        <p:nvCxnSpPr>
+          <p:cNvPr id="9" name="직선 화살표 연결선 8"/>
+          <p:cNvCxnSpPr/>
+          <p:nvPr/>
+        </p:nvCxnSpPr>
+        <p:spPr>
+          <a:xfrm flipV="1">
+            <a:off x="8904157" y="2653259"/>
+            <a:ext cx="0" cy="2900597"/>
+          </a:xfrm>
+          <a:prstGeom prst="straightConnector1">
+            <a:avLst/>
+          </a:prstGeom>
+          <a:ln>
+            <a:tailEnd type="triangle"/>
+          </a:ln>
+        </p:spPr>
+        <p:style>
+          <a:lnRef idx="1">
+            <a:schemeClr val="accent1"/>
+          </a:lnRef>
+          <a:fillRef idx="0">
+            <a:schemeClr val="accent1"/>
+          </a:fillRef>
+          <a:effectRef idx="0">
+            <a:schemeClr val="accent1"/>
+          </a:effectRef>
+          <a:fontRef idx="minor">
+            <a:schemeClr val="tx1"/>
+          </a:fontRef>
+        </p:style>
+      </p:cxnSp>
+      <p:sp>
+        <p:nvSpPr>
+          <p:cNvPr id="18" name="TextBox 17"/>
+          <p:cNvSpPr txBox="1"/>
+          <p:nvPr/>
+        </p:nvSpPr>
+        <p:spPr>
+          <a:xfrm>
+            <a:off x="8042382" y="5748728"/>
+            <a:ext cx="1723549" cy="307777"/>
+          </a:xfrm>
+          <a:prstGeom prst="rect">
+            <a:avLst/>
+          </a:prstGeom>
+          <a:noFill/>
+        </p:spPr>
+        <p:txBody>
+          <a:bodyPr wrap="none" rtlCol="0">
+            <a:spAutoFit/>
+          </a:bodyPr>
+          <a:lstStyle/>
+          <a:p>
+            <a:r>
+              <a:rPr lang="ko-KR" altLang="en-US" sz="1400" dirty="0" smtClean="0"/>
+              <a:t>공백을 줄였습니다</a:t>
+            </a:r>
+            <a:r>
+              <a:rPr lang="en-US" altLang="ko-KR" sz="1400" dirty="0" smtClean="0"/>
+              <a:t>.</a:t>
+            </a:r>
+            <a:endParaRPr lang="ko-KR" altLang="en-US" sz="1400" dirty="0"/>
+          </a:p>
+        </p:txBody>
+      </p:sp>
+      <p:cxnSp>
+        <p:nvCxnSpPr>
+          <p:cNvPr id="19" name="직선 화살표 연결선 18"/>
+          <p:cNvCxnSpPr/>
+          <p:nvPr/>
+        </p:nvCxnSpPr>
+        <p:spPr>
+          <a:xfrm flipV="1">
+            <a:off x="1216701" y="2933075"/>
+            <a:ext cx="0" cy="2900597"/>
+          </a:xfrm>
+          <a:prstGeom prst="straightConnector1">
+            <a:avLst/>
+          </a:prstGeom>
+          <a:ln>
+            <a:tailEnd type="triangle"/>
+          </a:ln>
+        </p:spPr>
+        <p:style>
+          <a:lnRef idx="1">
+            <a:schemeClr val="accent1"/>
+          </a:lnRef>
+          <a:fillRef idx="0">
+            <a:schemeClr val="accent1"/>
+          </a:fillRef>
+          <a:effectRef idx="0">
+            <a:schemeClr val="accent1"/>
+          </a:effectRef>
+          <a:fontRef idx="minor">
+            <a:schemeClr val="tx1"/>
+          </a:fontRef>
+        </p:style>
+      </p:cxnSp>
+      <p:sp>
+        <p:nvSpPr>
+          <p:cNvPr id="21" name="TextBox 20"/>
+          <p:cNvSpPr txBox="1"/>
+          <p:nvPr/>
+        </p:nvSpPr>
+        <p:spPr>
+          <a:xfrm>
+            <a:off x="579779" y="5914098"/>
+            <a:ext cx="5917004" cy="697050"/>
+          </a:xfrm>
+          <a:prstGeom prst="rect">
+            <a:avLst/>
+          </a:prstGeom>
+          <a:noFill/>
+        </p:spPr>
+        <p:txBody>
+          <a:bodyPr wrap="none" rtlCol="0">
+            <a:spAutoFit/>
+          </a:bodyPr>
+          <a:lstStyle/>
+          <a:p>
+            <a:pPr>
+              <a:lnSpc>
+                <a:spcPct val="150000"/>
+              </a:lnSpc>
+            </a:pPr>
+            <a:r>
+              <a:rPr lang="ko-KR" altLang="en-US" sz="1400" dirty="0" smtClean="0"/>
+              <a:t>가로 크기에 따라 </a:t>
+            </a:r>
+            <a:r>
+              <a:rPr lang="ko-KR" altLang="en-US" sz="1400" dirty="0" err="1" smtClean="0"/>
+              <a:t>달라질수</a:t>
+            </a:r>
+            <a:r>
+              <a:rPr lang="ko-KR" altLang="en-US" sz="1400" dirty="0" smtClean="0"/>
+              <a:t> </a:t>
+            </a:r>
+            <a:r>
+              <a:rPr lang="ko-KR" altLang="en-US" sz="1400" dirty="0" err="1" smtClean="0"/>
+              <a:t>있는부분이라</a:t>
+            </a:r>
+            <a:r>
+              <a:rPr lang="en-US" altLang="ko-KR" sz="1400" dirty="0" smtClean="0"/>
+              <a:t>.</a:t>
+            </a:r>
+          </a:p>
+          <a:p>
+            <a:pPr>
+              <a:lnSpc>
+                <a:spcPct val="150000"/>
+              </a:lnSpc>
+            </a:pPr>
+            <a:r>
+              <a:rPr lang="ko-KR" altLang="en-US" sz="1400" dirty="0" smtClean="0"/>
+              <a:t>너무 보기가 싫으면</a:t>
+            </a:r>
+            <a:r>
+              <a:rPr lang="en-US" altLang="ko-KR" sz="1400" dirty="0" smtClean="0"/>
+              <a:t>, </a:t>
+            </a:r>
+            <a:r>
+              <a:rPr lang="ko-KR" altLang="en-US" sz="1400" dirty="0" smtClean="0"/>
+              <a:t>글자 수를 좀 줄이는 방법으로 해결할 수 있습니다</a:t>
+            </a:r>
+            <a:r>
+              <a:rPr lang="en-US" altLang="ko-KR" sz="1400" dirty="0" smtClean="0"/>
+              <a:t>.</a:t>
+            </a:r>
+            <a:endParaRPr lang="ko-KR" altLang="en-US" sz="1400" dirty="0"/>
+          </a:p>
+        </p:txBody>
+      </p:sp>
+    </p:spTree>
+    <p:extLst>
+      <p:ext uri="{BB962C8B-B14F-4D97-AF65-F5344CB8AC3E}">
+        <p14:creationId xmlns:p14="http://schemas.microsoft.com/office/powerpoint/2010/main" val="281238954"/>
       </p:ext>
     </p:extLst>
   </p:cSld>
@@ -5542,6 +5557,559 @@
     <p:extLst>
       <p:ext uri="{BB962C8B-B14F-4D97-AF65-F5344CB8AC3E}">
         <p14:creationId xmlns:p14="http://schemas.microsoft.com/office/powerpoint/2010/main" val="2918594444"/>
+      </p:ext>
+    </p:extLst>
+  </p:cSld>
+  <p:clrMapOvr>
+    <a:masterClrMapping/>
+  </p:clrMapOvr>
+</p:sld>
+</file>
+
+<file path=ppt/slides/slide20.xml><?xml version="1.0" encoding="utf-8"?>
+<p:sld xmlns:a="http://schemas.openxmlformats.org/drawingml/2006/main" xmlns:r="http://schemas.openxmlformats.org/officeDocument/2006/relationships" xmlns:p="http://schemas.openxmlformats.org/presentationml/2006/main">
+  <p:cSld>
+    <p:spTree>
+      <p:nvGrpSpPr>
+        <p:cNvPr id="1" name=""/>
+        <p:cNvGrpSpPr/>
+        <p:nvPr/>
+      </p:nvGrpSpPr>
+      <p:grpSpPr>
+        <a:xfrm>
+          <a:off x="0" y="0"/>
+          <a:ext cx="0" cy="0"/>
+          <a:chOff x="0" y="0"/>
+          <a:chExt cx="0" cy="0"/>
+        </a:xfrm>
+      </p:grpSpPr>
+      <p:pic>
+        <p:nvPicPr>
+          <p:cNvPr id="11" name="그림 10"/>
+          <p:cNvPicPr>
+            <a:picLocks noChangeAspect="1"/>
+          </p:cNvPicPr>
+          <p:nvPr/>
+        </p:nvPicPr>
+        <p:blipFill>
+          <a:blip r:embed="rId2"/>
+          <a:stretch>
+            <a:fillRect/>
+          </a:stretch>
+        </p:blipFill>
+        <p:spPr>
+          <a:xfrm>
+            <a:off x="487180" y="814080"/>
+            <a:ext cx="4267796" cy="3820058"/>
+          </a:xfrm>
+          <a:prstGeom prst="rect">
+            <a:avLst/>
+          </a:prstGeom>
+        </p:spPr>
+      </p:pic>
+      <p:sp>
+        <p:nvSpPr>
+          <p:cNvPr id="16" name="TextBox 15"/>
+          <p:cNvSpPr txBox="1"/>
+          <p:nvPr/>
+        </p:nvSpPr>
+        <p:spPr>
+          <a:xfrm>
+            <a:off x="487180" y="252119"/>
+            <a:ext cx="1821332" cy="369332"/>
+          </a:xfrm>
+          <a:prstGeom prst="rect">
+            <a:avLst/>
+          </a:prstGeom>
+          <a:noFill/>
+        </p:spPr>
+        <p:txBody>
+          <a:bodyPr wrap="none" rtlCol="0">
+            <a:spAutoFit/>
+          </a:bodyPr>
+          <a:lstStyle/>
+          <a:p>
+            <a:r>
+              <a:rPr lang="en-US" altLang="ko-KR" dirty="0"/>
+              <a:t>UI-SJN-32-010L</a:t>
+            </a:r>
+          </a:p>
+        </p:txBody>
+      </p:sp>
+      <p:sp>
+        <p:nvSpPr>
+          <p:cNvPr id="20" name="TextBox 19"/>
+          <p:cNvSpPr txBox="1"/>
+          <p:nvPr/>
+        </p:nvSpPr>
+        <p:spPr>
+          <a:xfrm>
+            <a:off x="5182205" y="2679252"/>
+            <a:ext cx="1566454" cy="307777"/>
+          </a:xfrm>
+          <a:prstGeom prst="rect">
+            <a:avLst/>
+          </a:prstGeom>
+          <a:noFill/>
+        </p:spPr>
+        <p:txBody>
+          <a:bodyPr wrap="none" rtlCol="0">
+            <a:spAutoFit/>
+          </a:bodyPr>
+          <a:lstStyle/>
+          <a:p>
+            <a:r>
+              <a:rPr lang="ko-KR" altLang="en-US" sz="1400" dirty="0" smtClean="0"/>
+              <a:t>버튼 태그로 변경</a:t>
+            </a:r>
+            <a:endParaRPr lang="ko-KR" altLang="en-US" sz="1400" dirty="0"/>
+          </a:p>
+        </p:txBody>
+      </p:sp>
+      <p:cxnSp>
+        <p:nvCxnSpPr>
+          <p:cNvPr id="8" name="직선 화살표 연결선 7"/>
+          <p:cNvCxnSpPr/>
+          <p:nvPr/>
+        </p:nvCxnSpPr>
+        <p:spPr>
+          <a:xfrm flipH="1">
+            <a:off x="2960557" y="2833141"/>
+            <a:ext cx="2038662" cy="0"/>
+          </a:xfrm>
+          <a:prstGeom prst="straightConnector1">
+            <a:avLst/>
+          </a:prstGeom>
+          <a:ln>
+            <a:tailEnd type="triangle"/>
+          </a:ln>
+        </p:spPr>
+        <p:style>
+          <a:lnRef idx="1">
+            <a:schemeClr val="accent1"/>
+          </a:lnRef>
+          <a:fillRef idx="0">
+            <a:schemeClr val="accent1"/>
+          </a:fillRef>
+          <a:effectRef idx="0">
+            <a:schemeClr val="accent1"/>
+          </a:effectRef>
+          <a:fontRef idx="minor">
+            <a:schemeClr val="tx1"/>
+          </a:fontRef>
+        </p:style>
+      </p:cxnSp>
+      <p:pic>
+        <p:nvPicPr>
+          <p:cNvPr id="12" name="그림 11"/>
+          <p:cNvPicPr>
+            <a:picLocks noChangeAspect="1"/>
+          </p:cNvPicPr>
+          <p:nvPr/>
+        </p:nvPicPr>
+        <p:blipFill>
+          <a:blip r:embed="rId3"/>
+          <a:stretch>
+            <a:fillRect/>
+          </a:stretch>
+        </p:blipFill>
+        <p:spPr>
+          <a:xfrm>
+            <a:off x="7228353" y="814080"/>
+            <a:ext cx="4115374" cy="3848637"/>
+          </a:xfrm>
+          <a:prstGeom prst="rect">
+            <a:avLst/>
+          </a:prstGeom>
+        </p:spPr>
+      </p:pic>
+      <p:cxnSp>
+        <p:nvCxnSpPr>
+          <p:cNvPr id="14" name="직선 화살표 연결선 13"/>
+          <p:cNvCxnSpPr/>
+          <p:nvPr/>
+        </p:nvCxnSpPr>
+        <p:spPr>
+          <a:xfrm flipV="1">
+            <a:off x="10747948" y="2518348"/>
+            <a:ext cx="0" cy="2623278"/>
+          </a:xfrm>
+          <a:prstGeom prst="straightConnector1">
+            <a:avLst/>
+          </a:prstGeom>
+          <a:ln>
+            <a:tailEnd type="triangle"/>
+          </a:ln>
+        </p:spPr>
+        <p:style>
+          <a:lnRef idx="1">
+            <a:schemeClr val="accent1"/>
+          </a:lnRef>
+          <a:fillRef idx="0">
+            <a:schemeClr val="accent1"/>
+          </a:fillRef>
+          <a:effectRef idx="0">
+            <a:schemeClr val="accent1"/>
+          </a:effectRef>
+          <a:fontRef idx="minor">
+            <a:schemeClr val="tx1"/>
+          </a:fontRef>
+        </p:style>
+      </p:cxnSp>
+      <p:sp>
+        <p:nvSpPr>
+          <p:cNvPr id="19" name="TextBox 18"/>
+          <p:cNvSpPr txBox="1"/>
+          <p:nvPr/>
+        </p:nvSpPr>
+        <p:spPr>
+          <a:xfrm>
+            <a:off x="8152756" y="5342505"/>
+            <a:ext cx="2294218" cy="307777"/>
+          </a:xfrm>
+          <a:prstGeom prst="rect">
+            <a:avLst/>
+          </a:prstGeom>
+          <a:noFill/>
+        </p:spPr>
+        <p:txBody>
+          <a:bodyPr wrap="none" rtlCol="0">
+            <a:spAutoFit/>
+          </a:bodyPr>
+          <a:lstStyle/>
+          <a:p>
+            <a:r>
+              <a:rPr lang="en-US" altLang="ko-KR" sz="1400" dirty="0" smtClean="0"/>
+              <a:t>[</a:t>
+            </a:r>
+            <a:r>
+              <a:rPr lang="ko-KR" altLang="en-US" sz="1400" dirty="0" smtClean="0"/>
+              <a:t>공통</a:t>
+            </a:r>
+            <a:r>
+              <a:rPr lang="en-US" altLang="ko-KR" sz="1400" dirty="0" smtClean="0"/>
+              <a:t>] </a:t>
+            </a:r>
+            <a:r>
+              <a:rPr lang="ko-KR" altLang="en-US" sz="1400" dirty="0" smtClean="0"/>
+              <a:t>그림자 넣었습니다</a:t>
+            </a:r>
+            <a:r>
+              <a:rPr lang="en-US" altLang="ko-KR" sz="1400" dirty="0" smtClean="0"/>
+              <a:t>.</a:t>
+            </a:r>
+            <a:endParaRPr lang="ko-KR" altLang="en-US" sz="1400" dirty="0"/>
+          </a:p>
+        </p:txBody>
+      </p:sp>
+      <p:sp>
+        <p:nvSpPr>
+          <p:cNvPr id="10" name="TextBox 9"/>
+          <p:cNvSpPr txBox="1"/>
+          <p:nvPr/>
+        </p:nvSpPr>
+        <p:spPr>
+          <a:xfrm>
+            <a:off x="5182205" y="5265055"/>
+            <a:ext cx="1324402" cy="307777"/>
+          </a:xfrm>
+          <a:prstGeom prst="rect">
+            <a:avLst/>
+          </a:prstGeom>
+          <a:noFill/>
+        </p:spPr>
+        <p:txBody>
+          <a:bodyPr wrap="none" rtlCol="0">
+            <a:spAutoFit/>
+          </a:bodyPr>
+          <a:lstStyle/>
+          <a:p>
+            <a:r>
+              <a:rPr lang="ko-KR" altLang="en-US" sz="1400" dirty="0" smtClean="0"/>
+              <a:t>비활성화 추가</a:t>
+            </a:r>
+            <a:endParaRPr lang="ko-KR" altLang="en-US" sz="1400" dirty="0"/>
+          </a:p>
+        </p:txBody>
+      </p:sp>
+      <p:cxnSp>
+        <p:nvCxnSpPr>
+          <p:cNvPr id="6" name="직선 화살표 연결선 5"/>
+          <p:cNvCxnSpPr/>
+          <p:nvPr/>
+        </p:nvCxnSpPr>
+        <p:spPr>
+          <a:xfrm flipH="1">
+            <a:off x="4219731" y="5442611"/>
+            <a:ext cx="779488" cy="0"/>
+          </a:xfrm>
+          <a:prstGeom prst="straightConnector1">
+            <a:avLst/>
+          </a:prstGeom>
+          <a:ln>
+            <a:tailEnd type="triangle"/>
+          </a:ln>
+        </p:spPr>
+        <p:style>
+          <a:lnRef idx="1">
+            <a:schemeClr val="accent1"/>
+          </a:lnRef>
+          <a:fillRef idx="0">
+            <a:schemeClr val="accent1"/>
+          </a:fillRef>
+          <a:effectRef idx="0">
+            <a:schemeClr val="accent1"/>
+          </a:effectRef>
+          <a:fontRef idx="minor">
+            <a:schemeClr val="tx1"/>
+          </a:fontRef>
+        </p:style>
+      </p:cxnSp>
+      <p:pic>
+        <p:nvPicPr>
+          <p:cNvPr id="3" name="그림 2"/>
+          <p:cNvPicPr>
+            <a:picLocks noChangeAspect="1"/>
+          </p:cNvPicPr>
+          <p:nvPr/>
+        </p:nvPicPr>
+        <p:blipFill>
+          <a:blip r:embed="rId4"/>
+          <a:stretch>
+            <a:fillRect/>
+          </a:stretch>
+        </p:blipFill>
+        <p:spPr>
+          <a:xfrm>
+            <a:off x="1397846" y="5141626"/>
+            <a:ext cx="2362530" cy="504895"/>
+          </a:xfrm>
+          <a:prstGeom prst="rect">
+            <a:avLst/>
+          </a:prstGeom>
+        </p:spPr>
+      </p:pic>
+    </p:spTree>
+    <p:extLst>
+      <p:ext uri="{BB962C8B-B14F-4D97-AF65-F5344CB8AC3E}">
+        <p14:creationId xmlns:p14="http://schemas.microsoft.com/office/powerpoint/2010/main" val="3360706840"/>
+      </p:ext>
+    </p:extLst>
+  </p:cSld>
+  <p:clrMapOvr>
+    <a:masterClrMapping/>
+  </p:clrMapOvr>
+</p:sld>
+</file>
+
+<file path=ppt/slides/slide21.xml><?xml version="1.0" encoding="utf-8"?>
+<p:sld xmlns:a="http://schemas.openxmlformats.org/drawingml/2006/main" xmlns:r="http://schemas.openxmlformats.org/officeDocument/2006/relationships" xmlns:p="http://schemas.openxmlformats.org/presentationml/2006/main">
+  <p:cSld>
+    <p:spTree>
+      <p:nvGrpSpPr>
+        <p:cNvPr id="1" name=""/>
+        <p:cNvGrpSpPr/>
+        <p:nvPr/>
+      </p:nvGrpSpPr>
+      <p:grpSpPr>
+        <a:xfrm>
+          <a:off x="0" y="0"/>
+          <a:ext cx="0" cy="0"/>
+          <a:chOff x="0" y="0"/>
+          <a:chExt cx="0" cy="0"/>
+        </a:xfrm>
+      </p:grpSpPr>
+      <p:pic>
+        <p:nvPicPr>
+          <p:cNvPr id="6" name="그림 5"/>
+          <p:cNvPicPr>
+            <a:picLocks noChangeAspect="1"/>
+          </p:cNvPicPr>
+          <p:nvPr/>
+        </p:nvPicPr>
+        <p:blipFill>
+          <a:blip r:embed="rId2"/>
+          <a:stretch>
+            <a:fillRect/>
+          </a:stretch>
+        </p:blipFill>
+        <p:spPr>
+          <a:xfrm>
+            <a:off x="596750" y="1028142"/>
+            <a:ext cx="3686689" cy="1905266"/>
+          </a:xfrm>
+          <a:prstGeom prst="rect">
+            <a:avLst/>
+          </a:prstGeom>
+        </p:spPr>
+      </p:pic>
+      <p:sp>
+        <p:nvSpPr>
+          <p:cNvPr id="16" name="TextBox 15"/>
+          <p:cNvSpPr txBox="1"/>
+          <p:nvPr/>
+        </p:nvSpPr>
+        <p:spPr>
+          <a:xfrm>
+            <a:off x="487180" y="252119"/>
+            <a:ext cx="1821332" cy="369332"/>
+          </a:xfrm>
+          <a:prstGeom prst="rect">
+            <a:avLst/>
+          </a:prstGeom>
+          <a:noFill/>
+        </p:spPr>
+        <p:txBody>
+          <a:bodyPr wrap="none" rtlCol="0">
+            <a:spAutoFit/>
+          </a:bodyPr>
+          <a:lstStyle/>
+          <a:p>
+            <a:r>
+              <a:rPr lang="en-US" altLang="ko-KR" dirty="0"/>
+              <a:t>UI-SJN-23-002L</a:t>
+            </a:r>
+          </a:p>
+        </p:txBody>
+      </p:sp>
+      <p:cxnSp>
+        <p:nvCxnSpPr>
+          <p:cNvPr id="4" name="직선 화살표 연결선 3"/>
+          <p:cNvCxnSpPr/>
+          <p:nvPr/>
+        </p:nvCxnSpPr>
+        <p:spPr>
+          <a:xfrm flipH="1">
+            <a:off x="3650105" y="1796109"/>
+            <a:ext cx="1041817" cy="0"/>
+          </a:xfrm>
+          <a:prstGeom prst="straightConnector1">
+            <a:avLst/>
+          </a:prstGeom>
+          <a:ln>
+            <a:tailEnd type="triangle"/>
+          </a:ln>
+        </p:spPr>
+        <p:style>
+          <a:lnRef idx="1">
+            <a:schemeClr val="accent1"/>
+          </a:lnRef>
+          <a:fillRef idx="0">
+            <a:schemeClr val="accent1"/>
+          </a:fillRef>
+          <a:effectRef idx="0">
+            <a:schemeClr val="accent1"/>
+          </a:effectRef>
+          <a:fontRef idx="minor">
+            <a:schemeClr val="tx1"/>
+          </a:fontRef>
+        </p:style>
+      </p:cxnSp>
+      <p:sp>
+        <p:nvSpPr>
+          <p:cNvPr id="5" name="TextBox 4"/>
+          <p:cNvSpPr txBox="1"/>
+          <p:nvPr/>
+        </p:nvSpPr>
+        <p:spPr>
+          <a:xfrm>
+            <a:off x="4864307" y="1642220"/>
+            <a:ext cx="2823209" cy="307777"/>
+          </a:xfrm>
+          <a:prstGeom prst="rect">
+            <a:avLst/>
+          </a:prstGeom>
+          <a:noFill/>
+        </p:spPr>
+        <p:txBody>
+          <a:bodyPr wrap="none" rtlCol="0">
+            <a:spAutoFit/>
+          </a:bodyPr>
+          <a:lstStyle/>
+          <a:p>
+            <a:r>
+              <a:rPr lang="ko-KR" altLang="en-US" sz="1400" smtClean="0"/>
+              <a:t>홈페이지 등록이 </a:t>
+            </a:r>
+            <a:r>
+              <a:rPr lang="ko-KR" altLang="en-US" sz="1400" dirty="0" err="1" smtClean="0"/>
+              <a:t>안되어있는경우</a:t>
+            </a:r>
+            <a:endParaRPr lang="ko-KR" altLang="en-US" sz="1400" dirty="0"/>
+          </a:p>
+        </p:txBody>
+      </p:sp>
+      <p:sp>
+        <p:nvSpPr>
+          <p:cNvPr id="15" name="TextBox 14"/>
+          <p:cNvSpPr txBox="1"/>
+          <p:nvPr/>
+        </p:nvSpPr>
+        <p:spPr>
+          <a:xfrm>
+            <a:off x="4864307" y="2084430"/>
+            <a:ext cx="2643672" cy="307777"/>
+          </a:xfrm>
+          <a:prstGeom prst="rect">
+            <a:avLst/>
+          </a:prstGeom>
+          <a:noFill/>
+        </p:spPr>
+        <p:txBody>
+          <a:bodyPr wrap="none" rtlCol="0">
+            <a:spAutoFit/>
+          </a:bodyPr>
+          <a:lstStyle/>
+          <a:p>
+            <a:r>
+              <a:rPr lang="ko-KR" altLang="en-US" sz="1400" dirty="0" smtClean="0"/>
+              <a:t>홈페이지 등록이 </a:t>
+            </a:r>
+            <a:r>
+              <a:rPr lang="ko-KR" altLang="en-US" sz="1400" dirty="0" err="1" smtClean="0"/>
+              <a:t>되어있는경우</a:t>
+            </a:r>
+            <a:endParaRPr lang="ko-KR" altLang="en-US" sz="1400" dirty="0"/>
+          </a:p>
+        </p:txBody>
+      </p:sp>
+      <p:cxnSp>
+        <p:nvCxnSpPr>
+          <p:cNvPr id="17" name="직선 화살표 연결선 16"/>
+          <p:cNvCxnSpPr/>
+          <p:nvPr/>
+        </p:nvCxnSpPr>
+        <p:spPr>
+          <a:xfrm flipH="1">
+            <a:off x="4283439" y="2208338"/>
+            <a:ext cx="408484" cy="0"/>
+          </a:xfrm>
+          <a:prstGeom prst="straightConnector1">
+            <a:avLst/>
+          </a:prstGeom>
+          <a:ln>
+            <a:tailEnd type="triangle"/>
+          </a:ln>
+        </p:spPr>
+        <p:style>
+          <a:lnRef idx="1">
+            <a:schemeClr val="accent1"/>
+          </a:lnRef>
+          <a:fillRef idx="0">
+            <a:schemeClr val="accent1"/>
+          </a:fillRef>
+          <a:effectRef idx="0">
+            <a:schemeClr val="accent1"/>
+          </a:effectRef>
+          <a:fontRef idx="minor">
+            <a:schemeClr val="tx1"/>
+          </a:fontRef>
+        </p:style>
+      </p:cxnSp>
+    </p:spTree>
+    <p:extLst>
+      <p:ext uri="{BB962C8B-B14F-4D97-AF65-F5344CB8AC3E}">
+        <p14:creationId xmlns:p14="http://schemas.microsoft.com/office/powerpoint/2010/main" val="4128144588"/>
       </p:ext>
     </p:extLst>
   </p:cSld>
@@ -5696,7 +6264,6 @@
               <a:rPr lang="en-US" altLang="ko-KR" dirty="0"/>
               <a:t>UI-SJN-01-001U</a:t>
             </a:r>
-            <a:endParaRPr lang="en-US" altLang="ko-KR" dirty="0"/>
           </a:p>
         </p:txBody>
       </p:sp>
@@ -6337,6 +6904,30 @@
           </a:p>
         </p:txBody>
       </p:sp>
+      <p:pic>
+        <p:nvPicPr>
+          <p:cNvPr id="5" name="그림 4"/>
+          <p:cNvPicPr>
+            <a:picLocks noChangeAspect="1"/>
+          </p:cNvPicPr>
+          <p:nvPr/>
+        </p:nvPicPr>
+        <p:blipFill>
+          <a:blip r:embed="rId6"/>
+          <a:stretch>
+            <a:fillRect/>
+          </a:stretch>
+        </p:blipFill>
+        <p:spPr>
+          <a:xfrm>
+            <a:off x="6753068" y="4073931"/>
+            <a:ext cx="2838846" cy="523948"/>
+          </a:xfrm>
+          <a:prstGeom prst="rect">
+            <a:avLst/>
+          </a:prstGeom>
+        </p:spPr>
+      </p:pic>
     </p:spTree>
     <p:extLst>
       <p:ext uri="{BB962C8B-B14F-4D97-AF65-F5344CB8AC3E}">
@@ -6504,7 +7095,6 @@
               <a:rPr lang="en-US" altLang="ko-KR" dirty="0"/>
               <a:t>UI-SJN-03-001U</a:t>
             </a:r>
-            <a:endParaRPr lang="en-US" altLang="ko-KR" dirty="0"/>
           </a:p>
         </p:txBody>
       </p:sp>

--- a/ppt/04-02.pptx
+++ b/ppt/04-02.pptx
@@ -17,15 +17,17 @@
     <p:sldId id="276" r:id="rId11"/>
     <p:sldId id="279" r:id="rId12"/>
     <p:sldId id="277" r:id="rId13"/>
-    <p:sldId id="268" r:id="rId14"/>
-    <p:sldId id="259" r:id="rId15"/>
-    <p:sldId id="260" r:id="rId16"/>
-    <p:sldId id="261" r:id="rId17"/>
-    <p:sldId id="262" r:id="rId18"/>
-    <p:sldId id="263" r:id="rId19"/>
-    <p:sldId id="267" r:id="rId20"/>
-    <p:sldId id="264" r:id="rId21"/>
-    <p:sldId id="266" r:id="rId22"/>
+    <p:sldId id="280" r:id="rId14"/>
+    <p:sldId id="281" r:id="rId15"/>
+    <p:sldId id="268" r:id="rId16"/>
+    <p:sldId id="259" r:id="rId17"/>
+    <p:sldId id="260" r:id="rId18"/>
+    <p:sldId id="261" r:id="rId19"/>
+    <p:sldId id="262" r:id="rId20"/>
+    <p:sldId id="263" r:id="rId21"/>
+    <p:sldId id="267" r:id="rId22"/>
+    <p:sldId id="264" r:id="rId23"/>
+    <p:sldId id="266" r:id="rId24"/>
   </p:sldIdLst>
   <p:sldSz cx="12192000" cy="6858000"/>
   <p:notesSz cx="6858000" cy="9144000"/>
@@ -3440,7 +3442,6 @@
               <a:rPr lang="en-US" altLang="ko-KR" dirty="0"/>
               <a:t>UI-SJN-07-001P</a:t>
             </a:r>
-            <a:endParaRPr lang="en-US" altLang="ko-KR" dirty="0"/>
           </a:p>
         </p:txBody>
       </p:sp>
@@ -3957,14 +3958,68 @@
       </p:grpSpPr>
       <p:sp>
         <p:nvSpPr>
-          <p:cNvPr id="3" name="직사각형 2"/>
+          <p:cNvPr id="7" name="TextBox 6"/>
+          <p:cNvSpPr txBox="1"/>
+          <p:nvPr/>
+        </p:nvSpPr>
+        <p:spPr>
+          <a:xfrm>
+            <a:off x="487180" y="252119"/>
+            <a:ext cx="1872629" cy="369332"/>
+          </a:xfrm>
+          <a:prstGeom prst="rect">
+            <a:avLst/>
+          </a:prstGeom>
+          <a:noFill/>
+        </p:spPr>
+        <p:txBody>
+          <a:bodyPr wrap="none" rtlCol="0">
+            <a:spAutoFit/>
+          </a:bodyPr>
+          <a:lstStyle/>
+          <a:p>
+            <a:r>
+              <a:rPr lang="en-US" altLang="ko-KR" dirty="0"/>
+              <a:t>UI-SJN-80-001U</a:t>
+            </a:r>
+            <a:endParaRPr lang="en-US" altLang="ko-KR" dirty="0"/>
+          </a:p>
+        </p:txBody>
+      </p:sp>
+      <p:pic>
+        <p:nvPicPr>
+          <p:cNvPr id="4" name="그림 3"/>
+          <p:cNvPicPr>
+            <a:picLocks noChangeAspect="1"/>
+          </p:cNvPicPr>
+          <p:nvPr/>
+        </p:nvPicPr>
+        <p:blipFill>
+          <a:blip r:embed="rId2"/>
+          <a:stretch>
+            <a:fillRect/>
+          </a:stretch>
+        </p:blipFill>
+        <p:spPr>
+          <a:xfrm>
+            <a:off x="547443" y="757003"/>
+            <a:ext cx="4891899" cy="5069043"/>
+          </a:xfrm>
+          <a:prstGeom prst="rect">
+            <a:avLst/>
+          </a:prstGeom>
+        </p:spPr>
+      </p:pic>
+      <p:sp>
+        <p:nvSpPr>
+          <p:cNvPr id="9" name="직사각형 8"/>
           <p:cNvSpPr/>
           <p:nvPr/>
         </p:nvSpPr>
         <p:spPr>
           <a:xfrm>
-            <a:off x="0" y="0"/>
-            <a:ext cx="12192000" cy="6858000"/>
+            <a:off x="0" y="6453266"/>
+            <a:ext cx="12192000" cy="404734"/>
           </a:xfrm>
           <a:prstGeom prst="rect">
             <a:avLst/>
@@ -3992,21 +4047,185 @@
           <a:p>
             <a:pPr algn="ctr"/>
             <a:r>
-              <a:rPr lang="ko-KR" altLang="en-US" sz="10000" dirty="0" err="1" smtClean="0"/>
-              <a:t>정차장님</a:t>
-            </a:r>
-            <a:r>
-              <a:rPr lang="ko-KR" altLang="en-US" sz="10000" dirty="0" smtClean="0"/>
-              <a:t> 요청사항</a:t>
-            </a:r>
-            <a:endParaRPr lang="ko-KR" altLang="en-US" sz="10000" dirty="0"/>
-          </a:p>
-        </p:txBody>
-      </p:sp>
+              <a:rPr lang="ko-KR" altLang="en-US" dirty="0" smtClean="0"/>
+              <a:t>아래에서 계속</a:t>
+            </a:r>
+            <a:endParaRPr lang="ko-KR" altLang="en-US" dirty="0"/>
+          </a:p>
+        </p:txBody>
+      </p:sp>
+      <p:pic>
+        <p:nvPicPr>
+          <p:cNvPr id="10" name="그림 9"/>
+          <p:cNvPicPr>
+            <a:picLocks noChangeAspect="1"/>
+          </p:cNvPicPr>
+          <p:nvPr/>
+        </p:nvPicPr>
+        <p:blipFill>
+          <a:blip r:embed="rId3"/>
+          <a:stretch>
+            <a:fillRect/>
+          </a:stretch>
+        </p:blipFill>
+        <p:spPr>
+          <a:xfrm>
+            <a:off x="6207888" y="621451"/>
+            <a:ext cx="3238952" cy="4248743"/>
+          </a:xfrm>
+          <a:prstGeom prst="rect">
+            <a:avLst/>
+          </a:prstGeom>
+        </p:spPr>
+      </p:pic>
+      <p:cxnSp>
+        <p:nvCxnSpPr>
+          <p:cNvPr id="12" name="직선 화살표 연결선 11"/>
+          <p:cNvCxnSpPr/>
+          <p:nvPr/>
+        </p:nvCxnSpPr>
+        <p:spPr>
+          <a:xfrm flipV="1">
+            <a:off x="9076544" y="4489554"/>
+            <a:ext cx="0" cy="1086787"/>
+          </a:xfrm>
+          <a:prstGeom prst="straightConnector1">
+            <a:avLst/>
+          </a:prstGeom>
+          <a:ln>
+            <a:tailEnd type="triangle"/>
+          </a:ln>
+        </p:spPr>
+        <p:style>
+          <a:lnRef idx="1">
+            <a:schemeClr val="accent1"/>
+          </a:lnRef>
+          <a:fillRef idx="0">
+            <a:schemeClr val="accent1"/>
+          </a:fillRef>
+          <a:effectRef idx="0">
+            <a:schemeClr val="accent1"/>
+          </a:effectRef>
+          <a:fontRef idx="minor">
+            <a:schemeClr val="tx1"/>
+          </a:fontRef>
+        </p:style>
+      </p:cxnSp>
+      <p:sp>
+        <p:nvSpPr>
+          <p:cNvPr id="13" name="TextBox 12"/>
+          <p:cNvSpPr txBox="1"/>
+          <p:nvPr/>
+        </p:nvSpPr>
+        <p:spPr>
+          <a:xfrm>
+            <a:off x="5687696" y="5607996"/>
+            <a:ext cx="6407523" cy="738664"/>
+          </a:xfrm>
+          <a:prstGeom prst="rect">
+            <a:avLst/>
+          </a:prstGeom>
+          <a:noFill/>
+        </p:spPr>
+        <p:txBody>
+          <a:bodyPr wrap="none" rtlCol="0">
+            <a:spAutoFit/>
+          </a:bodyPr>
+          <a:lstStyle/>
+          <a:p>
+            <a:pPr>
+              <a:lnSpc>
+                <a:spcPct val="150000"/>
+              </a:lnSpc>
+            </a:pPr>
+            <a:r>
+              <a:rPr lang="en-US" altLang="ko-KR" sz="1400" dirty="0" smtClean="0"/>
+              <a:t>css</a:t>
+            </a:r>
+            <a:r>
+              <a:rPr lang="ko-KR" altLang="en-US" sz="1400" dirty="0" smtClean="0"/>
+              <a:t>가 잘못되어</a:t>
+            </a:r>
+            <a:r>
+              <a:rPr lang="en-US" altLang="ko-KR" sz="1400" dirty="0" smtClean="0"/>
+              <a:t> </a:t>
+            </a:r>
+            <a:r>
+              <a:rPr lang="ko-KR" altLang="en-US" sz="1400" dirty="0" err="1"/>
+              <a:t>다른곳도</a:t>
+            </a:r>
+            <a:r>
+              <a:rPr lang="ko-KR" altLang="en-US" sz="1400" dirty="0"/>
+              <a:t> 위치가 위로 올라가 있었습니다</a:t>
+            </a:r>
+            <a:r>
+              <a:rPr lang="en-US" altLang="ko-KR" sz="1400" dirty="0" smtClean="0"/>
+              <a:t>.</a:t>
+            </a:r>
+          </a:p>
+          <a:p>
+            <a:pPr>
+              <a:lnSpc>
+                <a:spcPct val="150000"/>
+              </a:lnSpc>
+            </a:pPr>
+            <a:r>
+              <a:rPr lang="ko-KR" altLang="en-US" sz="1400" dirty="0" smtClean="0"/>
+              <a:t>지금은 가운데에 맞췄습니다</a:t>
+            </a:r>
+            <a:r>
+              <a:rPr lang="en-US" altLang="ko-KR" sz="1400" dirty="0" smtClean="0"/>
+              <a:t>. </a:t>
+            </a:r>
+            <a:r>
+              <a:rPr lang="ko-KR" altLang="en-US" sz="1400" dirty="0" smtClean="0"/>
+              <a:t>공통 컴포넌트인데 크기는 여기서만 줄였습니다</a:t>
+            </a:r>
+            <a:r>
+              <a:rPr lang="en-US" altLang="ko-KR" sz="1400" dirty="0" smtClean="0"/>
+              <a:t>.</a:t>
+            </a:r>
+            <a:endParaRPr lang="ko-KR" altLang="en-US" sz="1400" dirty="0"/>
+          </a:p>
+        </p:txBody>
+      </p:sp>
+      <p:cxnSp>
+        <p:nvCxnSpPr>
+          <p:cNvPr id="15" name="직선 화살표 연결선 14"/>
+          <p:cNvCxnSpPr/>
+          <p:nvPr/>
+        </p:nvCxnSpPr>
+        <p:spPr>
+          <a:xfrm>
+            <a:off x="3822492" y="2248525"/>
+            <a:ext cx="1506511" cy="0"/>
+          </a:xfrm>
+          <a:prstGeom prst="straightConnector1">
+            <a:avLst/>
+          </a:prstGeom>
+          <a:ln>
+            <a:tailEnd type="triangle"/>
+          </a:ln>
+        </p:spPr>
+        <p:style>
+          <a:lnRef idx="1">
+            <a:schemeClr val="accent1"/>
+          </a:lnRef>
+          <a:fillRef idx="0">
+            <a:schemeClr val="accent1"/>
+          </a:fillRef>
+          <a:effectRef idx="0">
+            <a:schemeClr val="accent1"/>
+          </a:effectRef>
+          <a:fontRef idx="minor">
+            <a:schemeClr val="tx1"/>
+          </a:fontRef>
+        </p:style>
+      </p:cxnSp>
     </p:spTree>
     <p:extLst>
       <p:ext uri="{BB962C8B-B14F-4D97-AF65-F5344CB8AC3E}">
-        <p14:creationId xmlns:p14="http://schemas.microsoft.com/office/powerpoint/2010/main" val="506022180"/>
+        <p14:creationId xmlns:p14="http://schemas.microsoft.com/office/powerpoint/2010/main" val="379908384"/>
       </p:ext>
     </p:extLst>
   </p:cSld>
@@ -4035,7 +4254,7 @@
       </p:grpSpPr>
       <p:pic>
         <p:nvPicPr>
-          <p:cNvPr id="14" name="그림 13"/>
+          <p:cNvPr id="2" name="그림 1"/>
           <p:cNvPicPr>
             <a:picLocks noChangeAspect="1"/>
           </p:cNvPicPr>
@@ -4049,24 +4268,138 @@
         </p:blipFill>
         <p:spPr>
           <a:xfrm>
-            <a:off x="727383" y="621451"/>
-            <a:ext cx="3754676" cy="2748568"/>
+            <a:off x="817530" y="659567"/>
+            <a:ext cx="3062218" cy="5596708"/>
           </a:xfrm>
           <a:prstGeom prst="rect">
             <a:avLst/>
           </a:prstGeom>
         </p:spPr>
       </p:pic>
-      <p:sp>
-        <p:nvSpPr>
-          <p:cNvPr id="17" name="TextBox 16"/>
+      <p:pic>
+        <p:nvPicPr>
+          <p:cNvPr id="3" name="그림 2"/>
+          <p:cNvPicPr>
+            <a:picLocks noChangeAspect="1"/>
+          </p:cNvPicPr>
+          <p:nvPr/>
+        </p:nvPicPr>
+        <p:blipFill>
+          <a:blip r:embed="rId3"/>
+          <a:stretch>
+            <a:fillRect/>
+          </a:stretch>
+        </p:blipFill>
+        <p:spPr>
+          <a:xfrm>
+            <a:off x="6079141" y="1366826"/>
+            <a:ext cx="3286584" cy="3524742"/>
+          </a:xfrm>
+          <a:prstGeom prst="rect">
+            <a:avLst/>
+          </a:prstGeom>
+        </p:spPr>
+      </p:pic>
+      <p:cxnSp>
+        <p:nvCxnSpPr>
+          <p:cNvPr id="5" name="직선 화살표 연결선 4"/>
+          <p:cNvCxnSpPr/>
+          <p:nvPr/>
+        </p:nvCxnSpPr>
+        <p:spPr>
+          <a:xfrm>
+            <a:off x="3987384" y="3372787"/>
+            <a:ext cx="1469036" cy="0"/>
+          </a:xfrm>
+          <a:prstGeom prst="straightConnector1">
+            <a:avLst/>
+          </a:prstGeom>
+          <a:ln>
+            <a:tailEnd type="triangle"/>
+          </a:ln>
+        </p:spPr>
+        <p:style>
+          <a:lnRef idx="1">
+            <a:schemeClr val="accent1"/>
+          </a:lnRef>
+          <a:fillRef idx="0">
+            <a:schemeClr val="accent1"/>
+          </a:fillRef>
+          <a:effectRef idx="0">
+            <a:schemeClr val="accent1"/>
+          </a:effectRef>
+          <a:fontRef idx="minor">
+            <a:schemeClr val="tx1"/>
+          </a:fontRef>
+        </p:style>
+      </p:cxnSp>
+      <p:pic>
+        <p:nvPicPr>
+          <p:cNvPr id="6" name="그림 5"/>
+          <p:cNvPicPr>
+            <a:picLocks noChangeAspect="1"/>
+          </p:cNvPicPr>
+          <p:nvPr/>
+        </p:nvPicPr>
+        <p:blipFill>
+          <a:blip r:embed="rId4"/>
+          <a:stretch>
+            <a:fillRect/>
+          </a:stretch>
+        </p:blipFill>
+        <p:spPr>
+          <a:xfrm>
+            <a:off x="6302104" y="5437264"/>
+            <a:ext cx="3515216" cy="390580"/>
+          </a:xfrm>
+          <a:prstGeom prst="rect">
+            <a:avLst/>
+          </a:prstGeom>
+        </p:spPr>
+      </p:pic>
+      <p:cxnSp>
+        <p:nvCxnSpPr>
+          <p:cNvPr id="8" name="직선 화살표 연결선 7"/>
+          <p:cNvCxnSpPr/>
+          <p:nvPr/>
+        </p:nvCxnSpPr>
+        <p:spPr>
+          <a:xfrm flipV="1">
+            <a:off x="8446957" y="3912433"/>
+            <a:ext cx="449705" cy="1498336"/>
+          </a:xfrm>
+          <a:prstGeom prst="straightConnector1">
+            <a:avLst/>
+          </a:prstGeom>
+          <a:ln>
+            <a:tailEnd type="triangle"/>
+          </a:ln>
+        </p:spPr>
+        <p:style>
+          <a:lnRef idx="1">
+            <a:schemeClr val="accent1"/>
+          </a:lnRef>
+          <a:fillRef idx="0">
+            <a:schemeClr val="accent1"/>
+          </a:fillRef>
+          <a:effectRef idx="0">
+            <a:schemeClr val="accent1"/>
+          </a:effectRef>
+          <a:fontRef idx="minor">
+            <a:schemeClr val="tx1"/>
+          </a:fontRef>
+        </p:style>
+      </p:cxnSp>
+      <p:sp>
+        <p:nvSpPr>
+          <p:cNvPr id="10" name="TextBox 9"/>
           <p:cNvSpPr txBox="1"/>
           <p:nvPr/>
         </p:nvSpPr>
         <p:spPr>
           <a:xfrm>
-            <a:off x="612052" y="3932806"/>
-            <a:ext cx="1606530" cy="307777"/>
+            <a:off x="6503370" y="6048526"/>
+            <a:ext cx="3346429" cy="415498"/>
           </a:xfrm>
           <a:prstGeom prst="rect">
             <a:avLst/>
@@ -4079,17 +4412,22 @@
           </a:bodyPr>
           <a:lstStyle/>
           <a:p>
+            <a:pPr>
+              <a:lnSpc>
+                <a:spcPct val="150000"/>
+              </a:lnSpc>
+            </a:pPr>
+            <a:r>
+              <a:rPr lang="ko-KR" altLang="en-US" sz="1400" dirty="0" smtClean="0"/>
+              <a:t>화살표 없는 곳은 </a:t>
+            </a:r>
             <a:r>
               <a:rPr lang="en-US" altLang="ko-KR" sz="1400" dirty="0" smtClean="0"/>
-              <a:t>css </a:t>
+              <a:t>noArrow </a:t>
             </a:r>
             <a:r>
               <a:rPr lang="ko-KR" altLang="en-US" sz="1400" dirty="0" smtClean="0"/>
-              <a:t>제거했습니다</a:t>
-            </a:r>
-            <a:r>
-              <a:rPr lang="en-US" altLang="ko-KR" sz="1400" dirty="0" smtClean="0"/>
-              <a:t>.</a:t>
+              <a:t>클래스 추가</a:t>
             </a:r>
             <a:endParaRPr lang="ko-KR" altLang="en-US" sz="1400" dirty="0"/>
           </a:p>
@@ -4098,7 +4436,7 @@
     </p:spTree>
     <p:extLst>
       <p:ext uri="{BB962C8B-B14F-4D97-AF65-F5344CB8AC3E}">
-        <p14:creationId xmlns:p14="http://schemas.microsoft.com/office/powerpoint/2010/main" val="2558635409"/>
+        <p14:creationId xmlns:p14="http://schemas.microsoft.com/office/powerpoint/2010/main" val="36950421"/>
       </p:ext>
     </p:extLst>
   </p:cSld>
@@ -4127,218 +4465,56 @@
       </p:grpSpPr>
       <p:sp>
         <p:nvSpPr>
-          <p:cNvPr id="16" name="TextBox 15"/>
-          <p:cNvSpPr txBox="1"/>
-          <p:nvPr/>
-        </p:nvSpPr>
-        <p:spPr>
-          <a:xfrm>
-            <a:off x="487180" y="252119"/>
-            <a:ext cx="1872629" cy="369332"/>
-          </a:xfrm>
-          <a:prstGeom prst="rect">
-            <a:avLst/>
-          </a:prstGeom>
-          <a:noFill/>
-        </p:spPr>
-        <p:txBody>
-          <a:bodyPr wrap="none" rtlCol="0">
-            <a:spAutoFit/>
-          </a:bodyPr>
-          <a:lstStyle/>
-          <a:p>
-            <a:r>
-              <a:rPr lang="en-US" altLang="ko-KR" dirty="0"/>
-              <a:t>UI-SJN-20-001U</a:t>
-            </a:r>
-          </a:p>
-        </p:txBody>
-      </p:sp>
-      <p:pic>
-        <p:nvPicPr>
-          <p:cNvPr id="2" name="그림 1"/>
-          <p:cNvPicPr>
-            <a:picLocks noChangeAspect="1"/>
-          </p:cNvPicPr>
-          <p:nvPr/>
-        </p:nvPicPr>
-        <p:blipFill>
-          <a:blip r:embed="rId2"/>
-          <a:stretch>
-            <a:fillRect/>
-          </a:stretch>
-        </p:blipFill>
-        <p:spPr>
-          <a:xfrm>
-            <a:off x="487180" y="1036971"/>
-            <a:ext cx="4172532" cy="3419952"/>
-          </a:xfrm>
-          <a:prstGeom prst="rect">
-            <a:avLst/>
-          </a:prstGeom>
-        </p:spPr>
-      </p:pic>
-      <p:pic>
-        <p:nvPicPr>
-          <p:cNvPr id="3" name="그림 2"/>
-          <p:cNvPicPr>
-            <a:picLocks noChangeAspect="1"/>
-          </p:cNvPicPr>
-          <p:nvPr/>
-        </p:nvPicPr>
-        <p:blipFill>
-          <a:blip r:embed="rId3"/>
-          <a:stretch>
-            <a:fillRect/>
-          </a:stretch>
-        </p:blipFill>
-        <p:spPr>
-          <a:xfrm>
-            <a:off x="5566863" y="1036971"/>
-            <a:ext cx="428685" cy="419158"/>
-          </a:xfrm>
-          <a:prstGeom prst="rect">
-            <a:avLst/>
-          </a:prstGeom>
-        </p:spPr>
-      </p:pic>
-      <p:cxnSp>
-        <p:nvCxnSpPr>
-          <p:cNvPr id="5" name="직선 화살표 연결선 4"/>
-          <p:cNvCxnSpPr/>
-          <p:nvPr/>
-        </p:nvCxnSpPr>
-        <p:spPr>
-          <a:xfrm>
-            <a:off x="4811843" y="1334125"/>
-            <a:ext cx="472190" cy="0"/>
-          </a:xfrm>
-          <a:prstGeom prst="straightConnector1">
-            <a:avLst/>
-          </a:prstGeom>
-          <a:ln>
-            <a:tailEnd type="triangle"/>
-          </a:ln>
+          <p:cNvPr id="3" name="직사각형 2"/>
+          <p:cNvSpPr/>
+          <p:nvPr/>
+        </p:nvSpPr>
+        <p:spPr>
+          <a:xfrm>
+            <a:off x="0" y="0"/>
+            <a:ext cx="12192000" cy="6858000"/>
+          </a:xfrm>
+          <a:prstGeom prst="rect">
+            <a:avLst/>
+          </a:prstGeom>
         </p:spPr>
         <p:style>
-          <a:lnRef idx="1">
-            <a:schemeClr val="accent1"/>
+          <a:lnRef idx="2">
+            <a:schemeClr val="accent1">
+              <a:shade val="50000"/>
+            </a:schemeClr>
           </a:lnRef>
-          <a:fillRef idx="0">
+          <a:fillRef idx="1">
             <a:schemeClr val="accent1"/>
           </a:fillRef>
           <a:effectRef idx="0">
             <a:schemeClr val="accent1"/>
           </a:effectRef>
           <a:fontRef idx="minor">
-            <a:schemeClr val="tx1"/>
+            <a:schemeClr val="lt1"/>
           </a:fontRef>
         </p:style>
-      </p:cxnSp>
-      <p:sp>
-        <p:nvSpPr>
-          <p:cNvPr id="10" name="TextBox 9"/>
-          <p:cNvSpPr txBox="1"/>
-          <p:nvPr/>
-        </p:nvSpPr>
-        <p:spPr>
-          <a:xfrm>
-            <a:off x="5423895" y="1721757"/>
-            <a:ext cx="1855444" cy="307777"/>
-          </a:xfrm>
-          <a:prstGeom prst="rect">
-            <a:avLst/>
-          </a:prstGeom>
-          <a:noFill/>
-        </p:spPr>
-        <p:txBody>
-          <a:bodyPr wrap="none" rtlCol="0">
-            <a:spAutoFit/>
-          </a:bodyPr>
-          <a:lstStyle/>
-          <a:p>
-            <a:r>
-              <a:rPr lang="en-US" altLang="ko-KR" sz="1400" dirty="0" smtClean="0"/>
-              <a:t>active </a:t>
-            </a:r>
-            <a:r>
-              <a:rPr lang="ko-KR" altLang="en-US" sz="1400" dirty="0" err="1" smtClean="0"/>
-              <a:t>클래스명</a:t>
-            </a:r>
-            <a:r>
-              <a:rPr lang="ko-KR" altLang="en-US" sz="1400" dirty="0" smtClean="0"/>
-              <a:t> 추가</a:t>
-            </a:r>
-            <a:endParaRPr lang="ko-KR" altLang="en-US" sz="1400" dirty="0"/>
-          </a:p>
-        </p:txBody>
-      </p:sp>
-      <p:pic>
-        <p:nvPicPr>
-          <p:cNvPr id="6" name="그림 5"/>
-          <p:cNvPicPr>
-            <a:picLocks noChangeAspect="1"/>
-          </p:cNvPicPr>
-          <p:nvPr/>
-        </p:nvPicPr>
-        <p:blipFill>
-          <a:blip r:embed="rId4"/>
-          <a:stretch>
-            <a:fillRect/>
-          </a:stretch>
-        </p:blipFill>
-        <p:spPr>
-          <a:xfrm>
-            <a:off x="7656612" y="877274"/>
-            <a:ext cx="3429479" cy="5058481"/>
-          </a:xfrm>
-          <a:prstGeom prst="rect">
-            <a:avLst/>
-          </a:prstGeom>
-        </p:spPr>
-      </p:pic>
-      <p:sp>
-        <p:nvSpPr>
-          <p:cNvPr id="7" name="TextBox 6"/>
-          <p:cNvSpPr txBox="1"/>
-          <p:nvPr/>
-        </p:nvSpPr>
-        <p:spPr>
-          <a:xfrm>
-            <a:off x="8117173" y="6130977"/>
-            <a:ext cx="2239716" cy="307777"/>
-          </a:xfrm>
-          <a:prstGeom prst="rect">
-            <a:avLst/>
-          </a:prstGeom>
-          <a:noFill/>
-        </p:spPr>
-        <p:txBody>
-          <a:bodyPr wrap="none" rtlCol="0">
-            <a:spAutoFit/>
-          </a:bodyPr>
-          <a:lstStyle/>
-          <a:p>
-            <a:r>
-              <a:rPr lang="ko-KR" altLang="en-US" sz="1400" dirty="0" err="1" smtClean="0"/>
-              <a:t>배경이미지</a:t>
-            </a:r>
-            <a:r>
-              <a:rPr lang="ko-KR" altLang="en-US" sz="1400" dirty="0" smtClean="0"/>
-              <a:t> 크기 </a:t>
-            </a:r>
-            <a:r>
-              <a:rPr lang="en-US" altLang="ko-KR" sz="1400" dirty="0" smtClean="0"/>
-              <a:t>318*226</a:t>
-            </a:r>
-            <a:endParaRPr lang="ko-KR" altLang="en-US" sz="1400" dirty="0"/>
+        <p:txBody>
+          <a:bodyPr rtlCol="0" anchor="ctr"/>
+          <a:lstStyle/>
+          <a:p>
+            <a:pPr algn="ctr"/>
+            <a:r>
+              <a:rPr lang="ko-KR" altLang="en-US" sz="10000" dirty="0" err="1" smtClean="0"/>
+              <a:t>정차장님</a:t>
+            </a:r>
+            <a:r>
+              <a:rPr lang="ko-KR" altLang="en-US" sz="10000" dirty="0" smtClean="0"/>
+              <a:t> 요청사항</a:t>
+            </a:r>
+            <a:endParaRPr lang="ko-KR" altLang="en-US" sz="10000" dirty="0"/>
           </a:p>
         </p:txBody>
       </p:sp>
     </p:spTree>
     <p:extLst>
       <p:ext uri="{BB962C8B-B14F-4D97-AF65-F5344CB8AC3E}">
-        <p14:creationId xmlns:p14="http://schemas.microsoft.com/office/powerpoint/2010/main" val="726478288"/>
+        <p14:creationId xmlns:p14="http://schemas.microsoft.com/office/powerpoint/2010/main" val="506022180"/>
       </p:ext>
     </p:extLst>
   </p:cSld>
@@ -4365,38 +4541,9 @@
           <a:chExt cx="0" cy="0"/>
         </a:xfrm>
       </p:grpSpPr>
-      <p:sp>
-        <p:nvSpPr>
-          <p:cNvPr id="16" name="TextBox 15"/>
-          <p:cNvSpPr txBox="1"/>
-          <p:nvPr/>
-        </p:nvSpPr>
-        <p:spPr>
-          <a:xfrm>
-            <a:off x="487180" y="252119"/>
-            <a:ext cx="1872629" cy="369332"/>
-          </a:xfrm>
-          <a:prstGeom prst="rect">
-            <a:avLst/>
-          </a:prstGeom>
-          <a:noFill/>
-        </p:spPr>
-        <p:txBody>
-          <a:bodyPr wrap="none" rtlCol="0">
-            <a:spAutoFit/>
-          </a:bodyPr>
-          <a:lstStyle/>
-          <a:p>
-            <a:r>
-              <a:rPr lang="en-US" altLang="ko-KR" dirty="0"/>
-              <a:t>UI-SJN-42-003L</a:t>
-            </a:r>
-          </a:p>
-        </p:txBody>
-      </p:sp>
       <p:pic>
         <p:nvPicPr>
-          <p:cNvPr id="4" name="그림 3"/>
+          <p:cNvPr id="14" name="그림 13"/>
           <p:cNvPicPr>
             <a:picLocks noChangeAspect="1"/>
           </p:cNvPicPr>
@@ -4410,81 +4557,24 @@
         </p:blipFill>
         <p:spPr>
           <a:xfrm>
-            <a:off x="487180" y="949196"/>
-            <a:ext cx="4324954" cy="2591162"/>
+            <a:off x="727383" y="621451"/>
+            <a:ext cx="3754676" cy="2748568"/>
           </a:xfrm>
           <a:prstGeom prst="rect">
             <a:avLst/>
           </a:prstGeom>
         </p:spPr>
       </p:pic>
-      <p:pic>
-        <p:nvPicPr>
-          <p:cNvPr id="8" name="그림 7"/>
-          <p:cNvPicPr>
-            <a:picLocks noChangeAspect="1"/>
-          </p:cNvPicPr>
-          <p:nvPr/>
-        </p:nvPicPr>
-        <p:blipFill>
-          <a:blip r:embed="rId3"/>
-          <a:stretch>
-            <a:fillRect/>
-          </a:stretch>
-        </p:blipFill>
-        <p:spPr>
-          <a:xfrm>
-            <a:off x="6014424" y="1034933"/>
-            <a:ext cx="4315427" cy="2419688"/>
-          </a:xfrm>
-          <a:prstGeom prst="rect">
-            <a:avLst/>
-          </a:prstGeom>
-        </p:spPr>
-      </p:pic>
-      <p:cxnSp>
-        <p:nvCxnSpPr>
-          <p:cNvPr id="11" name="직선 화살표 연결선 10"/>
-          <p:cNvCxnSpPr/>
-          <p:nvPr/>
-        </p:nvCxnSpPr>
-        <p:spPr>
-          <a:xfrm>
-            <a:off x="5096656" y="2244777"/>
-            <a:ext cx="674557" cy="0"/>
-          </a:xfrm>
-          <a:prstGeom prst="straightConnector1">
-            <a:avLst/>
-          </a:prstGeom>
-          <a:ln>
-            <a:tailEnd type="triangle"/>
-          </a:ln>
-        </p:spPr>
-        <p:style>
-          <a:lnRef idx="1">
-            <a:schemeClr val="accent1"/>
-          </a:lnRef>
-          <a:fillRef idx="0">
-            <a:schemeClr val="accent1"/>
-          </a:fillRef>
-          <a:effectRef idx="0">
-            <a:schemeClr val="accent1"/>
-          </a:effectRef>
-          <a:fontRef idx="minor">
-            <a:schemeClr val="tx1"/>
-          </a:fontRef>
-        </p:style>
-      </p:cxnSp>
-      <p:sp>
-        <p:nvSpPr>
-          <p:cNvPr id="12" name="TextBox 11"/>
+      <p:sp>
+        <p:nvSpPr>
+          <p:cNvPr id="17" name="TextBox 16"/>
           <p:cNvSpPr txBox="1"/>
           <p:nvPr/>
         </p:nvSpPr>
         <p:spPr>
           <a:xfrm>
-            <a:off x="9100144" y="5360502"/>
-            <a:ext cx="1324402" cy="307777"/>
+            <a:off x="612052" y="3932806"/>
+            <a:ext cx="1606530" cy="307777"/>
           </a:xfrm>
           <a:prstGeom prst="rect">
             <a:avLst/>
@@ -4498,206 +4588,25 @@
           <a:lstStyle/>
           <a:p>
             <a:r>
-              <a:rPr lang="ko-KR" altLang="en-US" sz="1400" dirty="0" err="1" smtClean="0"/>
-              <a:t>클래스명</a:t>
+              <a:rPr lang="en-US" altLang="ko-KR" sz="1400" dirty="0" smtClean="0"/>
+              <a:t>css </a:t>
             </a:r>
             <a:r>
               <a:rPr lang="ko-KR" altLang="en-US" sz="1400" dirty="0" smtClean="0"/>
-              <a:t> 변경</a:t>
+              <a:t>제거했습니다</a:t>
+            </a:r>
+            <a:r>
+              <a:rPr lang="en-US" altLang="ko-KR" sz="1400" dirty="0" smtClean="0"/>
+              <a:t>.</a:t>
             </a:r>
             <a:endParaRPr lang="ko-KR" altLang="en-US" sz="1400" dirty="0"/>
-          </a:p>
-        </p:txBody>
-      </p:sp>
-      <p:pic>
-        <p:nvPicPr>
-          <p:cNvPr id="14" name="그림 13"/>
-          <p:cNvPicPr>
-            <a:picLocks noChangeAspect="1"/>
-          </p:cNvPicPr>
-          <p:nvPr/>
-        </p:nvPicPr>
-        <p:blipFill>
-          <a:blip r:embed="rId4"/>
-          <a:stretch>
-            <a:fillRect/>
-          </a:stretch>
-        </p:blipFill>
-        <p:spPr>
-          <a:xfrm>
-            <a:off x="1015410" y="3903443"/>
-            <a:ext cx="3610479" cy="733527"/>
-          </a:xfrm>
-          <a:prstGeom prst="rect">
-            <a:avLst/>
-          </a:prstGeom>
-        </p:spPr>
-      </p:pic>
-      <p:pic>
-        <p:nvPicPr>
-          <p:cNvPr id="15" name="그림 14"/>
-          <p:cNvPicPr>
-            <a:picLocks noChangeAspect="1"/>
-          </p:cNvPicPr>
-          <p:nvPr/>
-        </p:nvPicPr>
-        <p:blipFill>
-          <a:blip r:embed="rId5"/>
-          <a:stretch>
-            <a:fillRect/>
-          </a:stretch>
-        </p:blipFill>
-        <p:spPr>
-          <a:xfrm>
-            <a:off x="6549511" y="3863953"/>
-            <a:ext cx="3620005" cy="743054"/>
-          </a:xfrm>
-          <a:prstGeom prst="rect">
-            <a:avLst/>
-          </a:prstGeom>
-        </p:spPr>
-      </p:pic>
-      <p:cxnSp>
-        <p:nvCxnSpPr>
-          <p:cNvPr id="18" name="직선 연결선 17"/>
-          <p:cNvCxnSpPr/>
-          <p:nvPr/>
-        </p:nvCxnSpPr>
-        <p:spPr>
-          <a:xfrm>
-            <a:off x="9556230" y="4085297"/>
-            <a:ext cx="412230" cy="0"/>
-          </a:xfrm>
-          <a:prstGeom prst="line">
-            <a:avLst/>
-          </a:prstGeom>
-        </p:spPr>
-        <p:style>
-          <a:lnRef idx="3">
-            <a:schemeClr val="accent2"/>
-          </a:lnRef>
-          <a:fillRef idx="0">
-            <a:schemeClr val="accent2"/>
-          </a:fillRef>
-          <a:effectRef idx="2">
-            <a:schemeClr val="accent2"/>
-          </a:effectRef>
-          <a:fontRef idx="minor">
-            <a:schemeClr val="tx1"/>
-          </a:fontRef>
-        </p:style>
-      </p:cxnSp>
-      <p:sp>
-        <p:nvSpPr>
-          <p:cNvPr id="19" name="TextBox 18"/>
-          <p:cNvSpPr txBox="1"/>
-          <p:nvPr/>
-        </p:nvSpPr>
-        <p:spPr>
-          <a:xfrm>
-            <a:off x="5136630" y="3862465"/>
-            <a:ext cx="902811" cy="307777"/>
-          </a:xfrm>
-          <a:prstGeom prst="rect">
-            <a:avLst/>
-          </a:prstGeom>
-          <a:noFill/>
-        </p:spPr>
-        <p:txBody>
-          <a:bodyPr wrap="none" rtlCol="0">
-            <a:spAutoFit/>
-          </a:bodyPr>
-          <a:lstStyle/>
-          <a:p>
-            <a:r>
-              <a:rPr lang="ko-KR" altLang="en-US" sz="1400" dirty="0" err="1" smtClean="0"/>
-              <a:t>색상변경</a:t>
-            </a:r>
-            <a:endParaRPr lang="ko-KR" altLang="en-US" sz="1400" dirty="0"/>
-          </a:p>
-        </p:txBody>
-      </p:sp>
-      <p:cxnSp>
-        <p:nvCxnSpPr>
-          <p:cNvPr id="21" name="직선 화살표 연결선 20"/>
-          <p:cNvCxnSpPr/>
-          <p:nvPr/>
-        </p:nvCxnSpPr>
-        <p:spPr>
-          <a:xfrm flipV="1">
-            <a:off x="9848538" y="4235480"/>
-            <a:ext cx="0" cy="981097"/>
-          </a:xfrm>
-          <a:prstGeom prst="straightConnector1">
-            <a:avLst/>
-          </a:prstGeom>
-          <a:ln>
-            <a:tailEnd type="triangle"/>
-          </a:ln>
-        </p:spPr>
-        <p:style>
-          <a:lnRef idx="1">
-            <a:schemeClr val="accent1"/>
-          </a:lnRef>
-          <a:fillRef idx="0">
-            <a:schemeClr val="accent1"/>
-          </a:fillRef>
-          <a:effectRef idx="0">
-            <a:schemeClr val="accent1"/>
-          </a:effectRef>
-          <a:fontRef idx="minor">
-            <a:schemeClr val="tx1"/>
-          </a:fontRef>
-        </p:style>
-      </p:cxnSp>
-      <p:sp>
-        <p:nvSpPr>
-          <p:cNvPr id="22" name="직사각형 21"/>
-          <p:cNvSpPr/>
-          <p:nvPr/>
-        </p:nvSpPr>
-        <p:spPr>
-          <a:xfrm>
-            <a:off x="0" y="6453266"/>
-            <a:ext cx="12192000" cy="404734"/>
-          </a:xfrm>
-          <a:prstGeom prst="rect">
-            <a:avLst/>
-          </a:prstGeom>
-        </p:spPr>
-        <p:style>
-          <a:lnRef idx="2">
-            <a:schemeClr val="accent1">
-              <a:shade val="50000"/>
-            </a:schemeClr>
-          </a:lnRef>
-          <a:fillRef idx="1">
-            <a:schemeClr val="accent1"/>
-          </a:fillRef>
-          <a:effectRef idx="0">
-            <a:schemeClr val="accent1"/>
-          </a:effectRef>
-          <a:fontRef idx="minor">
-            <a:schemeClr val="lt1"/>
-          </a:fontRef>
-        </p:style>
-        <p:txBody>
-          <a:bodyPr rtlCol="0" anchor="ctr"/>
-          <a:lstStyle/>
-          <a:p>
-            <a:pPr algn="ctr"/>
-            <a:r>
-              <a:rPr lang="ko-KR" altLang="en-US" dirty="0" smtClean="0"/>
-              <a:t>아래에서 계속</a:t>
-            </a:r>
-            <a:endParaRPr lang="ko-KR" altLang="en-US" dirty="0"/>
           </a:p>
         </p:txBody>
       </p:sp>
     </p:spTree>
     <p:extLst>
       <p:ext uri="{BB962C8B-B14F-4D97-AF65-F5344CB8AC3E}">
-        <p14:creationId xmlns:p14="http://schemas.microsoft.com/office/powerpoint/2010/main" val="4155659830"/>
+        <p14:creationId xmlns:p14="http://schemas.microsoft.com/office/powerpoint/2010/main" val="2558635409"/>
       </p:ext>
     </p:extLst>
   </p:cSld>
@@ -4724,6 +4633,35 @@
           <a:chExt cx="0" cy="0"/>
         </a:xfrm>
       </p:grpSpPr>
+      <p:sp>
+        <p:nvSpPr>
+          <p:cNvPr id="16" name="TextBox 15"/>
+          <p:cNvSpPr txBox="1"/>
+          <p:nvPr/>
+        </p:nvSpPr>
+        <p:spPr>
+          <a:xfrm>
+            <a:off x="487180" y="252119"/>
+            <a:ext cx="1872629" cy="369332"/>
+          </a:xfrm>
+          <a:prstGeom prst="rect">
+            <a:avLst/>
+          </a:prstGeom>
+          <a:noFill/>
+        </p:spPr>
+        <p:txBody>
+          <a:bodyPr wrap="none" rtlCol="0">
+            <a:spAutoFit/>
+          </a:bodyPr>
+          <a:lstStyle/>
+          <a:p>
+            <a:r>
+              <a:rPr lang="en-US" altLang="ko-KR" dirty="0"/>
+              <a:t>UI-SJN-20-001U</a:t>
+            </a:r>
+          </a:p>
+        </p:txBody>
+      </p:sp>
       <p:pic>
         <p:nvPicPr>
           <p:cNvPr id="2" name="그림 1"/>
@@ -4740,8 +4678,8 @@
         </p:blipFill>
         <p:spPr>
           <a:xfrm>
-            <a:off x="373707" y="968469"/>
-            <a:ext cx="3829584" cy="3886742"/>
+            <a:off x="487180" y="1036971"/>
+            <a:ext cx="4172532" cy="3419952"/>
           </a:xfrm>
           <a:prstGeom prst="rect">
             <a:avLst/>
@@ -4764,8 +4702,8 @@
         </p:blipFill>
         <p:spPr>
           <a:xfrm>
-            <a:off x="5982759" y="2004672"/>
-            <a:ext cx="3839111" cy="2638793"/>
+            <a:off x="5566863" y="1036971"/>
+            <a:ext cx="428685" cy="419158"/>
           </a:xfrm>
           <a:prstGeom prst="rect">
             <a:avLst/>
@@ -4774,14 +4712,14 @@
       </p:pic>
       <p:cxnSp>
         <p:nvCxnSpPr>
-          <p:cNvPr id="6" name="직선 화살표 연결선 5"/>
+          <p:cNvPr id="5" name="직선 화살표 연결선 4"/>
           <p:cNvCxnSpPr/>
           <p:nvPr/>
         </p:nvCxnSpPr>
         <p:spPr>
           <a:xfrm>
-            <a:off x="4482059" y="3117954"/>
-            <a:ext cx="1071797" cy="0"/>
+            <a:off x="4811843" y="1334125"/>
+            <a:ext cx="472190" cy="0"/>
           </a:xfrm>
           <a:prstGeom prst="straightConnector1">
             <a:avLst/>
@@ -4807,14 +4745,14 @@
       </p:cxnSp>
       <p:sp>
         <p:nvSpPr>
-          <p:cNvPr id="17" name="TextBox 16"/>
+          <p:cNvPr id="10" name="TextBox 9"/>
           <p:cNvSpPr txBox="1"/>
           <p:nvPr/>
         </p:nvSpPr>
         <p:spPr>
           <a:xfrm>
-            <a:off x="4745501" y="3531702"/>
-            <a:ext cx="543739" cy="307777"/>
+            <a:off x="5423895" y="1721757"/>
+            <a:ext cx="1855444" cy="307777"/>
           </a:xfrm>
           <a:prstGeom prst="rect">
             <a:avLst/>
@@ -4828,8 +4766,78 @@
           <a:lstStyle/>
           <a:p>
             <a:r>
+              <a:rPr lang="en-US" altLang="ko-KR" sz="1400" dirty="0" smtClean="0"/>
+              <a:t>active </a:t>
+            </a:r>
+            <a:r>
+              <a:rPr lang="ko-KR" altLang="en-US" sz="1400" dirty="0" err="1" smtClean="0"/>
+              <a:t>클래스명</a:t>
+            </a:r>
+            <a:r>
               <a:rPr lang="ko-KR" altLang="en-US" sz="1400" dirty="0" smtClean="0"/>
-              <a:t>변경</a:t>
+              <a:t> 추가</a:t>
+            </a:r>
+            <a:endParaRPr lang="ko-KR" altLang="en-US" sz="1400" dirty="0"/>
+          </a:p>
+        </p:txBody>
+      </p:sp>
+      <p:pic>
+        <p:nvPicPr>
+          <p:cNvPr id="6" name="그림 5"/>
+          <p:cNvPicPr>
+            <a:picLocks noChangeAspect="1"/>
+          </p:cNvPicPr>
+          <p:nvPr/>
+        </p:nvPicPr>
+        <p:blipFill>
+          <a:blip r:embed="rId4"/>
+          <a:stretch>
+            <a:fillRect/>
+          </a:stretch>
+        </p:blipFill>
+        <p:spPr>
+          <a:xfrm>
+            <a:off x="7656612" y="877274"/>
+            <a:ext cx="3429479" cy="5058481"/>
+          </a:xfrm>
+          <a:prstGeom prst="rect">
+            <a:avLst/>
+          </a:prstGeom>
+        </p:spPr>
+      </p:pic>
+      <p:sp>
+        <p:nvSpPr>
+          <p:cNvPr id="7" name="TextBox 6"/>
+          <p:cNvSpPr txBox="1"/>
+          <p:nvPr/>
+        </p:nvSpPr>
+        <p:spPr>
+          <a:xfrm>
+            <a:off x="8117173" y="6130977"/>
+            <a:ext cx="2239716" cy="307777"/>
+          </a:xfrm>
+          <a:prstGeom prst="rect">
+            <a:avLst/>
+          </a:prstGeom>
+          <a:noFill/>
+        </p:spPr>
+        <p:txBody>
+          <a:bodyPr wrap="none" rtlCol="0">
+            <a:spAutoFit/>
+          </a:bodyPr>
+          <a:lstStyle/>
+          <a:p>
+            <a:r>
+              <a:rPr lang="ko-KR" altLang="en-US" sz="1400" dirty="0" err="1" smtClean="0"/>
+              <a:t>배경이미지</a:t>
+            </a:r>
+            <a:r>
+              <a:rPr lang="ko-KR" altLang="en-US" sz="1400" dirty="0" smtClean="0"/>
+              <a:t> 크기 </a:t>
+            </a:r>
+            <a:r>
+              <a:rPr lang="en-US" altLang="ko-KR" sz="1400" dirty="0" smtClean="0"/>
+              <a:t>318*226</a:t>
             </a:r>
             <a:endParaRPr lang="ko-KR" altLang="en-US" sz="1400" dirty="0"/>
           </a:p>
@@ -4838,7 +4846,7 @@
     </p:spTree>
     <p:extLst>
       <p:ext uri="{BB962C8B-B14F-4D97-AF65-F5344CB8AC3E}">
-        <p14:creationId xmlns:p14="http://schemas.microsoft.com/office/powerpoint/2010/main" val="1576909514"/>
+        <p14:creationId xmlns:p14="http://schemas.microsoft.com/office/powerpoint/2010/main" val="726478288"/>
       </p:ext>
     </p:extLst>
   </p:cSld>
@@ -4874,7 +4882,7 @@
         <p:spPr>
           <a:xfrm>
             <a:off x="487180" y="252119"/>
-            <a:ext cx="1821332" cy="369332"/>
+            <a:ext cx="1872629" cy="369332"/>
           </a:xfrm>
           <a:prstGeom prst="rect">
             <a:avLst/>
@@ -4888,16 +4896,15 @@
           <a:lstStyle/>
           <a:p>
             <a:r>
-              <a:rPr lang="en-US" altLang="ko-KR" dirty="0" smtClean="0"/>
-              <a:t>UI-SJN-42-004L</a:t>
-            </a:r>
-            <a:endParaRPr lang="en-US" altLang="ko-KR" dirty="0"/>
+              <a:rPr lang="en-US" altLang="ko-KR" dirty="0"/>
+              <a:t>UI-SJN-42-003L</a:t>
+            </a:r>
           </a:p>
         </p:txBody>
       </p:sp>
       <p:pic>
         <p:nvPicPr>
-          <p:cNvPr id="2" name="그림 1"/>
+          <p:cNvPr id="4" name="그림 3"/>
           <p:cNvPicPr>
             <a:picLocks noChangeAspect="1"/>
           </p:cNvPicPr>
@@ -4911,8 +4918,8 @@
         </p:blipFill>
         <p:spPr>
           <a:xfrm>
-            <a:off x="303675" y="4292061"/>
-            <a:ext cx="5437558" cy="588998"/>
+            <a:off x="487180" y="949196"/>
+            <a:ext cx="4324954" cy="2591162"/>
           </a:xfrm>
           <a:prstGeom prst="rect">
             <a:avLst/>
@@ -4921,7 +4928,7 @@
       </p:pic>
       <p:pic>
         <p:nvPicPr>
-          <p:cNvPr id="3" name="그림 2"/>
+          <p:cNvPr id="8" name="그림 7"/>
           <p:cNvPicPr>
             <a:picLocks noChangeAspect="1"/>
           </p:cNvPicPr>
@@ -4935,17 +4942,84 @@
         </p:blipFill>
         <p:spPr>
           <a:xfrm>
-            <a:off x="487180" y="1202069"/>
-            <a:ext cx="4201111" cy="2715004"/>
+            <a:off x="6014424" y="1034933"/>
+            <a:ext cx="4315427" cy="2419688"/>
           </a:xfrm>
           <a:prstGeom prst="rect">
             <a:avLst/>
           </a:prstGeom>
         </p:spPr>
       </p:pic>
+      <p:cxnSp>
+        <p:nvCxnSpPr>
+          <p:cNvPr id="11" name="직선 화살표 연결선 10"/>
+          <p:cNvCxnSpPr/>
+          <p:nvPr/>
+        </p:nvCxnSpPr>
+        <p:spPr>
+          <a:xfrm>
+            <a:off x="5096656" y="2244777"/>
+            <a:ext cx="674557" cy="0"/>
+          </a:xfrm>
+          <a:prstGeom prst="straightConnector1">
+            <a:avLst/>
+          </a:prstGeom>
+          <a:ln>
+            <a:tailEnd type="triangle"/>
+          </a:ln>
+        </p:spPr>
+        <p:style>
+          <a:lnRef idx="1">
+            <a:schemeClr val="accent1"/>
+          </a:lnRef>
+          <a:fillRef idx="0">
+            <a:schemeClr val="accent1"/>
+          </a:fillRef>
+          <a:effectRef idx="0">
+            <a:schemeClr val="accent1"/>
+          </a:effectRef>
+          <a:fontRef idx="minor">
+            <a:schemeClr val="tx1"/>
+          </a:fontRef>
+        </p:style>
+      </p:cxnSp>
+      <p:sp>
+        <p:nvSpPr>
+          <p:cNvPr id="12" name="TextBox 11"/>
+          <p:cNvSpPr txBox="1"/>
+          <p:nvPr/>
+        </p:nvSpPr>
+        <p:spPr>
+          <a:xfrm>
+            <a:off x="9100144" y="5360502"/>
+            <a:ext cx="1324402" cy="307777"/>
+          </a:xfrm>
+          <a:prstGeom prst="rect">
+            <a:avLst/>
+          </a:prstGeom>
+          <a:noFill/>
+        </p:spPr>
+        <p:txBody>
+          <a:bodyPr wrap="none" rtlCol="0">
+            <a:spAutoFit/>
+          </a:bodyPr>
+          <a:lstStyle/>
+          <a:p>
+            <a:r>
+              <a:rPr lang="ko-KR" altLang="en-US" sz="1400" dirty="0" err="1" smtClean="0"/>
+              <a:t>클래스명</a:t>
+            </a:r>
+            <a:r>
+              <a:rPr lang="ko-KR" altLang="en-US" sz="1400" dirty="0" smtClean="0"/>
+              <a:t> 변경</a:t>
+            </a:r>
+            <a:endParaRPr lang="ko-KR" altLang="en-US" sz="1400" dirty="0"/>
+          </a:p>
+        </p:txBody>
+      </p:sp>
       <p:pic>
         <p:nvPicPr>
-          <p:cNvPr id="5" name="그림 4"/>
+          <p:cNvPr id="14" name="그림 13"/>
           <p:cNvPicPr>
             <a:picLocks noChangeAspect="1"/>
           </p:cNvPicPr>
@@ -4959,8 +5033,32 @@
         </p:blipFill>
         <p:spPr>
           <a:xfrm>
-            <a:off x="6553724" y="1052096"/>
-            <a:ext cx="4810796" cy="2610214"/>
+            <a:off x="1015410" y="3903443"/>
+            <a:ext cx="3610479" cy="733527"/>
+          </a:xfrm>
+          <a:prstGeom prst="rect">
+            <a:avLst/>
+          </a:prstGeom>
+        </p:spPr>
+      </p:pic>
+      <p:pic>
+        <p:nvPicPr>
+          <p:cNvPr id="15" name="그림 14"/>
+          <p:cNvPicPr>
+            <a:picLocks noChangeAspect="1"/>
+          </p:cNvPicPr>
+          <p:nvPr/>
+        </p:nvPicPr>
+        <p:blipFill>
+          <a:blip r:embed="rId5"/>
+          <a:stretch>
+            <a:fillRect/>
+          </a:stretch>
+        </p:blipFill>
+        <p:spPr>
+          <a:xfrm>
+            <a:off x="6549511" y="3863953"/>
+            <a:ext cx="3620005" cy="743054"/>
           </a:xfrm>
           <a:prstGeom prst="rect">
             <a:avLst/>
@@ -4969,14 +5067,14 @@
       </p:pic>
       <p:cxnSp>
         <p:nvCxnSpPr>
-          <p:cNvPr id="7" name="직선 연결선 6"/>
+          <p:cNvPr id="18" name="직선 연결선 17"/>
           <p:cNvCxnSpPr/>
           <p:nvPr/>
         </p:nvCxnSpPr>
         <p:spPr>
           <a:xfrm>
-            <a:off x="487180" y="4661941"/>
-            <a:ext cx="1686394" cy="0"/>
+            <a:off x="9556230" y="4085297"/>
+            <a:ext cx="412230" cy="0"/>
           </a:xfrm>
           <a:prstGeom prst="line">
             <a:avLst/>
@@ -4997,16 +5095,46 @@
           </a:fontRef>
         </p:style>
       </p:cxnSp>
+      <p:sp>
+        <p:nvSpPr>
+          <p:cNvPr id="19" name="TextBox 18"/>
+          <p:cNvSpPr txBox="1"/>
+          <p:nvPr/>
+        </p:nvSpPr>
+        <p:spPr>
+          <a:xfrm>
+            <a:off x="5136630" y="3862465"/>
+            <a:ext cx="902811" cy="307777"/>
+          </a:xfrm>
+          <a:prstGeom prst="rect">
+            <a:avLst/>
+          </a:prstGeom>
+          <a:noFill/>
+        </p:spPr>
+        <p:txBody>
+          <a:bodyPr wrap="none" rtlCol="0">
+            <a:spAutoFit/>
+          </a:bodyPr>
+          <a:lstStyle/>
+          <a:p>
+            <a:r>
+              <a:rPr lang="ko-KR" altLang="en-US" sz="1400" dirty="0" err="1" smtClean="0"/>
+              <a:t>색상변경</a:t>
+            </a:r>
+            <a:endParaRPr lang="ko-KR" altLang="en-US" sz="1400" dirty="0"/>
+          </a:p>
+        </p:txBody>
+      </p:sp>
       <p:cxnSp>
         <p:nvCxnSpPr>
-          <p:cNvPr id="10" name="직선 화살표 연결선 9"/>
+          <p:cNvPr id="21" name="직선 화살표 연결선 20"/>
           <p:cNvCxnSpPr/>
           <p:nvPr/>
         </p:nvCxnSpPr>
         <p:spPr>
           <a:xfrm flipV="1">
-            <a:off x="487180" y="4774368"/>
-            <a:ext cx="0" cy="951875"/>
+            <a:off x="9848538" y="4235480"/>
+            <a:ext cx="0" cy="981097"/>
           </a:xfrm>
           <a:prstGeom prst="straightConnector1">
             <a:avLst/>
@@ -5032,100 +5160,7 @@
       </p:cxnSp>
       <p:sp>
         <p:nvSpPr>
-          <p:cNvPr id="20" name="TextBox 19"/>
-          <p:cNvSpPr txBox="1"/>
-          <p:nvPr/>
-        </p:nvSpPr>
-        <p:spPr>
-          <a:xfrm>
-            <a:off x="215310" y="5838669"/>
-            <a:ext cx="965329" cy="307777"/>
-          </a:xfrm>
-          <a:prstGeom prst="rect">
-            <a:avLst/>
-          </a:prstGeom>
-          <a:noFill/>
-        </p:spPr>
-        <p:txBody>
-          <a:bodyPr wrap="none" rtlCol="0">
-            <a:spAutoFit/>
-          </a:bodyPr>
-          <a:lstStyle/>
-          <a:p>
-            <a:r>
-              <a:rPr lang="ko-KR" altLang="en-US" sz="1400" smtClean="0"/>
-              <a:t>태그 삭제</a:t>
-            </a:r>
-            <a:endParaRPr lang="ko-KR" altLang="en-US" sz="1400" dirty="0"/>
-          </a:p>
-        </p:txBody>
-      </p:sp>
-      <p:sp>
-        <p:nvSpPr>
-          <p:cNvPr id="23" name="TextBox 22"/>
-          <p:cNvSpPr txBox="1"/>
-          <p:nvPr/>
-        </p:nvSpPr>
-        <p:spPr>
-          <a:xfrm>
-            <a:off x="6620462" y="4661941"/>
-            <a:ext cx="1386918" cy="307777"/>
-          </a:xfrm>
-          <a:prstGeom prst="rect">
-            <a:avLst/>
-          </a:prstGeom>
-          <a:noFill/>
-        </p:spPr>
-        <p:txBody>
-          <a:bodyPr wrap="none" rtlCol="0">
-            <a:spAutoFit/>
-          </a:bodyPr>
-          <a:lstStyle/>
-          <a:p>
-            <a:r>
-              <a:rPr lang="ko-KR" altLang="en-US" sz="1400" smtClean="0"/>
-              <a:t>태그 위치 변경</a:t>
-            </a:r>
-            <a:endParaRPr lang="ko-KR" altLang="en-US" sz="1400" dirty="0"/>
-          </a:p>
-        </p:txBody>
-      </p:sp>
-      <p:cxnSp>
-        <p:nvCxnSpPr>
-          <p:cNvPr id="17" name="직선 화살표 연결선 16"/>
-          <p:cNvCxnSpPr/>
-          <p:nvPr/>
-        </p:nvCxnSpPr>
-        <p:spPr>
-          <a:xfrm flipV="1">
-            <a:off x="6980225" y="2905237"/>
-            <a:ext cx="0" cy="1626432"/>
-          </a:xfrm>
-          <a:prstGeom prst="straightConnector1">
-            <a:avLst/>
-          </a:prstGeom>
-          <a:ln>
-            <a:tailEnd type="triangle"/>
-          </a:ln>
-        </p:spPr>
-        <p:style>
-          <a:lnRef idx="1">
-            <a:schemeClr val="accent1"/>
-          </a:lnRef>
-          <a:fillRef idx="0">
-            <a:schemeClr val="accent1"/>
-          </a:fillRef>
-          <a:effectRef idx="0">
-            <a:schemeClr val="accent1"/>
-          </a:effectRef>
-          <a:fontRef idx="minor">
-            <a:schemeClr val="tx1"/>
-          </a:fontRef>
-        </p:style>
-      </p:cxnSp>
-      <p:sp>
-        <p:nvSpPr>
-          <p:cNvPr id="24" name="직사각형 23"/>
+          <p:cNvPr id="22" name="직사각형 21"/>
           <p:cNvSpPr/>
           <p:nvPr/>
         </p:nvSpPr>
@@ -5170,7 +5205,7 @@
     </p:spTree>
     <p:extLst>
       <p:ext uri="{BB962C8B-B14F-4D97-AF65-F5344CB8AC3E}">
-        <p14:creationId xmlns:p14="http://schemas.microsoft.com/office/powerpoint/2010/main" val="1957811728"/>
+        <p14:creationId xmlns:p14="http://schemas.microsoft.com/office/powerpoint/2010/main" val="4155659830"/>
       </p:ext>
     </p:extLst>
   </p:cSld>
@@ -5199,7 +5234,7 @@
       </p:grpSpPr>
       <p:pic>
         <p:nvPicPr>
-          <p:cNvPr id="4" name="그림 3"/>
+          <p:cNvPr id="2" name="그림 1"/>
           <p:cNvPicPr>
             <a:picLocks noChangeAspect="1"/>
           </p:cNvPicPr>
@@ -5213,8 +5248,8 @@
         </p:blipFill>
         <p:spPr>
           <a:xfrm>
-            <a:off x="663282" y="939817"/>
-            <a:ext cx="3820058" cy="3839111"/>
+            <a:off x="373707" y="968469"/>
+            <a:ext cx="3829584" cy="3886742"/>
           </a:xfrm>
           <a:prstGeom prst="rect">
             <a:avLst/>
@@ -5223,7 +5258,7 @@
       </p:pic>
       <p:pic>
         <p:nvPicPr>
-          <p:cNvPr id="6" name="그림 5"/>
+          <p:cNvPr id="3" name="그림 2"/>
           <p:cNvPicPr>
             <a:picLocks noChangeAspect="1"/>
           </p:cNvPicPr>
@@ -5237,8 +5272,8 @@
         </p:blipFill>
         <p:spPr>
           <a:xfrm>
-            <a:off x="6226246" y="892185"/>
-            <a:ext cx="4191585" cy="3934374"/>
+            <a:off x="5982759" y="2004672"/>
+            <a:ext cx="3839111" cy="2638793"/>
           </a:xfrm>
           <a:prstGeom prst="rect">
             <a:avLst/>
@@ -5247,14 +5282,14 @@
       </p:pic>
       <p:cxnSp>
         <p:nvCxnSpPr>
-          <p:cNvPr id="9" name="직선 화살표 연결선 8"/>
+          <p:cNvPr id="6" name="직선 화살표 연결선 5"/>
           <p:cNvCxnSpPr/>
           <p:nvPr/>
         </p:nvCxnSpPr>
         <p:spPr>
-          <a:xfrm flipV="1">
-            <a:off x="8904157" y="2653259"/>
-            <a:ext cx="0" cy="2900597"/>
+          <a:xfrm>
+            <a:off x="4482059" y="3117954"/>
+            <a:ext cx="1071797" cy="0"/>
           </a:xfrm>
           <a:prstGeom prst="straightConnector1">
             <a:avLst/>
@@ -5280,14 +5315,14 @@
       </p:cxnSp>
       <p:sp>
         <p:nvSpPr>
-          <p:cNvPr id="18" name="TextBox 17"/>
+          <p:cNvPr id="17" name="TextBox 16"/>
           <p:cNvSpPr txBox="1"/>
           <p:nvPr/>
         </p:nvSpPr>
         <p:spPr>
           <a:xfrm>
-            <a:off x="8042382" y="5748728"/>
-            <a:ext cx="1723549" cy="307777"/>
+            <a:off x="4745501" y="3531702"/>
+            <a:ext cx="543739" cy="307777"/>
           </a:xfrm>
           <a:prstGeom prst="rect">
             <a:avLst/>
@@ -5302,118 +5337,7 @@
           <a:p>
             <a:r>
               <a:rPr lang="ko-KR" altLang="en-US" sz="1400" dirty="0" smtClean="0"/>
-              <a:t>공백을 줄였습니다</a:t>
-            </a:r>
-            <a:r>
-              <a:rPr lang="en-US" altLang="ko-KR" sz="1400" dirty="0" smtClean="0"/>
-              <a:t>.</a:t>
-            </a:r>
-            <a:endParaRPr lang="ko-KR" altLang="en-US" sz="1400" dirty="0"/>
-          </a:p>
-        </p:txBody>
-      </p:sp>
-      <p:cxnSp>
-        <p:nvCxnSpPr>
-          <p:cNvPr id="19" name="직선 화살표 연결선 18"/>
-          <p:cNvCxnSpPr/>
-          <p:nvPr/>
-        </p:nvCxnSpPr>
-        <p:spPr>
-          <a:xfrm flipV="1">
-            <a:off x="1216701" y="2933075"/>
-            <a:ext cx="0" cy="2900597"/>
-          </a:xfrm>
-          <a:prstGeom prst="straightConnector1">
-            <a:avLst/>
-          </a:prstGeom>
-          <a:ln>
-            <a:tailEnd type="triangle"/>
-          </a:ln>
-        </p:spPr>
-        <p:style>
-          <a:lnRef idx="1">
-            <a:schemeClr val="accent1"/>
-          </a:lnRef>
-          <a:fillRef idx="0">
-            <a:schemeClr val="accent1"/>
-          </a:fillRef>
-          <a:effectRef idx="0">
-            <a:schemeClr val="accent1"/>
-          </a:effectRef>
-          <a:fontRef idx="minor">
-            <a:schemeClr val="tx1"/>
-          </a:fontRef>
-        </p:style>
-      </p:cxnSp>
-      <p:sp>
-        <p:nvSpPr>
-          <p:cNvPr id="21" name="TextBox 20"/>
-          <p:cNvSpPr txBox="1"/>
-          <p:nvPr/>
-        </p:nvSpPr>
-        <p:spPr>
-          <a:xfrm>
-            <a:off x="579779" y="5914098"/>
-            <a:ext cx="5917004" cy="697050"/>
-          </a:xfrm>
-          <a:prstGeom prst="rect">
-            <a:avLst/>
-          </a:prstGeom>
-          <a:noFill/>
-        </p:spPr>
-        <p:txBody>
-          <a:bodyPr wrap="none" rtlCol="0">
-            <a:spAutoFit/>
-          </a:bodyPr>
-          <a:lstStyle/>
-          <a:p>
-            <a:pPr>
-              <a:lnSpc>
-                <a:spcPct val="150000"/>
-              </a:lnSpc>
-            </a:pPr>
-            <a:r>
-              <a:rPr lang="ko-KR" altLang="en-US" sz="1400" dirty="0" smtClean="0"/>
-              <a:t>가로 크기에 따라 </a:t>
-            </a:r>
-            <a:r>
-              <a:rPr lang="ko-KR" altLang="en-US" sz="1400" dirty="0" err="1" smtClean="0"/>
-              <a:t>달라질수</a:t>
-            </a:r>
-            <a:r>
-              <a:rPr lang="ko-KR" altLang="en-US" sz="1400" dirty="0" smtClean="0"/>
-              <a:t> </a:t>
-            </a:r>
-            <a:r>
-              <a:rPr lang="ko-KR" altLang="en-US" sz="1400" dirty="0" err="1" smtClean="0"/>
-              <a:t>있는부분이라</a:t>
-            </a:r>
-            <a:r>
-              <a:rPr lang="en-US" altLang="ko-KR" sz="1400" dirty="0" smtClean="0"/>
-              <a:t>.</a:t>
-            </a:r>
-          </a:p>
-          <a:p>
-            <a:pPr>
-              <a:lnSpc>
-                <a:spcPct val="150000"/>
-              </a:lnSpc>
-            </a:pPr>
-            <a:r>
-              <a:rPr lang="ko-KR" altLang="en-US" sz="1400" dirty="0" smtClean="0"/>
-              <a:t>너무 보기가 싫으면</a:t>
-            </a:r>
-            <a:r>
-              <a:rPr lang="en-US" altLang="ko-KR" sz="1400" dirty="0" smtClean="0"/>
-              <a:t>, </a:t>
-            </a:r>
-            <a:r>
-              <a:rPr lang="ko-KR" altLang="en-US" sz="1400" dirty="0" smtClean="0"/>
-              <a:t>글자 수를 좀 줄이는 방법으로 해결할 수 있습니다</a:t>
-            </a:r>
-            <a:r>
-              <a:rPr lang="en-US" altLang="ko-KR" sz="1400" dirty="0" smtClean="0"/>
-              <a:t>.</a:t>
+              <a:t>변경</a:t>
             </a:r>
             <a:endParaRPr lang="ko-KR" altLang="en-US" sz="1400" dirty="0"/>
           </a:p>
@@ -5422,7 +5346,7 @@
     </p:spTree>
     <p:extLst>
       <p:ext uri="{BB962C8B-B14F-4D97-AF65-F5344CB8AC3E}">
-        <p14:creationId xmlns:p14="http://schemas.microsoft.com/office/powerpoint/2010/main" val="281238954"/>
+        <p14:creationId xmlns:p14="http://schemas.microsoft.com/office/powerpoint/2010/main" val="1576909514"/>
       </p:ext>
     </p:extLst>
   </p:cSld>
@@ -5583,6 +5507,590 @@
           <a:chExt cx="0" cy="0"/>
         </a:xfrm>
       </p:grpSpPr>
+      <p:sp>
+        <p:nvSpPr>
+          <p:cNvPr id="16" name="TextBox 15"/>
+          <p:cNvSpPr txBox="1"/>
+          <p:nvPr/>
+        </p:nvSpPr>
+        <p:spPr>
+          <a:xfrm>
+            <a:off x="487180" y="252119"/>
+            <a:ext cx="1821332" cy="369332"/>
+          </a:xfrm>
+          <a:prstGeom prst="rect">
+            <a:avLst/>
+          </a:prstGeom>
+          <a:noFill/>
+        </p:spPr>
+        <p:txBody>
+          <a:bodyPr wrap="none" rtlCol="0">
+            <a:spAutoFit/>
+          </a:bodyPr>
+          <a:lstStyle/>
+          <a:p>
+            <a:r>
+              <a:rPr lang="en-US" altLang="ko-KR" dirty="0" smtClean="0"/>
+              <a:t>UI-SJN-42-004L</a:t>
+            </a:r>
+            <a:endParaRPr lang="en-US" altLang="ko-KR" dirty="0"/>
+          </a:p>
+        </p:txBody>
+      </p:sp>
+      <p:pic>
+        <p:nvPicPr>
+          <p:cNvPr id="2" name="그림 1"/>
+          <p:cNvPicPr>
+            <a:picLocks noChangeAspect="1"/>
+          </p:cNvPicPr>
+          <p:nvPr/>
+        </p:nvPicPr>
+        <p:blipFill>
+          <a:blip r:embed="rId2"/>
+          <a:stretch>
+            <a:fillRect/>
+          </a:stretch>
+        </p:blipFill>
+        <p:spPr>
+          <a:xfrm>
+            <a:off x="303675" y="4292061"/>
+            <a:ext cx="5437558" cy="588998"/>
+          </a:xfrm>
+          <a:prstGeom prst="rect">
+            <a:avLst/>
+          </a:prstGeom>
+        </p:spPr>
+      </p:pic>
+      <p:pic>
+        <p:nvPicPr>
+          <p:cNvPr id="3" name="그림 2"/>
+          <p:cNvPicPr>
+            <a:picLocks noChangeAspect="1"/>
+          </p:cNvPicPr>
+          <p:nvPr/>
+        </p:nvPicPr>
+        <p:blipFill>
+          <a:blip r:embed="rId3"/>
+          <a:stretch>
+            <a:fillRect/>
+          </a:stretch>
+        </p:blipFill>
+        <p:spPr>
+          <a:xfrm>
+            <a:off x="487180" y="1202069"/>
+            <a:ext cx="4201111" cy="2715004"/>
+          </a:xfrm>
+          <a:prstGeom prst="rect">
+            <a:avLst/>
+          </a:prstGeom>
+        </p:spPr>
+      </p:pic>
+      <p:pic>
+        <p:nvPicPr>
+          <p:cNvPr id="5" name="그림 4"/>
+          <p:cNvPicPr>
+            <a:picLocks noChangeAspect="1"/>
+          </p:cNvPicPr>
+          <p:nvPr/>
+        </p:nvPicPr>
+        <p:blipFill>
+          <a:blip r:embed="rId4"/>
+          <a:stretch>
+            <a:fillRect/>
+          </a:stretch>
+        </p:blipFill>
+        <p:spPr>
+          <a:xfrm>
+            <a:off x="6553724" y="1052096"/>
+            <a:ext cx="4810796" cy="2610214"/>
+          </a:xfrm>
+          <a:prstGeom prst="rect">
+            <a:avLst/>
+          </a:prstGeom>
+        </p:spPr>
+      </p:pic>
+      <p:cxnSp>
+        <p:nvCxnSpPr>
+          <p:cNvPr id="7" name="직선 연결선 6"/>
+          <p:cNvCxnSpPr/>
+          <p:nvPr/>
+        </p:nvCxnSpPr>
+        <p:spPr>
+          <a:xfrm>
+            <a:off x="487180" y="4661941"/>
+            <a:ext cx="1686394" cy="0"/>
+          </a:xfrm>
+          <a:prstGeom prst="line">
+            <a:avLst/>
+          </a:prstGeom>
+        </p:spPr>
+        <p:style>
+          <a:lnRef idx="3">
+            <a:schemeClr val="accent2"/>
+          </a:lnRef>
+          <a:fillRef idx="0">
+            <a:schemeClr val="accent2"/>
+          </a:fillRef>
+          <a:effectRef idx="2">
+            <a:schemeClr val="accent2"/>
+          </a:effectRef>
+          <a:fontRef idx="minor">
+            <a:schemeClr val="tx1"/>
+          </a:fontRef>
+        </p:style>
+      </p:cxnSp>
+      <p:cxnSp>
+        <p:nvCxnSpPr>
+          <p:cNvPr id="10" name="직선 화살표 연결선 9"/>
+          <p:cNvCxnSpPr/>
+          <p:nvPr/>
+        </p:nvCxnSpPr>
+        <p:spPr>
+          <a:xfrm flipV="1">
+            <a:off x="487180" y="4774368"/>
+            <a:ext cx="0" cy="951875"/>
+          </a:xfrm>
+          <a:prstGeom prst="straightConnector1">
+            <a:avLst/>
+          </a:prstGeom>
+          <a:ln>
+            <a:tailEnd type="triangle"/>
+          </a:ln>
+        </p:spPr>
+        <p:style>
+          <a:lnRef idx="1">
+            <a:schemeClr val="accent1"/>
+          </a:lnRef>
+          <a:fillRef idx="0">
+            <a:schemeClr val="accent1"/>
+          </a:fillRef>
+          <a:effectRef idx="0">
+            <a:schemeClr val="accent1"/>
+          </a:effectRef>
+          <a:fontRef idx="minor">
+            <a:schemeClr val="tx1"/>
+          </a:fontRef>
+        </p:style>
+      </p:cxnSp>
+      <p:sp>
+        <p:nvSpPr>
+          <p:cNvPr id="20" name="TextBox 19"/>
+          <p:cNvSpPr txBox="1"/>
+          <p:nvPr/>
+        </p:nvSpPr>
+        <p:spPr>
+          <a:xfrm>
+            <a:off x="215310" y="5838669"/>
+            <a:ext cx="965329" cy="307777"/>
+          </a:xfrm>
+          <a:prstGeom prst="rect">
+            <a:avLst/>
+          </a:prstGeom>
+          <a:noFill/>
+        </p:spPr>
+        <p:txBody>
+          <a:bodyPr wrap="none" rtlCol="0">
+            <a:spAutoFit/>
+          </a:bodyPr>
+          <a:lstStyle/>
+          <a:p>
+            <a:r>
+              <a:rPr lang="ko-KR" altLang="en-US" sz="1400" smtClean="0"/>
+              <a:t>태그 삭제</a:t>
+            </a:r>
+            <a:endParaRPr lang="ko-KR" altLang="en-US" sz="1400" dirty="0"/>
+          </a:p>
+        </p:txBody>
+      </p:sp>
+      <p:sp>
+        <p:nvSpPr>
+          <p:cNvPr id="23" name="TextBox 22"/>
+          <p:cNvSpPr txBox="1"/>
+          <p:nvPr/>
+        </p:nvSpPr>
+        <p:spPr>
+          <a:xfrm>
+            <a:off x="6620462" y="4661941"/>
+            <a:ext cx="1386918" cy="307777"/>
+          </a:xfrm>
+          <a:prstGeom prst="rect">
+            <a:avLst/>
+          </a:prstGeom>
+          <a:noFill/>
+        </p:spPr>
+        <p:txBody>
+          <a:bodyPr wrap="none" rtlCol="0">
+            <a:spAutoFit/>
+          </a:bodyPr>
+          <a:lstStyle/>
+          <a:p>
+            <a:r>
+              <a:rPr lang="ko-KR" altLang="en-US" sz="1400" smtClean="0"/>
+              <a:t>태그 위치 변경</a:t>
+            </a:r>
+            <a:endParaRPr lang="ko-KR" altLang="en-US" sz="1400" dirty="0"/>
+          </a:p>
+        </p:txBody>
+      </p:sp>
+      <p:cxnSp>
+        <p:nvCxnSpPr>
+          <p:cNvPr id="17" name="직선 화살표 연결선 16"/>
+          <p:cNvCxnSpPr/>
+          <p:nvPr/>
+        </p:nvCxnSpPr>
+        <p:spPr>
+          <a:xfrm flipV="1">
+            <a:off x="6980225" y="2905237"/>
+            <a:ext cx="0" cy="1626432"/>
+          </a:xfrm>
+          <a:prstGeom prst="straightConnector1">
+            <a:avLst/>
+          </a:prstGeom>
+          <a:ln>
+            <a:tailEnd type="triangle"/>
+          </a:ln>
+        </p:spPr>
+        <p:style>
+          <a:lnRef idx="1">
+            <a:schemeClr val="accent1"/>
+          </a:lnRef>
+          <a:fillRef idx="0">
+            <a:schemeClr val="accent1"/>
+          </a:fillRef>
+          <a:effectRef idx="0">
+            <a:schemeClr val="accent1"/>
+          </a:effectRef>
+          <a:fontRef idx="minor">
+            <a:schemeClr val="tx1"/>
+          </a:fontRef>
+        </p:style>
+      </p:cxnSp>
+      <p:sp>
+        <p:nvSpPr>
+          <p:cNvPr id="24" name="직사각형 23"/>
+          <p:cNvSpPr/>
+          <p:nvPr/>
+        </p:nvSpPr>
+        <p:spPr>
+          <a:xfrm>
+            <a:off x="0" y="6453266"/>
+            <a:ext cx="12192000" cy="404734"/>
+          </a:xfrm>
+          <a:prstGeom prst="rect">
+            <a:avLst/>
+          </a:prstGeom>
+        </p:spPr>
+        <p:style>
+          <a:lnRef idx="2">
+            <a:schemeClr val="accent1">
+              <a:shade val="50000"/>
+            </a:schemeClr>
+          </a:lnRef>
+          <a:fillRef idx="1">
+            <a:schemeClr val="accent1"/>
+          </a:fillRef>
+          <a:effectRef idx="0">
+            <a:schemeClr val="accent1"/>
+          </a:effectRef>
+          <a:fontRef idx="minor">
+            <a:schemeClr val="lt1"/>
+          </a:fontRef>
+        </p:style>
+        <p:txBody>
+          <a:bodyPr rtlCol="0" anchor="ctr"/>
+          <a:lstStyle/>
+          <a:p>
+            <a:pPr algn="ctr"/>
+            <a:r>
+              <a:rPr lang="ko-KR" altLang="en-US" dirty="0" smtClean="0"/>
+              <a:t>아래에서 계속</a:t>
+            </a:r>
+            <a:endParaRPr lang="ko-KR" altLang="en-US" dirty="0"/>
+          </a:p>
+        </p:txBody>
+      </p:sp>
+    </p:spTree>
+    <p:extLst>
+      <p:ext uri="{BB962C8B-B14F-4D97-AF65-F5344CB8AC3E}">
+        <p14:creationId xmlns:p14="http://schemas.microsoft.com/office/powerpoint/2010/main" val="1957811728"/>
+      </p:ext>
+    </p:extLst>
+  </p:cSld>
+  <p:clrMapOvr>
+    <a:masterClrMapping/>
+  </p:clrMapOvr>
+</p:sld>
+</file>
+
+<file path=ppt/slides/slide21.xml><?xml version="1.0" encoding="utf-8"?>
+<p:sld xmlns:a="http://schemas.openxmlformats.org/drawingml/2006/main" xmlns:r="http://schemas.openxmlformats.org/officeDocument/2006/relationships" xmlns:p="http://schemas.openxmlformats.org/presentationml/2006/main">
+  <p:cSld>
+    <p:spTree>
+      <p:nvGrpSpPr>
+        <p:cNvPr id="1" name=""/>
+        <p:cNvGrpSpPr/>
+        <p:nvPr/>
+      </p:nvGrpSpPr>
+      <p:grpSpPr>
+        <a:xfrm>
+          <a:off x="0" y="0"/>
+          <a:ext cx="0" cy="0"/>
+          <a:chOff x="0" y="0"/>
+          <a:chExt cx="0" cy="0"/>
+        </a:xfrm>
+      </p:grpSpPr>
+      <p:pic>
+        <p:nvPicPr>
+          <p:cNvPr id="4" name="그림 3"/>
+          <p:cNvPicPr>
+            <a:picLocks noChangeAspect="1"/>
+          </p:cNvPicPr>
+          <p:nvPr/>
+        </p:nvPicPr>
+        <p:blipFill>
+          <a:blip r:embed="rId2"/>
+          <a:stretch>
+            <a:fillRect/>
+          </a:stretch>
+        </p:blipFill>
+        <p:spPr>
+          <a:xfrm>
+            <a:off x="663282" y="939817"/>
+            <a:ext cx="3820058" cy="3839111"/>
+          </a:xfrm>
+          <a:prstGeom prst="rect">
+            <a:avLst/>
+          </a:prstGeom>
+        </p:spPr>
+      </p:pic>
+      <p:pic>
+        <p:nvPicPr>
+          <p:cNvPr id="6" name="그림 5"/>
+          <p:cNvPicPr>
+            <a:picLocks noChangeAspect="1"/>
+          </p:cNvPicPr>
+          <p:nvPr/>
+        </p:nvPicPr>
+        <p:blipFill>
+          <a:blip r:embed="rId3"/>
+          <a:stretch>
+            <a:fillRect/>
+          </a:stretch>
+        </p:blipFill>
+        <p:spPr>
+          <a:xfrm>
+            <a:off x="6226246" y="892185"/>
+            <a:ext cx="4191585" cy="3934374"/>
+          </a:xfrm>
+          <a:prstGeom prst="rect">
+            <a:avLst/>
+          </a:prstGeom>
+        </p:spPr>
+      </p:pic>
+      <p:cxnSp>
+        <p:nvCxnSpPr>
+          <p:cNvPr id="9" name="직선 화살표 연결선 8"/>
+          <p:cNvCxnSpPr/>
+          <p:nvPr/>
+        </p:nvCxnSpPr>
+        <p:spPr>
+          <a:xfrm flipV="1">
+            <a:off x="8904157" y="2653259"/>
+            <a:ext cx="0" cy="2900597"/>
+          </a:xfrm>
+          <a:prstGeom prst="straightConnector1">
+            <a:avLst/>
+          </a:prstGeom>
+          <a:ln>
+            <a:tailEnd type="triangle"/>
+          </a:ln>
+        </p:spPr>
+        <p:style>
+          <a:lnRef idx="1">
+            <a:schemeClr val="accent1"/>
+          </a:lnRef>
+          <a:fillRef idx="0">
+            <a:schemeClr val="accent1"/>
+          </a:fillRef>
+          <a:effectRef idx="0">
+            <a:schemeClr val="accent1"/>
+          </a:effectRef>
+          <a:fontRef idx="minor">
+            <a:schemeClr val="tx1"/>
+          </a:fontRef>
+        </p:style>
+      </p:cxnSp>
+      <p:sp>
+        <p:nvSpPr>
+          <p:cNvPr id="18" name="TextBox 17"/>
+          <p:cNvSpPr txBox="1"/>
+          <p:nvPr/>
+        </p:nvSpPr>
+        <p:spPr>
+          <a:xfrm>
+            <a:off x="8042382" y="5748728"/>
+            <a:ext cx="1723549" cy="307777"/>
+          </a:xfrm>
+          <a:prstGeom prst="rect">
+            <a:avLst/>
+          </a:prstGeom>
+          <a:noFill/>
+        </p:spPr>
+        <p:txBody>
+          <a:bodyPr wrap="none" rtlCol="0">
+            <a:spAutoFit/>
+          </a:bodyPr>
+          <a:lstStyle/>
+          <a:p>
+            <a:r>
+              <a:rPr lang="ko-KR" altLang="en-US" sz="1400" dirty="0" smtClean="0"/>
+              <a:t>공백을 줄였습니다</a:t>
+            </a:r>
+            <a:r>
+              <a:rPr lang="en-US" altLang="ko-KR" sz="1400" dirty="0" smtClean="0"/>
+              <a:t>.</a:t>
+            </a:r>
+            <a:endParaRPr lang="ko-KR" altLang="en-US" sz="1400" dirty="0"/>
+          </a:p>
+        </p:txBody>
+      </p:sp>
+      <p:cxnSp>
+        <p:nvCxnSpPr>
+          <p:cNvPr id="19" name="직선 화살표 연결선 18"/>
+          <p:cNvCxnSpPr/>
+          <p:nvPr/>
+        </p:nvCxnSpPr>
+        <p:spPr>
+          <a:xfrm flipV="1">
+            <a:off x="1216701" y="2933075"/>
+            <a:ext cx="0" cy="2900597"/>
+          </a:xfrm>
+          <a:prstGeom prst="straightConnector1">
+            <a:avLst/>
+          </a:prstGeom>
+          <a:ln>
+            <a:tailEnd type="triangle"/>
+          </a:ln>
+        </p:spPr>
+        <p:style>
+          <a:lnRef idx="1">
+            <a:schemeClr val="accent1"/>
+          </a:lnRef>
+          <a:fillRef idx="0">
+            <a:schemeClr val="accent1"/>
+          </a:fillRef>
+          <a:effectRef idx="0">
+            <a:schemeClr val="accent1"/>
+          </a:effectRef>
+          <a:fontRef idx="minor">
+            <a:schemeClr val="tx1"/>
+          </a:fontRef>
+        </p:style>
+      </p:cxnSp>
+      <p:sp>
+        <p:nvSpPr>
+          <p:cNvPr id="21" name="TextBox 20"/>
+          <p:cNvSpPr txBox="1"/>
+          <p:nvPr/>
+        </p:nvSpPr>
+        <p:spPr>
+          <a:xfrm>
+            <a:off x="579779" y="5914098"/>
+            <a:ext cx="5917004" cy="697050"/>
+          </a:xfrm>
+          <a:prstGeom prst="rect">
+            <a:avLst/>
+          </a:prstGeom>
+          <a:noFill/>
+        </p:spPr>
+        <p:txBody>
+          <a:bodyPr wrap="none" rtlCol="0">
+            <a:spAutoFit/>
+          </a:bodyPr>
+          <a:lstStyle/>
+          <a:p>
+            <a:pPr>
+              <a:lnSpc>
+                <a:spcPct val="150000"/>
+              </a:lnSpc>
+            </a:pPr>
+            <a:r>
+              <a:rPr lang="ko-KR" altLang="en-US" sz="1400" dirty="0" smtClean="0"/>
+              <a:t>가로 크기에 따라 </a:t>
+            </a:r>
+            <a:r>
+              <a:rPr lang="ko-KR" altLang="en-US" sz="1400" dirty="0" err="1" smtClean="0"/>
+              <a:t>달라질수</a:t>
+            </a:r>
+            <a:r>
+              <a:rPr lang="ko-KR" altLang="en-US" sz="1400" dirty="0" smtClean="0"/>
+              <a:t> </a:t>
+            </a:r>
+            <a:r>
+              <a:rPr lang="ko-KR" altLang="en-US" sz="1400" dirty="0" err="1" smtClean="0"/>
+              <a:t>있는부분이라</a:t>
+            </a:r>
+            <a:r>
+              <a:rPr lang="en-US" altLang="ko-KR" sz="1400" dirty="0" smtClean="0"/>
+              <a:t>.</a:t>
+            </a:r>
+          </a:p>
+          <a:p>
+            <a:pPr>
+              <a:lnSpc>
+                <a:spcPct val="150000"/>
+              </a:lnSpc>
+            </a:pPr>
+            <a:r>
+              <a:rPr lang="ko-KR" altLang="en-US" sz="1400" dirty="0" smtClean="0"/>
+              <a:t>너무 보기가 싫으면</a:t>
+            </a:r>
+            <a:r>
+              <a:rPr lang="en-US" altLang="ko-KR" sz="1400" dirty="0" smtClean="0"/>
+              <a:t>, </a:t>
+            </a:r>
+            <a:r>
+              <a:rPr lang="ko-KR" altLang="en-US" sz="1400" dirty="0" smtClean="0"/>
+              <a:t>글자 수를 좀 줄이는 방법으로 해결할 수 있습니다</a:t>
+            </a:r>
+            <a:r>
+              <a:rPr lang="en-US" altLang="ko-KR" sz="1400" dirty="0" smtClean="0"/>
+              <a:t>.</a:t>
+            </a:r>
+            <a:endParaRPr lang="ko-KR" altLang="en-US" sz="1400" dirty="0"/>
+          </a:p>
+        </p:txBody>
+      </p:sp>
+    </p:spTree>
+    <p:extLst>
+      <p:ext uri="{BB962C8B-B14F-4D97-AF65-F5344CB8AC3E}">
+        <p14:creationId xmlns:p14="http://schemas.microsoft.com/office/powerpoint/2010/main" val="281238954"/>
+      </p:ext>
+    </p:extLst>
+  </p:cSld>
+  <p:clrMapOvr>
+    <a:masterClrMapping/>
+  </p:clrMapOvr>
+</p:sld>
+</file>
+
+<file path=ppt/slides/slide22.xml><?xml version="1.0" encoding="utf-8"?>
+<p:sld xmlns:a="http://schemas.openxmlformats.org/drawingml/2006/main" xmlns:r="http://schemas.openxmlformats.org/officeDocument/2006/relationships" xmlns:p="http://schemas.openxmlformats.org/presentationml/2006/main">
+  <p:cSld>
+    <p:spTree>
+      <p:nvGrpSpPr>
+        <p:cNvPr id="1" name=""/>
+        <p:cNvGrpSpPr/>
+        <p:nvPr/>
+      </p:nvGrpSpPr>
+      <p:grpSpPr>
+        <a:xfrm>
+          <a:off x="0" y="0"/>
+          <a:ext cx="0" cy="0"/>
+          <a:chOff x="0" y="0"/>
+          <a:chExt cx="0" cy="0"/>
+        </a:xfrm>
+      </p:grpSpPr>
       <p:pic>
         <p:nvPicPr>
           <p:cNvPr id="11" name="그림 10"/>
@@ -5902,7 +6410,7 @@
 </p:sld>
 </file>
 
-<file path=ppt/slides/slide21.xml><?xml version="1.0" encoding="utf-8"?>
+<file path=ppt/slides/slide23.xml><?xml version="1.0" encoding="utf-8"?>
 <p:sld xmlns:a="http://schemas.openxmlformats.org/drawingml/2006/main" xmlns:r="http://schemas.openxmlformats.org/officeDocument/2006/relationships" xmlns:p="http://schemas.openxmlformats.org/presentationml/2006/main">
   <p:cSld>
     <p:spTree>
